--- a/RR_marathon_LT_ppt.pptx
+++ b/RR_marathon_LT_ppt.pptx
@@ -112,6 +112,11 @@
       </a:defRPr>
     </a:lvl9pPr>
   </p:defaultTextStyle>
+  <p:extLst>
+    <p:ext uri="{EFAFB233-063F-42B5-8137-9DF3F51BA10A}">
+      <p15:sldGuideLst xmlns:p15="http://schemas.microsoft.com/office/powerpoint/2012/main"/>
+    </p:ext>
+  </p:extLst>
 </p:presentation>
 </file>
 
@@ -1946,62 +1951,50 @@
   <cx:chartData>
     <cx:externalData r:id="rId1" cx:autoUpdate="0"/>
     <cx:data id="0">
-      <cx:strDim type="cat">
-        <cx:f dir="row">Analysis!$B$22:$E$22</cx:f>
-        <cx:lvl ptCount="4">
-          <cx:pt idx="0">2016HM</cx:pt>
-          <cx:pt idx="1">2017HM</cx:pt>
-          <cx:pt idx="2">2018HM</cx:pt>
-          <cx:pt idx="3">2019HM</cx:pt>
-        </cx:lvl>
-      </cx:strDim>
       <cx:numDim type="val">
-        <cx:f dir="row">Analysis!$B$23:$E$23</cx:f>
-        <cx:lvl ptCount="4" formatCode="h:mm:ss;@">
-          <cx:pt idx="0">0.089097222222222217</cx:pt>
-          <cx:pt idx="1">0.096030092592592597</cx:pt>
-          <cx:pt idx="2">0.088437500000000002</cx:pt>
-          <cx:pt idx="3">0.088240740740740745</cx:pt>
+        <cx:f>Analysis!$B$23:$B$27</cx:f>
+        <cx:lvl ptCount="5" formatCode="h:mm:ss;@">
+          <cx:pt idx="0">0.049479166666666664</cx:pt>
+          <cx:pt idx="1">0.089097222222222217</cx:pt>
+          <cx:pt idx="2">0.10159722222222223</cx:pt>
+          <cx:pt idx="3">0.11818287037037038</cx:pt>
+          <cx:pt idx="4">0.20464120370370367</cx:pt>
         </cx:lvl>
       </cx:numDim>
     </cx:data>
     <cx:data id="1">
-      <cx:strDim type="cat">
-        <cx:f dir="row">Analysis!$B$22:$E$22</cx:f>
-        <cx:lvl ptCount="4">
-          <cx:pt idx="0">2016HM</cx:pt>
-          <cx:pt idx="1">2017HM</cx:pt>
-          <cx:pt idx="2">2018HM</cx:pt>
-          <cx:pt idx="3">2019HM</cx:pt>
-        </cx:lvl>
-      </cx:strDim>
       <cx:numDim type="val">
-        <cx:f dir="row">Analysis!$B$24:$E$24</cx:f>
-        <cx:lvl ptCount="4" formatCode="h:mm:ss;@">
-          <cx:pt idx="0">0.10159722222222223</cx:pt>
-          <cx:pt idx="1">0.11081018518518519</cx:pt>
-          <cx:pt idx="2">0.10106481481481482</cx:pt>
-          <cx:pt idx="3">0.10146990740740741</cx:pt>
+        <cx:f>Analysis!$C$23:$C$27</cx:f>
+        <cx:lvl ptCount="5" formatCode="h:mm:ss;@">
+          <cx:pt idx="0">0.049282407407407407</cx:pt>
+          <cx:pt idx="1">0.096030092592592597</cx:pt>
+          <cx:pt idx="2">0.11081018518518519</cx:pt>
+          <cx:pt idx="3">0.12858796296296296</cx:pt>
+          <cx:pt idx="4">0.26277777777777778</cx:pt>
         </cx:lvl>
       </cx:numDim>
     </cx:data>
     <cx:data id="2">
-      <cx:strDim type="cat">
-        <cx:f dir="row">Analysis!$B$22:$E$22</cx:f>
-        <cx:lvl ptCount="4">
-          <cx:pt idx="0">2016HM</cx:pt>
-          <cx:pt idx="1">2017HM</cx:pt>
-          <cx:pt idx="2">2018HM</cx:pt>
-          <cx:pt idx="3">2019HM</cx:pt>
+      <cx:numDim type="val">
+        <cx:f>Analysis!$D$23:$D$27</cx:f>
+        <cx:lvl ptCount="5" formatCode="h:mm:ss;@">
+          <cx:pt idx="0">0.048206018518518523</cx:pt>
+          <cx:pt idx="1">0.088437500000000002</cx:pt>
+          <cx:pt idx="2">0.10106481481481482</cx:pt>
+          <cx:pt idx="3">0.11893518518518519</cx:pt>
+          <cx:pt idx="4">0.20006944444444444</cx:pt>
         </cx:lvl>
-      </cx:strDim>
+      </cx:numDim>
+    </cx:data>
+    <cx:data id="3">
       <cx:numDim type="val">
-        <cx:f dir="row">Analysis!$B$25:$E$25</cx:f>
-        <cx:lvl ptCount="4" formatCode="h:mm:ss;@">
-          <cx:pt idx="0">0.11818287037037038</cx:pt>
-          <cx:pt idx="1">0.12858796296296296</cx:pt>
-          <cx:pt idx="2">0.11893518518518519</cx:pt>
+        <cx:f>Analysis!$E$23:$E$27</cx:f>
+        <cx:lvl ptCount="5" formatCode="h:mm:ss;@">
+          <cx:pt idx="0">0.048645833333333333</cx:pt>
+          <cx:pt idx="1">0.088240740740740745</cx:pt>
+          <cx:pt idx="2">0.10146990740740741</cx:pt>
           <cx:pt idx="3">0.11909722222222223</cx:pt>
+          <cx:pt idx="4">0.21082175925925925</cx:pt>
         </cx:lvl>
       </cx:numDim>
     </cx:data>
@@ -2009,217 +2002,91 @@
   <cx:chart>
     <cx:title pos="t" align="ctr" overlay="0">
       <cx:tx>
-        <cx:txData>
-          <cx:v>Quartiles Half Marathons 2016-2019</cx:v>
-        </cx:txData>
+        <cx:rich>
+          <a:bodyPr spcFirstLastPara="1" vertOverflow="ellipsis" horzOverflow="overflow" wrap="square" lIns="0" tIns="0" rIns="0" bIns="0" anchor="ctr" anchorCtr="1"/>
+          <a:lstStyle/>
+          <a:p>
+            <a:pPr algn="ctr" rtl="0">
+              <a:defRPr sz="2000"/>
+            </a:pPr>
+            <a:r>
+              <a:rPr lang="en-US" sz="2000" b="1" i="0" u="none" strike="noStrike" baseline="0" dirty="0">
+                <a:solidFill>
+                  <a:sysClr val="windowText" lastClr="000000">
+                    <a:lumMod val="65000"/>
+                    <a:lumOff val="35000"/>
+                  </a:sysClr>
+                </a:solidFill>
+                <a:latin typeface="Calibri" panose="020F0502020204030204"/>
+              </a:rPr>
+              <a:t>Quartiles Half Marathons 2016-2019 </a:t>
+            </a:r>
+          </a:p>
+        </cx:rich>
       </cx:tx>
-      <cx:txPr>
-        <a:bodyPr spcFirstLastPara="1" vertOverflow="ellipsis" horzOverflow="overflow" wrap="square" lIns="0" tIns="0" rIns="0" bIns="0" anchor="ctr" anchorCtr="1"/>
-        <a:lstStyle/>
-        <a:p>
-          <a:pPr algn="ctr" rtl="0">
-            <a:defRPr sz="2000" b="1">
-              <a:effectLst/>
-            </a:defRPr>
-          </a:pPr>
-          <a:r>
-            <a:rPr lang="en-US" sz="2000" b="1" i="0" u="none" strike="noStrike" baseline="0">
-              <a:solidFill>
-                <a:sysClr val="windowText" lastClr="000000">
-                  <a:lumMod val="65000"/>
-                  <a:lumOff val="35000"/>
-                </a:sysClr>
-              </a:solidFill>
-              <a:effectLst/>
-              <a:latin typeface="Calibri" panose="020F0502020204030204"/>
-            </a:rPr>
-            <a:t>Quartiles Half Marathons 2016-2019</a:t>
-          </a:r>
-        </a:p>
-      </cx:txPr>
     </cx:title>
     <cx:plotArea>
       <cx:plotAreaRegion>
-        <cx:series layoutId="boxWhisker" uniqueId="{4EC18C4D-2FE8-434C-845E-DEAED360213F}" formatIdx="0">
+        <cx:series layoutId="boxWhisker" uniqueId="{00000007-9F27-42FD-A50C-C9CFF1490426}">
           <cx:tx>
             <cx:txData>
-              <cx:f>Analysis!$A$23</cx:f>
-              <cx:v>Q1: 25%</cx:v>
+              <cx:v>2016HM</cx:v>
             </cx:txData>
           </cx:tx>
-          <cx:dataLabels pos="r">
-            <cx:numFmt formatCode="h:mm:ss;@" sourceLinked="0"/>
-            <cx:spPr>
-              <a:solidFill>
-                <a:sysClr val="window" lastClr="FFFFFF"/>
-              </a:solidFill>
-              <a:ln w="12700" cap="flat" cmpd="sng" algn="ctr">
-                <a:noFill/>
-                <a:prstDash val="solid"/>
-                <a:miter lim="800000"/>
-              </a:ln>
-              <a:effectLst/>
-            </cx:spPr>
-            <cx:txPr>
-              <a:bodyPr spcFirstLastPara="1" vertOverflow="ellipsis" horzOverflow="overflow" wrap="square" lIns="0" tIns="0" rIns="0" bIns="0" anchor="ctr" anchorCtr="1"/>
-              <a:lstStyle/>
-              <a:p>
-                <a:pPr algn="ctr" rtl="0">
-                  <a:defRPr sz="1400" b="0">
-                    <a:ln w="9525" cmpd="sng">
-                      <a:solidFill>
-                        <a:schemeClr val="tx1">
-                          <a:alpha val="0"/>
-                        </a:schemeClr>
-                      </a:solidFill>
-                    </a:ln>
-                    <a:solidFill>
-                      <a:sysClr val="windowText" lastClr="000000"/>
-                    </a:solidFill>
-                    <a:effectLst/>
-                  </a:defRPr>
-                </a:pPr>
-                <a:endParaRPr lang="en-US" sz="1400" b="0" i="0" u="none" strike="noStrike" baseline="0">
-                  <a:ln w="9525" cmpd="sng">
-                    <a:solidFill>
-                      <a:schemeClr val="tx1">
-                        <a:alpha val="0"/>
-                      </a:schemeClr>
-                    </a:solidFill>
-                  </a:ln>
-                  <a:solidFill>
-                    <a:sysClr val="windowText" lastClr="000000"/>
-                  </a:solidFill>
-                  <a:effectLst/>
-                  <a:latin typeface="Calibri" panose="020F0502020204030204"/>
-                </a:endParaRPr>
-              </a:p>
-            </cx:txPr>
-            <cx:visibility seriesName="0" categoryName="0" value="1"/>
-            <cx:separator>, </cx:separator>
-          </cx:dataLabels>
           <cx:dataId val="0"/>
           <cx:layoutPr>
-            <cx:visibility meanLine="0" meanMarker="1" nonoutliers="0" outliers="1"/>
             <cx:statistics quartileMethod="exclusive"/>
           </cx:layoutPr>
         </cx:series>
-        <cx:series layoutId="boxWhisker" uniqueId="{EBDCECE3-17AA-47AF-8890-350037025DB5}" formatIdx="1">
+        <cx:series layoutId="boxWhisker" uniqueId="{00000008-9F27-42FD-A50C-C9CFF1490426}">
           <cx:tx>
             <cx:txData>
-              <cx:f>Analysis!$A$24</cx:f>
-              <cx:v>Q2: 50%</cx:v>
+              <cx:v>2017HM</cx:v>
             </cx:txData>
           </cx:tx>
-          <cx:dataLabels pos="r">
-            <cx:spPr>
-              <a:solidFill>
-                <a:sysClr val="window" lastClr="FFFFFF"/>
-              </a:solidFill>
-              <a:ln w="12700" cap="flat" cmpd="sng" algn="ctr">
-                <a:noFill/>
-                <a:prstDash val="solid"/>
-                <a:miter lim="800000"/>
-              </a:ln>
-              <a:effectLst/>
-            </cx:spPr>
-            <cx:txPr>
-              <a:bodyPr spcFirstLastPara="1" vertOverflow="ellipsis" horzOverflow="overflow" wrap="square" lIns="0" tIns="0" rIns="0" bIns="0" anchor="ctr" anchorCtr="1"/>
-              <a:lstStyle/>
-              <a:p>
-                <a:pPr algn="ctr" rtl="0">
-                  <a:defRPr sz="1400" b="0">
-                    <a:ln>
-                      <a:noFill/>
-                    </a:ln>
-                    <a:solidFill>
-                      <a:schemeClr val="tx1"/>
-                    </a:solidFill>
-                  </a:defRPr>
-                </a:pPr>
-                <a:endParaRPr lang="en-US" sz="1400" b="0" i="0" u="none" strike="noStrike" baseline="0">
-                  <a:ln>
-                    <a:noFill/>
-                  </a:ln>
-                  <a:solidFill>
-                    <a:schemeClr val="tx1"/>
-                  </a:solidFill>
-                  <a:latin typeface="Calibri" panose="020F0502020204030204"/>
-                </a:endParaRPr>
-              </a:p>
-            </cx:txPr>
-            <cx:visibility seriesName="0" categoryName="0" value="1"/>
-            <cx:separator>, </cx:separator>
-          </cx:dataLabels>
           <cx:dataId val="1"/>
           <cx:layoutPr>
-            <cx:visibility meanLine="0" meanMarker="1" nonoutliers="0" outliers="1"/>
             <cx:statistics quartileMethod="exclusive"/>
           </cx:layoutPr>
         </cx:series>
-        <cx:series layoutId="boxWhisker" uniqueId="{E779224D-984C-4C45-9F91-BC405DBD70E3}" formatIdx="2">
+        <cx:series layoutId="boxWhisker" uniqueId="{00000009-9F27-42FD-A50C-C9CFF1490426}">
           <cx:tx>
             <cx:txData>
-              <cx:f>Analysis!$A$25</cx:f>
-              <cx:v>Q3: 75%</cx:v>
+              <cx:v>2018HM</cx:v>
             </cx:txData>
           </cx:tx>
-          <cx:dataLabels pos="r">
-            <cx:spPr>
-              <a:solidFill>
-                <a:sysClr val="window" lastClr="FFFFFF"/>
-              </a:solidFill>
-              <a:ln w="12700" cap="flat" cmpd="sng" algn="ctr">
-                <a:noFill/>
-                <a:prstDash val="solid"/>
-                <a:miter lim="800000"/>
-              </a:ln>
-              <a:effectLst/>
-            </cx:spPr>
-            <cx:txPr>
-              <a:bodyPr spcFirstLastPara="1" vertOverflow="ellipsis" horzOverflow="overflow" wrap="square" lIns="0" tIns="0" rIns="0" bIns="0" anchor="ctr" anchorCtr="1"/>
-              <a:lstStyle/>
-              <a:p>
-                <a:pPr algn="ctr" rtl="0">
-                  <a:defRPr sz="1400" b="0">
-                    <a:solidFill>
-                      <a:schemeClr val="tx1"/>
-                    </a:solidFill>
-                  </a:defRPr>
-                </a:pPr>
-                <a:endParaRPr lang="en-US" sz="1400" b="0" i="0" u="none" strike="noStrike" baseline="0">
-                  <a:solidFill>
-                    <a:schemeClr val="tx1"/>
-                  </a:solidFill>
-                  <a:latin typeface="Calibri" panose="020F0502020204030204"/>
-                </a:endParaRPr>
-              </a:p>
-            </cx:txPr>
-            <cx:visibility seriesName="0" categoryName="0" value="1"/>
-            <cx:separator>, </cx:separator>
-          </cx:dataLabels>
           <cx:dataId val="2"/>
           <cx:layoutPr>
-            <cx:visibility meanLine="0" meanMarker="1" nonoutliers="0" outliers="1"/>
+            <cx:statistics quartileMethod="exclusive"/>
+          </cx:layoutPr>
+        </cx:series>
+        <cx:series layoutId="boxWhisker" uniqueId="{0000000A-9F27-42FD-A50C-C9CFF1490426}">
+          <cx:tx>
+            <cx:txData>
+              <cx:v>2019HM</cx:v>
+            </cx:txData>
+          </cx:tx>
+          <cx:dataId val="3"/>
+          <cx:layoutPr>
             <cx:statistics quartileMethod="exclusive"/>
           </cx:layoutPr>
         </cx:series>
       </cx:plotAreaRegion>
-      <cx:axis id="0">
-        <cx:catScaling gapWidth="0.860000014"/>
+      <cx:axis id="0" hidden="1">
+        <cx:catScaling gapWidth="1.5"/>
         <cx:title>
           <cx:txPr>
             <a:bodyPr spcFirstLastPara="1" vertOverflow="ellipsis" horzOverflow="overflow" wrap="square" lIns="0" tIns="0" rIns="0" bIns="0" anchor="ctr" anchorCtr="1"/>
             <a:lstStyle/>
             <a:p>
               <a:pPr algn="ctr" rtl="0">
-                <a:defRPr sz="1400" b="0"/>
+                <a:defRPr sz="1600"/>
               </a:pPr>
-              <a:endParaRPr lang="en-US" sz="1400" b="0" i="0" u="none" strike="noStrike" baseline="0">
+              <a:endParaRPr lang="en-US" sz="1600" b="0" i="0" u="none" strike="noStrike" baseline="0">
                 <a:solidFill>
                   <a:sysClr val="windowText" lastClr="000000">
-                    <a:lumMod val="65000"/>
-                    <a:lumOff val="35000"/>
+                    <a:lumMod val="75000"/>
+                    <a:lumOff val="25000"/>
                   </a:sysClr>
                 </a:solidFill>
                 <a:latin typeface="Calibri" panose="020F0502020204030204"/>
@@ -2228,34 +2095,30 @@
           </cx:txPr>
         </cx:title>
         <cx:tickLabels/>
-        <cx:numFmt formatCode="#,##0;-#,##0" sourceLinked="0"/>
         <cx:txPr>
           <a:bodyPr vertOverflow="overflow" horzOverflow="overflow" wrap="square" lIns="0" tIns="0" rIns="0" bIns="0"/>
           <a:lstStyle/>
           <a:p>
             <a:pPr algn="ctr" rtl="0">
-              <a:defRPr sz="1400" b="0" i="0">
+              <a:defRPr sz="1600" b="0" i="0">
                 <a:solidFill>
-                  <a:srgbClr val="595959"/>
+                  <a:srgbClr val="404040"/>
                 </a:solidFill>
-                <a:effectLst/>
-                <a:latin typeface="Calibri" panose="020F0502020204030204" pitchFamily="34" charset="0"/>
-                <a:ea typeface="Calibri" panose="020F0502020204030204" pitchFamily="34" charset="0"/>
-                <a:cs typeface="Calibri" panose="020F0502020204030204" pitchFamily="34" charset="0"/>
+                <a:latin typeface="Tw Cen MT" panose="020B0602020104020603" pitchFamily="34" charset="0"/>
+                <a:ea typeface="Tw Cen MT" panose="020B0602020104020603" pitchFamily="34" charset="0"/>
+                <a:cs typeface="Tw Cen MT" panose="020B0602020104020603" pitchFamily="34" charset="0"/>
               </a:defRPr>
             </a:pPr>
-            <a:endParaRPr lang="en-US" sz="1400" b="0">
-              <a:effectLst/>
-            </a:endParaRPr>
+            <a:endParaRPr lang="en-US" sz="1600"/>
           </a:p>
         </cx:txPr>
       </cx:axis>
       <cx:axis id="1">
-        <cx:valScaling max="0.14000000000000001"/>
+        <cx:valScaling/>
         <cx:title>
           <cx:tx>
             <cx:txData>
-              <cx:v> Time</cx:v>
+              <cx:v>Time</cx:v>
             </cx:txData>
           </cx:tx>
           <cx:txPr>
@@ -2263,19 +2126,19 @@
             <a:lstStyle/>
             <a:p>
               <a:pPr algn="ctr" rtl="0">
-                <a:defRPr sz="1400" b="0"/>
+                <a:defRPr sz="1600"/>
               </a:pPr>
               <a:r>
-                <a:rPr lang="en-US" sz="1400" b="0" i="0" u="none" strike="noStrike" baseline="0">
+                <a:rPr lang="en-US" sz="1600" b="0" i="0" u="none" strike="noStrike" baseline="0">
                   <a:solidFill>
                     <a:sysClr val="windowText" lastClr="000000">
-                      <a:lumMod val="65000"/>
-                      <a:lumOff val="35000"/>
+                      <a:lumMod val="75000"/>
+                      <a:lumOff val="25000"/>
                     </a:sysClr>
                   </a:solidFill>
                   <a:latin typeface="Calibri" panose="020F0502020204030204"/>
                 </a:rPr>
-                <a:t> Time</a:t>
+                <a:t>Time</a:t>
               </a:r>
             </a:p>
           </cx:txPr>
@@ -2283,62 +2146,46 @@
         <cx:majorGridlines/>
         <cx:tickLabels/>
         <cx:txPr>
-          <a:bodyPr vertOverflow="overflow" horzOverflow="overflow" wrap="square" lIns="0" tIns="0" rIns="0" bIns="0"/>
+          <a:bodyPr spcFirstLastPara="1" vertOverflow="ellipsis" horzOverflow="overflow" wrap="square" lIns="0" tIns="0" rIns="0" bIns="0" anchor="ctr" anchorCtr="1"/>
           <a:lstStyle/>
           <a:p>
             <a:pPr algn="ctr" rtl="0">
-              <a:defRPr sz="1400" b="0" i="0">
-                <a:solidFill>
-                  <a:schemeClr val="tx1"/>
-                </a:solidFill>
-                <a:effectLst/>
-                <a:latin typeface="Calibri" panose="020F0502020204030204" pitchFamily="34" charset="0"/>
-                <a:ea typeface="Calibri" panose="020F0502020204030204" pitchFamily="34" charset="0"/>
-                <a:cs typeface="Calibri" panose="020F0502020204030204" pitchFamily="34" charset="0"/>
-              </a:defRPr>
+              <a:defRPr sz="1600"/>
             </a:pPr>
-            <a:endParaRPr lang="en-US" sz="1400" b="0">
+            <a:endParaRPr lang="en-US" sz="1600" b="0" i="0" u="none" strike="noStrike" baseline="0">
               <a:solidFill>
-                <a:schemeClr val="tx1"/>
+                <a:sysClr val="windowText" lastClr="000000">
+                  <a:lumMod val="75000"/>
+                  <a:lumOff val="25000"/>
+                </a:sysClr>
               </a:solidFill>
-              <a:effectLst/>
+              <a:latin typeface="Calibri" panose="020F0502020204030204"/>
             </a:endParaRPr>
           </a:p>
         </cx:txPr>
       </cx:axis>
     </cx:plotArea>
-    <cx:legend pos="t" align="ctr" overlay="0">
+    <cx:legend pos="b" align="ctr" overlay="1">
       <cx:txPr>
-        <a:bodyPr vertOverflow="overflow" horzOverflow="overflow" wrap="square" lIns="0" tIns="0" rIns="0" bIns="0"/>
+        <a:bodyPr spcFirstLastPara="1" vertOverflow="ellipsis" horzOverflow="overflow" wrap="square" lIns="0" tIns="0" rIns="0" bIns="0" anchor="ctr" anchorCtr="1"/>
         <a:lstStyle/>
         <a:p>
           <a:pPr algn="ctr" rtl="0">
-            <a:defRPr sz="1400" b="0" i="0">
-              <a:solidFill>
-                <a:srgbClr val="595959"/>
-              </a:solidFill>
-              <a:latin typeface="Calibri" panose="020F0502020204030204" pitchFamily="34" charset="0"/>
-              <a:ea typeface="Calibri" panose="020F0502020204030204" pitchFamily="34" charset="0"/>
-              <a:cs typeface="Calibri" panose="020F0502020204030204" pitchFamily="34" charset="0"/>
-            </a:defRPr>
+            <a:defRPr sz="1600"/>
           </a:pPr>
-          <a:endParaRPr lang="en-US" sz="1400" b="0"/>
+          <a:endParaRPr lang="en-US" sz="1600" b="0" i="0" u="none" strike="noStrike" baseline="0">
+            <a:solidFill>
+              <a:sysClr val="windowText" lastClr="000000">
+                <a:lumMod val="75000"/>
+                <a:lumOff val="25000"/>
+              </a:sysClr>
+            </a:solidFill>
+            <a:latin typeface="Calibri" panose="020F0502020204030204"/>
+          </a:endParaRPr>
         </a:p>
       </cx:txPr>
     </cx:legend>
   </cx:chart>
-  <cx:spPr>
-    <a:solidFill>
-      <a:schemeClr val="tx2">
-        <a:lumMod val="60000"/>
-        <a:lumOff val="40000"/>
-      </a:schemeClr>
-    </a:solidFill>
-    <a:ln>
-      <a:noFill/>
-    </a:ln>
-  </cx:spPr>
-  <cx:clrMapOvr bg1="lt1" tx1="dk1" bg2="lt2" tx2="dk2" accent1="accent1" accent2="accent2" accent3="accent3" accent4="accent4" accent5="accent5" accent6="accent6" hlink="hlink" folHlink="folHlink"/>
 </cx:chartSpace>
 </file>
 
@@ -3601,15 +3448,15 @@
 </file>
 
 <file path=ppt/charts/style3.xml><?xml version="1.0" encoding="utf-8"?>
-<cs:chartStyle xmlns:cs="http://schemas.microsoft.com/office/drawing/2012/chartStyle" xmlns:a="http://schemas.openxmlformats.org/drawingml/2006/main" id="406">
+<cs:chartStyle xmlns:cs="http://schemas.microsoft.com/office/drawing/2012/chartStyle" xmlns:a="http://schemas.openxmlformats.org/drawingml/2006/main" id="408">
   <cs:axisTitle>
     <cs:lnRef idx="0"/>
     <cs:fillRef idx="0"/>
     <cs:effectRef idx="0"/>
     <cs:fontRef idx="minor">
-      <a:schemeClr val="tx1">
-        <a:lumMod val="65000"/>
-        <a:lumOff val="35000"/>
+      <a:schemeClr val="dk1">
+        <a:lumMod val="75000"/>
+        <a:lumOff val="25000"/>
       </a:schemeClr>
     </cs:fontRef>
     <cs:defRPr sz="900"/>
@@ -3619,17 +3466,17 @@
     <cs:fillRef idx="0"/>
     <cs:effectRef idx="0"/>
     <cs:fontRef idx="minor">
-      <a:schemeClr val="tx1">
-        <a:lumMod val="65000"/>
-        <a:lumOff val="35000"/>
+      <a:schemeClr val="dk1">
+        <a:lumMod val="75000"/>
+        <a:lumOff val="25000"/>
       </a:schemeClr>
     </cs:fontRef>
     <cs:spPr>
-      <a:ln w="9525" cap="flat" cmpd="sng" algn="ctr">
+      <a:ln w="19050" cap="flat" cmpd="sng" algn="ctr">
         <a:solidFill>
-          <a:schemeClr val="tx1">
-            <a:lumMod val="15000"/>
-            <a:lumOff val="85000"/>
+          <a:schemeClr val="dk1">
+            <a:lumMod val="75000"/>
+            <a:lumOff val="25000"/>
           </a:schemeClr>
         </a:solidFill>
         <a:round/>
@@ -3637,38 +3484,51 @@
     </cs:spPr>
     <cs:defRPr sz="900"/>
   </cs:categoryAxis>
-  <cs:chartArea mods="allowNoFillOverride allowNoLineOverride">
+  <cs:chartArea>
     <cs:lnRef idx="0"/>
     <cs:fillRef idx="0"/>
     <cs:effectRef idx="0"/>
     <cs:fontRef idx="minor">
-      <a:schemeClr val="tx1"/>
+      <a:schemeClr val="dk1"/>
     </cs:fontRef>
     <cs:spPr>
-      <a:solidFill>
-        <a:schemeClr val="bg1"/>
-      </a:solidFill>
+      <a:gradFill flip="none" rotWithShape="1">
+        <a:gsLst>
+          <a:gs pos="0">
+            <a:schemeClr val="lt1"/>
+          </a:gs>
+          <a:gs pos="39000">
+            <a:schemeClr val="lt1"/>
+          </a:gs>
+          <a:gs pos="100000">
+            <a:schemeClr val="lt1">
+              <a:lumMod val="75000"/>
+            </a:schemeClr>
+          </a:gs>
+        </a:gsLst>
+        <a:path path="circle">
+          <a:fillToRect l="50000" t="-80000" r="50000" b="180000"/>
+        </a:path>
+        <a:tileRect/>
+      </a:gradFill>
       <a:ln w="9525" cap="flat" cmpd="sng" algn="ctr">
         <a:solidFill>
-          <a:schemeClr val="tx1">
-            <a:lumMod val="15000"/>
-            <a:lumOff val="85000"/>
+          <a:schemeClr val="dk1">
+            <a:lumMod val="25000"/>
+            <a:lumOff val="75000"/>
           </a:schemeClr>
         </a:solidFill>
         <a:round/>
       </a:ln>
     </cs:spPr>
-    <cs:defRPr sz="1000"/>
+    <cs:defRPr sz="900"/>
   </cs:chartArea>
   <cs:dataLabel>
     <cs:lnRef idx="0"/>
     <cs:fillRef idx="0"/>
     <cs:effectRef idx="0"/>
     <cs:fontRef idx="minor">
-      <a:schemeClr val="tx1">
-        <a:lumMod val="65000"/>
-        <a:lumOff val="35000"/>
-      </a:schemeClr>
+      <a:schemeClr val="dk1"/>
     </cs:fontRef>
     <cs:defRPr sz="900"/>
   </cs:dataLabel>
@@ -3677,23 +3537,16 @@
     <cs:fillRef idx="0"/>
     <cs:effectRef idx="0"/>
     <cs:fontRef idx="minor">
-      <a:schemeClr val="dk1">
-        <a:lumMod val="65000"/>
-        <a:lumOff val="35000"/>
-      </a:schemeClr>
+      <a:schemeClr val="lt1"/>
     </cs:fontRef>
     <cs:spPr>
       <a:solidFill>
-        <a:schemeClr val="lt1"/>
+        <a:schemeClr val="dk1">
+          <a:lumMod val="65000"/>
+          <a:lumOff val="35000"/>
+          <a:alpha val="75000"/>
+        </a:schemeClr>
       </a:solidFill>
-      <a:ln>
-        <a:solidFill>
-          <a:schemeClr val="dk1">
-            <a:lumMod val="25000"/>
-            <a:lumOff val="75000"/>
-          </a:schemeClr>
-        </a:solidFill>
-      </a:ln>
     </cs:spPr>
     <cs:defRPr sz="900"/>
     <cs:bodyPr rot="0" spcFirstLastPara="1" vertOverflow="clip" horzOverflow="clip" vert="horz" wrap="square" lIns="36576" tIns="18288" rIns="36576" bIns="18288" anchor="ctr" anchorCtr="1">
@@ -3709,7 +3562,7 @@
     </cs:fillRef>
     <cs:effectRef idx="0"/>
     <cs:fontRef idx="minor">
-      <a:schemeClr val="tx1"/>
+      <a:schemeClr val="dk1"/>
     </cs:fontRef>
     <cs:spPr>
       <a:solidFill>
@@ -3729,12 +3582,20 @@
     </cs:fillRef>
     <cs:effectRef idx="0"/>
     <cs:fontRef idx="minor">
-      <a:schemeClr val="tx1"/>
+      <a:schemeClr val="dk1"/>
     </cs:fontRef>
     <cs:spPr>
       <a:solidFill>
         <a:schemeClr val="phClr"/>
       </a:solidFill>
+      <a:ln w="9525" cap="flat" cmpd="sng" algn="ctr">
+        <a:solidFill>
+          <a:schemeClr val="lt1">
+            <a:alpha val="50000"/>
+          </a:schemeClr>
+        </a:solidFill>
+        <a:round/>
+      </a:ln>
     </cs:spPr>
   </cs:dataPoint3D>
   <cs:dataPointLine>
@@ -3744,7 +3605,7 @@
     <cs:fillRef idx="0"/>
     <cs:effectRef idx="0"/>
     <cs:fontRef idx="minor">
-      <a:schemeClr val="tx1"/>
+      <a:schemeClr val="dk1"/>
     </cs:fontRef>
     <cs:spPr>
       <a:ln w="28575" cap="rnd">
@@ -3762,7 +3623,7 @@
     </cs:fillRef>
     <cs:effectRef idx="0"/>
     <cs:fontRef idx="minor">
-      <a:schemeClr val="tx1"/>
+      <a:schemeClr val="dk1"/>
     </cs:fontRef>
     <cs:spPr>
       <a:solidFill>
@@ -3775,7 +3636,7 @@
       </a:ln>
     </cs:spPr>
   </cs:dataPointMarker>
-  <cs:dataPointMarkerLayout symbol="circle" size="5"/>
+  <cs:dataPointMarkerLayout symbol="circle" size="6"/>
   <cs:dataPointWireframe>
     <cs:lnRef idx="0">
       <cs:styleClr val="auto"/>
@@ -3783,7 +3644,7 @@
     <cs:fillRef idx="0"/>
     <cs:effectRef idx="0"/>
     <cs:fontRef idx="minor">
-      <a:schemeClr val="tx1"/>
+      <a:schemeClr val="dk1"/>
     </cs:fontRef>
     <cs:spPr>
       <a:ln w="28575" cap="rnd">
@@ -3799,17 +3660,17 @@
     <cs:fillRef idx="0"/>
     <cs:effectRef idx="0"/>
     <cs:fontRef idx="minor">
-      <a:schemeClr val="tx1">
-        <a:lumMod val="65000"/>
-        <a:lumOff val="35000"/>
+      <a:schemeClr val="dk1">
+        <a:lumMod val="75000"/>
+        <a:lumOff val="25000"/>
       </a:schemeClr>
     </cs:fontRef>
     <cs:spPr>
       <a:ln w="9525">
         <a:solidFill>
-          <a:schemeClr val="tx1">
-            <a:lumMod val="15000"/>
-            <a:lumOff val="85000"/>
+          <a:schemeClr val="dk1">
+            <a:lumMod val="75000"/>
+            <a:lumOff val="25000"/>
           </a:schemeClr>
         </a:solidFill>
       </a:ln>
@@ -3826,13 +3687,13 @@
     <cs:spPr>
       <a:solidFill>
         <a:schemeClr val="dk1">
-          <a:lumMod val="65000"/>
-          <a:lumOff val="35000"/>
+          <a:lumMod val="50000"/>
+          <a:lumOff val="50000"/>
         </a:schemeClr>
       </a:solidFill>
       <a:ln w="9525">
         <a:solidFill>
-          <a:schemeClr val="tx1">
+          <a:schemeClr val="dk1">
             <a:lumMod val="65000"/>
             <a:lumOff val="35000"/>
           </a:schemeClr>
@@ -3845,17 +3706,17 @@
     <cs:fillRef idx="0"/>
     <cs:effectRef idx="0"/>
     <cs:fontRef idx="minor">
-      <a:schemeClr val="tx1"/>
+      <a:schemeClr val="dk1"/>
     </cs:fontRef>
     <cs:spPr>
-      <a:ln w="9525" cap="flat" cmpd="sng" algn="ctr">
+      <a:ln w="9525">
         <a:solidFill>
-          <a:schemeClr val="tx1">
+          <a:schemeClr val="dk1">
             <a:lumMod val="35000"/>
             <a:lumOff val="65000"/>
           </a:schemeClr>
         </a:solidFill>
-        <a:round/>
+        <a:prstDash val="dash"/>
       </a:ln>
     </cs:spPr>
   </cs:dropLine>
@@ -3883,7 +3744,7 @@
     <cs:fillRef idx="0"/>
     <cs:effectRef idx="0"/>
     <cs:fontRef idx="minor">
-      <a:schemeClr val="tx1"/>
+      <a:schemeClr val="dk1"/>
     </cs:fontRef>
   </cs:floor>
   <cs:gridlineMajor>
@@ -3891,16 +3752,28 @@
     <cs:fillRef idx="0"/>
     <cs:effectRef idx="0"/>
     <cs:fontRef idx="minor">
-      <a:schemeClr val="tx1"/>
+      <a:schemeClr val="dk1"/>
     </cs:fontRef>
     <cs:spPr>
       <a:ln w="9525" cap="flat" cmpd="sng" algn="ctr">
-        <a:solidFill>
-          <a:schemeClr val="tx1">
-            <a:lumMod val="15000"/>
-            <a:lumOff val="85000"/>
-          </a:schemeClr>
-        </a:solidFill>
+        <a:gradFill>
+          <a:gsLst>
+            <a:gs pos="100000">
+              <a:schemeClr val="dk1">
+                <a:lumMod val="95000"/>
+                <a:lumOff val="5000"/>
+                <a:alpha val="42000"/>
+              </a:schemeClr>
+            </a:gs>
+            <a:gs pos="0">
+              <a:schemeClr val="lt1">
+                <a:lumMod val="75000"/>
+                <a:alpha val="36000"/>
+              </a:schemeClr>
+            </a:gs>
+          </a:gsLst>
+          <a:lin ang="5400000" scaled="0"/>
+        </a:gradFill>
         <a:round/>
       </a:ln>
     </cs:spPr>
@@ -3910,17 +3783,30 @@
     <cs:fillRef idx="0"/>
     <cs:effectRef idx="0"/>
     <cs:fontRef idx="minor">
-      <a:schemeClr val="tx1"/>
+      <a:schemeClr val="dk1"/>
     </cs:fontRef>
     <cs:spPr>
-      <a:ln w="9525" cap="flat" cmpd="sng" algn="ctr">
-        <a:solidFill>
-          <a:schemeClr val="tx1">
-            <a:lumMod val="15000"/>
-            <a:lumOff val="85000"/>
-          </a:schemeClr>
-        </a:solidFill>
-        <a:round/>
+      <a:ln>
+        <a:gradFill>
+          <a:gsLst>
+            <a:gs pos="100000">
+              <a:schemeClr val="dk1">
+                <a:lumMod val="95000"/>
+                <a:lumOff val="5000"/>
+                <a:alpha val="42000"/>
+                <a:lumOff val="10000"/>
+              </a:schemeClr>
+            </a:gs>
+            <a:gs pos="0">
+              <a:schemeClr val="lt1">
+                <a:lumMod val="75000"/>
+                <a:alpha val="36000"/>
+                <a:lumOff val="10000"/>
+              </a:schemeClr>
+            </a:gs>
+          </a:gsLst>
+          <a:lin ang="5400000" scaled="0"/>
+        </a:gradFill>
       </a:ln>
     </cs:spPr>
   </cs:gridlineMinor>
@@ -3929,17 +3815,17 @@
     <cs:fillRef idx="0"/>
     <cs:effectRef idx="0"/>
     <cs:fontRef idx="minor">
-      <a:schemeClr val="tx1"/>
+      <a:schemeClr val="dk1"/>
     </cs:fontRef>
     <cs:spPr>
-      <a:ln w="9525" cap="flat" cmpd="sng" algn="ctr">
+      <a:ln w="9525">
         <a:solidFill>
-          <a:schemeClr val="tx1">
-            <a:lumMod val="75000"/>
-            <a:lumOff val="25000"/>
+          <a:schemeClr val="dk1">
+            <a:lumMod val="35000"/>
+            <a:lumOff val="65000"/>
           </a:schemeClr>
         </a:solidFill>
-        <a:round/>
+        <a:prstDash val="dash"/>
       </a:ln>
     </cs:spPr>
   </cs:hiLoLine>
@@ -3948,12 +3834,12 @@
     <cs:fillRef idx="0"/>
     <cs:effectRef idx="0"/>
     <cs:fontRef idx="minor">
-      <a:schemeClr val="tx1"/>
+      <a:schemeClr val="dk1"/>
     </cs:fontRef>
     <cs:spPr>
       <a:ln w="9525" cap="flat" cmpd="sng" algn="ctr">
         <a:solidFill>
-          <a:schemeClr val="tx1">
+          <a:schemeClr val="dk1">
             <a:lumMod val="35000"/>
             <a:lumOff val="65000"/>
           </a:schemeClr>
@@ -3967,27 +3853,35 @@
     <cs:fillRef idx="0"/>
     <cs:effectRef idx="0"/>
     <cs:fontRef idx="minor">
-      <a:schemeClr val="tx1">
-        <a:lumMod val="65000"/>
-        <a:lumOff val="35000"/>
+      <a:schemeClr val="dk1">
+        <a:lumMod val="75000"/>
+        <a:lumOff val="25000"/>
       </a:schemeClr>
     </cs:fontRef>
+    <cs:spPr>
+      <a:solidFill>
+        <a:schemeClr val="lt1">
+          <a:lumMod val="95000"/>
+          <a:alpha val="39000"/>
+        </a:schemeClr>
+      </a:solidFill>
+    </cs:spPr>
     <cs:defRPr sz="900"/>
   </cs:legend>
-  <cs:plotArea mods="allowNoFillOverride allowNoLineOverride">
+  <cs:plotArea>
     <cs:lnRef idx="0"/>
     <cs:fillRef idx="0"/>
     <cs:effectRef idx="0"/>
     <cs:fontRef idx="minor">
-      <a:schemeClr val="tx1"/>
+      <a:schemeClr val="dk1"/>
     </cs:fontRef>
   </cs:plotArea>
-  <cs:plotArea3D mods="allowNoFillOverride allowNoLineOverride">
+  <cs:plotArea3D>
     <cs:lnRef idx="0"/>
     <cs:fillRef idx="0"/>
     <cs:effectRef idx="0"/>
     <cs:fontRef idx="minor">
-      <a:schemeClr val="tx1"/>
+      <a:schemeClr val="dk1"/>
     </cs:fontRef>
   </cs:plotArea3D>
   <cs:seriesAxis>
@@ -3995,17 +3889,17 @@
     <cs:fillRef idx="0"/>
     <cs:effectRef idx="0"/>
     <cs:fontRef idx="minor">
-      <a:schemeClr val="tx1">
-        <a:lumMod val="65000"/>
-        <a:lumOff val="35000"/>
+      <a:schemeClr val="dk1">
+        <a:lumMod val="75000"/>
+        <a:lumOff val="25000"/>
       </a:schemeClr>
     </cs:fontRef>
     <cs:spPr>
-      <a:ln w="9525" cap="flat" cmpd="sng" algn="ctr">
+      <a:ln w="19050" cap="flat" cmpd="sng" algn="ctr">
         <a:solidFill>
-          <a:schemeClr val="tx1">
-            <a:lumMod val="15000"/>
-            <a:lumOff val="85000"/>
+          <a:schemeClr val="dk1">
+            <a:lumMod val="75000"/>
+            <a:lumOff val="25000"/>
           </a:schemeClr>
         </a:solidFill>
         <a:round/>
@@ -4018,12 +3912,14 @@
     <cs:fillRef idx="0"/>
     <cs:effectRef idx="0"/>
     <cs:fontRef idx="minor">
-      <a:schemeClr val="tx1"/>
+      <a:schemeClr val="dk1"/>
     </cs:fontRef>
     <cs:spPr>
       <a:ln w="9525" cap="flat">
         <a:solidFill>
-          <a:srgbClr val="D9D9D9"/>
+          <a:schemeClr val="bg1">
+            <a:lumMod val="50000"/>
+          </a:schemeClr>
         </a:solidFill>
         <a:round/>
       </a:ln>
@@ -4034,21 +3930,19 @@
     <cs:fillRef idx="0"/>
     <cs:effectRef idx="0"/>
     <cs:fontRef idx="minor">
-      <a:schemeClr val="tx1">
-        <a:lumMod val="65000"/>
-        <a:lumOff val="35000"/>
+      <a:schemeClr val="dk1">
+        <a:lumMod val="75000"/>
+        <a:lumOff val="25000"/>
       </a:schemeClr>
     </cs:fontRef>
-    <cs:defRPr sz="1400"/>
+    <cs:defRPr sz="1800" b="1"/>
   </cs:title>
   <cs:trendline>
-    <cs:lnRef idx="0">
-      <cs:styleClr val="auto"/>
-    </cs:lnRef>
+    <cs:lnRef idx="0"/>
     <cs:fillRef idx="0"/>
     <cs:effectRef idx="0"/>
     <cs:fontRef idx="minor">
-      <a:schemeClr val="tx1"/>
+      <a:schemeClr val="dk1"/>
     </cs:fontRef>
     <cs:spPr>
       <a:ln w="19050" cap="rnd">
@@ -4064,9 +3958,9 @@
     <cs:fillRef idx="0"/>
     <cs:effectRef idx="0"/>
     <cs:fontRef idx="minor">
-      <a:schemeClr val="tx1">
-        <a:lumMod val="65000"/>
-        <a:lumOff val="35000"/>
+      <a:schemeClr val="dk1">
+        <a:lumMod val="75000"/>
+        <a:lumOff val="25000"/>
       </a:schemeClr>
     </cs:fontRef>
     <cs:defRPr sz="900"/>
@@ -4084,9 +3978,9 @@
       </a:solidFill>
       <a:ln w="9525">
         <a:solidFill>
-          <a:schemeClr val="tx1">
-            <a:lumMod val="15000"/>
-            <a:lumOff val="85000"/>
+          <a:schemeClr val="dk1">
+            <a:lumMod val="65000"/>
+            <a:lumOff val="35000"/>
           </a:schemeClr>
         </a:solidFill>
       </a:ln>
@@ -4097,9 +3991,9 @@
     <cs:fillRef idx="0"/>
     <cs:effectRef idx="0"/>
     <cs:fontRef idx="minor">
-      <a:schemeClr val="tx1">
-        <a:lumMod val="65000"/>
-        <a:lumOff val="35000"/>
+      <a:schemeClr val="dk1">
+        <a:lumMod val="75000"/>
+        <a:lumOff val="25000"/>
       </a:schemeClr>
     </cs:fontRef>
     <cs:defRPr sz="900"/>
@@ -4109,7 +4003,7 @@
     <cs:fillRef idx="0"/>
     <cs:effectRef idx="0"/>
     <cs:fontRef idx="minor">
-      <a:schemeClr val="tx1"/>
+      <a:schemeClr val="dk1"/>
     </cs:fontRef>
   </cs:wall>
 </cs:chartStyle>
@@ -4714,7 +4608,7 @@
           <a:noFill/>
           <a:extLst>
             <a:ext uri="{909E8E84-426E-40dd-AFC4-6F175D3DCCD1}">
-              <a14:hiddenFill xmlns:a14="http://schemas.microsoft.com/office/drawing/2010/main" xmlns="">
+              <a14:hiddenFill xmlns="" xmlns:a14="http://schemas.microsoft.com/office/drawing/2010/main">
                 <a:solidFill>
                   <a:srgbClr val="FFFFFF"/>
                 </a:solidFill>
@@ -4774,7 +4668,7 @@
             </a:ln>
             <a:extLst>
               <a:ext uri="{91240B29-F687-4f45-9708-019B960494DF}">
-                <a14:hiddenLine xmlns:a14="http://schemas.microsoft.com/office/drawing/2010/main" xmlns="" w="9525">
+                <a14:hiddenLine xmlns="" xmlns:a14="http://schemas.microsoft.com/office/drawing/2010/main" w="9525">
                   <a:solidFill>
                     <a:srgbClr val="000000"/>
                   </a:solidFill>
@@ -4864,7 +4758,7 @@
             </a:ln>
             <a:extLst>
               <a:ext uri="{91240B29-F687-4f45-9708-019B960494DF}">
-                <a14:hiddenLine xmlns:a14="http://schemas.microsoft.com/office/drawing/2010/main" xmlns="" w="9525">
+                <a14:hiddenLine xmlns="" xmlns:a14="http://schemas.microsoft.com/office/drawing/2010/main" w="9525">
                   <a:solidFill>
                     <a:srgbClr val="000000"/>
                   </a:solidFill>
@@ -4954,7 +4848,7 @@
             </a:ln>
             <a:extLst>
               <a:ext uri="{91240B29-F687-4f45-9708-019B960494DF}">
-                <a14:hiddenLine xmlns:a14="http://schemas.microsoft.com/office/drawing/2010/main" xmlns="" w="9525">
+                <a14:hiddenLine xmlns="" xmlns:a14="http://schemas.microsoft.com/office/drawing/2010/main" w="9525">
                   <a:solidFill>
                     <a:srgbClr val="000000"/>
                   </a:solidFill>
@@ -4988,7 +4882,7 @@
             </a:ln>
             <a:extLst>
               <a:ext uri="{91240B29-F687-4f45-9708-019B960494DF}">
-                <a14:hiddenLine xmlns:a14="http://schemas.microsoft.com/office/drawing/2010/main" xmlns="" w="9525">
+                <a14:hiddenLine xmlns="" xmlns:a14="http://schemas.microsoft.com/office/drawing/2010/main" w="9525">
                   <a:solidFill>
                     <a:srgbClr val="000000"/>
                   </a:solidFill>
@@ -5078,7 +4972,7 @@
             </a:ln>
             <a:extLst>
               <a:ext uri="{91240B29-F687-4f45-9708-019B960494DF}">
-                <a14:hiddenLine xmlns:a14="http://schemas.microsoft.com/office/drawing/2010/main" xmlns="" w="9525">
+                <a14:hiddenLine xmlns="" xmlns:a14="http://schemas.microsoft.com/office/drawing/2010/main" w="9525">
                   <a:solidFill>
                     <a:srgbClr val="000000"/>
                   </a:solidFill>
@@ -5140,7 +5034,7 @@
             </a:ln>
             <a:extLst>
               <a:ext uri="{91240B29-F687-4f45-9708-019B960494DF}">
-                <a14:hiddenLine xmlns:a14="http://schemas.microsoft.com/office/drawing/2010/main" xmlns="" w="9525">
+                <a14:hiddenLine xmlns="" xmlns:a14="http://schemas.microsoft.com/office/drawing/2010/main" w="9525">
                   <a:solidFill>
                     <a:srgbClr val="000000"/>
                   </a:solidFill>
@@ -5202,7 +5096,7 @@
             </a:ln>
             <a:extLst>
               <a:ext uri="{91240B29-F687-4f45-9708-019B960494DF}">
-                <a14:hiddenLine xmlns:a14="http://schemas.microsoft.com/office/drawing/2010/main" xmlns="" w="9525">
+                <a14:hiddenLine xmlns="" xmlns:a14="http://schemas.microsoft.com/office/drawing/2010/main" w="9525">
                   <a:solidFill>
                     <a:srgbClr val="000000"/>
                   </a:solidFill>
@@ -5292,7 +5186,7 @@
             </a:ln>
             <a:extLst>
               <a:ext uri="{91240B29-F687-4f45-9708-019B960494DF}">
-                <a14:hiddenLine xmlns:a14="http://schemas.microsoft.com/office/drawing/2010/main" xmlns="" w="9525">
+                <a14:hiddenLine xmlns="" xmlns:a14="http://schemas.microsoft.com/office/drawing/2010/main" w="9525">
                   <a:solidFill>
                     <a:srgbClr val="000000"/>
                   </a:solidFill>
@@ -5354,7 +5248,7 @@
             </a:ln>
             <a:extLst>
               <a:ext uri="{91240B29-F687-4f45-9708-019B960494DF}">
-                <a14:hiddenLine xmlns:a14="http://schemas.microsoft.com/office/drawing/2010/main" xmlns="" w="9525">
+                <a14:hiddenLine xmlns="" xmlns:a14="http://schemas.microsoft.com/office/drawing/2010/main" w="9525">
                   <a:solidFill>
                     <a:srgbClr val="000000"/>
                   </a:solidFill>
@@ -5416,7 +5310,7 @@
             </a:ln>
             <a:extLst>
               <a:ext uri="{91240B29-F687-4f45-9708-019B960494DF}">
-                <a14:hiddenLine xmlns:a14="http://schemas.microsoft.com/office/drawing/2010/main" xmlns="" w="9525">
+                <a14:hiddenLine xmlns="" xmlns:a14="http://schemas.microsoft.com/office/drawing/2010/main" w="9525">
                   <a:solidFill>
                     <a:srgbClr val="000000"/>
                   </a:solidFill>
@@ -5506,7 +5400,7 @@
             </a:ln>
             <a:extLst>
               <a:ext uri="{91240B29-F687-4f45-9708-019B960494DF}">
-                <a14:hiddenLine xmlns:a14="http://schemas.microsoft.com/office/drawing/2010/main" xmlns="" w="9525">
+                <a14:hiddenLine xmlns="" xmlns:a14="http://schemas.microsoft.com/office/drawing/2010/main" w="9525">
                   <a:solidFill>
                     <a:srgbClr val="000000"/>
                   </a:solidFill>
@@ -5596,7 +5490,7 @@
             </a:ln>
             <a:extLst>
               <a:ext uri="{91240B29-F687-4f45-9708-019B960494DF}">
-                <a14:hiddenLine xmlns:a14="http://schemas.microsoft.com/office/drawing/2010/main" xmlns="" w="9525">
+                <a14:hiddenLine xmlns="" xmlns:a14="http://schemas.microsoft.com/office/drawing/2010/main" w="9525">
                   <a:solidFill>
                     <a:srgbClr val="000000"/>
                   </a:solidFill>
@@ -5658,7 +5552,7 @@
             </a:ln>
             <a:extLst>
               <a:ext uri="{91240B29-F687-4f45-9708-019B960494DF}">
-                <a14:hiddenLine xmlns:a14="http://schemas.microsoft.com/office/drawing/2010/main" xmlns="" w="9525">
+                <a14:hiddenLine xmlns="" xmlns:a14="http://schemas.microsoft.com/office/drawing/2010/main" w="9525">
                   <a:solidFill>
                     <a:srgbClr val="000000"/>
                   </a:solidFill>
@@ -5768,7 +5662,7 @@
             </a:ln>
             <a:extLst>
               <a:ext uri="{91240B29-F687-4f45-9708-019B960494DF}">
-                <a14:hiddenLine xmlns:a14="http://schemas.microsoft.com/office/drawing/2010/main" xmlns="" w="9525">
+                <a14:hiddenLine xmlns="" xmlns:a14="http://schemas.microsoft.com/office/drawing/2010/main" w="9525">
                   <a:solidFill>
                     <a:srgbClr val="000000"/>
                   </a:solidFill>
@@ -5830,7 +5724,7 @@
             </a:ln>
             <a:extLst>
               <a:ext uri="{91240B29-F687-4f45-9708-019B960494DF}">
-                <a14:hiddenLine xmlns:a14="http://schemas.microsoft.com/office/drawing/2010/main" xmlns="" w="9525">
+                <a14:hiddenLine xmlns="" xmlns:a14="http://schemas.microsoft.com/office/drawing/2010/main" w="9525">
                   <a:solidFill>
                     <a:srgbClr val="000000"/>
                   </a:solidFill>
@@ -5920,7 +5814,7 @@
             </a:ln>
             <a:extLst>
               <a:ext uri="{91240B29-F687-4f45-9708-019B960494DF}">
-                <a14:hiddenLine xmlns:a14="http://schemas.microsoft.com/office/drawing/2010/main" xmlns="" w="9525">
+                <a14:hiddenLine xmlns="" xmlns:a14="http://schemas.microsoft.com/office/drawing/2010/main" w="9525">
                   <a:solidFill>
                     <a:srgbClr val="000000"/>
                   </a:solidFill>
@@ -6010,7 +5904,7 @@
             </a:ln>
             <a:extLst>
               <a:ext uri="{91240B29-F687-4f45-9708-019B960494DF}">
-                <a14:hiddenLine xmlns:a14="http://schemas.microsoft.com/office/drawing/2010/main" xmlns="" w="9525">
+                <a14:hiddenLine xmlns="" xmlns:a14="http://schemas.microsoft.com/office/drawing/2010/main" w="9525">
                   <a:solidFill>
                     <a:srgbClr val="000000"/>
                   </a:solidFill>
@@ -6072,7 +5966,7 @@
             </a:ln>
             <a:extLst>
               <a:ext uri="{91240B29-F687-4f45-9708-019B960494DF}">
-                <a14:hiddenLine xmlns:a14="http://schemas.microsoft.com/office/drawing/2010/main" xmlns="" w="9525">
+                <a14:hiddenLine xmlns="" xmlns:a14="http://schemas.microsoft.com/office/drawing/2010/main" w="9525">
                   <a:solidFill>
                     <a:srgbClr val="000000"/>
                   </a:solidFill>
@@ -6162,7 +6056,7 @@
             </a:ln>
             <a:extLst>
               <a:ext uri="{91240B29-F687-4f45-9708-019B960494DF}">
-                <a14:hiddenLine xmlns:a14="http://schemas.microsoft.com/office/drawing/2010/main" xmlns="" w="9525">
+                <a14:hiddenLine xmlns="" xmlns:a14="http://schemas.microsoft.com/office/drawing/2010/main" w="9525">
                   <a:solidFill>
                     <a:srgbClr val="000000"/>
                   </a:solidFill>
@@ -6252,7 +6146,7 @@
             </a:ln>
             <a:extLst>
               <a:ext uri="{91240B29-F687-4f45-9708-019B960494DF}">
-                <a14:hiddenLine xmlns:a14="http://schemas.microsoft.com/office/drawing/2010/main" xmlns="" w="9525">
+                <a14:hiddenLine xmlns="" xmlns:a14="http://schemas.microsoft.com/office/drawing/2010/main" w="9525">
                   <a:solidFill>
                     <a:srgbClr val="000000"/>
                   </a:solidFill>
@@ -6308,7 +6202,7 @@
             </a:ln>
             <a:extLst>
               <a:ext uri="{91240B29-F687-4f45-9708-019B960494DF}">
-                <a14:hiddenLine xmlns:a14="http://schemas.microsoft.com/office/drawing/2010/main" xmlns="" w="9525">
+                <a14:hiddenLine xmlns="" xmlns:a14="http://schemas.microsoft.com/office/drawing/2010/main" w="9525">
                   <a:solidFill>
                     <a:srgbClr val="000000"/>
                   </a:solidFill>
@@ -6398,7 +6292,7 @@
             </a:ln>
             <a:extLst>
               <a:ext uri="{91240B29-F687-4f45-9708-019B960494DF}">
-                <a14:hiddenLine xmlns:a14="http://schemas.microsoft.com/office/drawing/2010/main" xmlns="" w="9525">
+                <a14:hiddenLine xmlns="" xmlns:a14="http://schemas.microsoft.com/office/drawing/2010/main" w="9525">
                   <a:solidFill>
                     <a:srgbClr val="000000"/>
                   </a:solidFill>
@@ -6454,7 +6348,7 @@
             </a:ln>
             <a:extLst>
               <a:ext uri="{91240B29-F687-4f45-9708-019B960494DF}">
-                <a14:hiddenLine xmlns:a14="http://schemas.microsoft.com/office/drawing/2010/main" xmlns="" w="9525">
+                <a14:hiddenLine xmlns="" xmlns:a14="http://schemas.microsoft.com/office/drawing/2010/main" w="9525">
                   <a:solidFill>
                     <a:srgbClr val="000000"/>
                   </a:solidFill>
@@ -6544,7 +6438,7 @@
             </a:ln>
             <a:extLst>
               <a:ext uri="{91240B29-F687-4f45-9708-019B960494DF}">
-                <a14:hiddenLine xmlns:a14="http://schemas.microsoft.com/office/drawing/2010/main" xmlns="" w="9525">
+                <a14:hiddenLine xmlns="" xmlns:a14="http://schemas.microsoft.com/office/drawing/2010/main" w="9525">
                   <a:solidFill>
                     <a:srgbClr val="000000"/>
                   </a:solidFill>
@@ -6612,7 +6506,7 @@
             </a:ln>
             <a:extLst>
               <a:ext uri="{91240B29-F687-4f45-9708-019B960494DF}">
-                <a14:hiddenLine xmlns:a14="http://schemas.microsoft.com/office/drawing/2010/main" xmlns="" w="9525">
+                <a14:hiddenLine xmlns="" xmlns:a14="http://schemas.microsoft.com/office/drawing/2010/main" w="9525">
                   <a:solidFill>
                     <a:srgbClr val="000000"/>
                   </a:solidFill>
@@ -6702,7 +6596,7 @@
             </a:ln>
             <a:extLst>
               <a:ext uri="{91240B29-F687-4f45-9708-019B960494DF}">
-                <a14:hiddenLine xmlns:a14="http://schemas.microsoft.com/office/drawing/2010/main" xmlns="" w="9525">
+                <a14:hiddenLine xmlns="" xmlns:a14="http://schemas.microsoft.com/office/drawing/2010/main" w="9525">
                   <a:solidFill>
                     <a:srgbClr val="000000"/>
                   </a:solidFill>
@@ -6770,7 +6664,7 @@
             </a:ln>
             <a:extLst>
               <a:ext uri="{91240B29-F687-4f45-9708-019B960494DF}">
-                <a14:hiddenLine xmlns:a14="http://schemas.microsoft.com/office/drawing/2010/main" xmlns="" w="9525">
+                <a14:hiddenLine xmlns="" xmlns:a14="http://schemas.microsoft.com/office/drawing/2010/main" w="9525">
                   <a:solidFill>
                     <a:srgbClr val="000000"/>
                   </a:solidFill>
@@ -6860,7 +6754,7 @@
             </a:ln>
             <a:extLst>
               <a:ext uri="{91240B29-F687-4f45-9708-019B960494DF}">
-                <a14:hiddenLine xmlns:a14="http://schemas.microsoft.com/office/drawing/2010/main" xmlns="" w="9525">
+                <a14:hiddenLine xmlns="" xmlns:a14="http://schemas.microsoft.com/office/drawing/2010/main" w="9525">
                   <a:solidFill>
                     <a:srgbClr val="000000"/>
                   </a:solidFill>
@@ -6894,7 +6788,7 @@
             </a:ln>
             <a:extLst>
               <a:ext uri="{91240B29-F687-4f45-9708-019B960494DF}">
-                <a14:hiddenLine xmlns:a14="http://schemas.microsoft.com/office/drawing/2010/main" xmlns="" w="9525">
+                <a14:hiddenLine xmlns="" xmlns:a14="http://schemas.microsoft.com/office/drawing/2010/main" w="9525">
                   <a:solidFill>
                     <a:srgbClr val="000000"/>
                   </a:solidFill>
@@ -6984,7 +6878,7 @@
             </a:ln>
             <a:extLst>
               <a:ext uri="{91240B29-F687-4f45-9708-019B960494DF}">
-                <a14:hiddenLine xmlns:a14="http://schemas.microsoft.com/office/drawing/2010/main" xmlns="" w="9525">
+                <a14:hiddenLine xmlns="" xmlns:a14="http://schemas.microsoft.com/office/drawing/2010/main" w="9525">
                   <a:solidFill>
                     <a:srgbClr val="000000"/>
                   </a:solidFill>
@@ -7046,7 +6940,7 @@
             </a:ln>
             <a:extLst>
               <a:ext uri="{91240B29-F687-4f45-9708-019B960494DF}">
-                <a14:hiddenLine xmlns:a14="http://schemas.microsoft.com/office/drawing/2010/main" xmlns="" w="9525">
+                <a14:hiddenLine xmlns="" xmlns:a14="http://schemas.microsoft.com/office/drawing/2010/main" w="9525">
                   <a:solidFill>
                     <a:srgbClr val="000000"/>
                   </a:solidFill>
@@ -7108,7 +7002,7 @@
             </a:ln>
             <a:extLst>
               <a:ext uri="{91240B29-F687-4f45-9708-019B960494DF}">
-                <a14:hiddenLine xmlns:a14="http://schemas.microsoft.com/office/drawing/2010/main" xmlns="" w="9525">
+                <a14:hiddenLine xmlns="" xmlns:a14="http://schemas.microsoft.com/office/drawing/2010/main" w="9525">
                   <a:solidFill>
                     <a:srgbClr val="000000"/>
                   </a:solidFill>
@@ -7198,7 +7092,7 @@
             </a:ln>
             <a:extLst>
               <a:ext uri="{91240B29-F687-4f45-9708-019B960494DF}">
-                <a14:hiddenLine xmlns:a14="http://schemas.microsoft.com/office/drawing/2010/main" xmlns="" w="9525">
+                <a14:hiddenLine xmlns="" xmlns:a14="http://schemas.microsoft.com/office/drawing/2010/main" w="9525">
                   <a:solidFill>
                     <a:srgbClr val="000000"/>
                   </a:solidFill>
@@ -7266,7 +7160,7 @@
             </a:ln>
             <a:extLst>
               <a:ext uri="{91240B29-F687-4f45-9708-019B960494DF}">
-                <a14:hiddenLine xmlns:a14="http://schemas.microsoft.com/office/drawing/2010/main" xmlns="" w="9525">
+                <a14:hiddenLine xmlns="" xmlns:a14="http://schemas.microsoft.com/office/drawing/2010/main" w="9525">
                   <a:solidFill>
                     <a:srgbClr val="000000"/>
                   </a:solidFill>
@@ -7328,7 +7222,7 @@
             </a:ln>
             <a:extLst>
               <a:ext uri="{91240B29-F687-4f45-9708-019B960494DF}">
-                <a14:hiddenLine xmlns:a14="http://schemas.microsoft.com/office/drawing/2010/main" xmlns="" w="9525">
+                <a14:hiddenLine xmlns="" xmlns:a14="http://schemas.microsoft.com/office/drawing/2010/main" w="9525">
                   <a:solidFill>
                     <a:srgbClr val="000000"/>
                   </a:solidFill>
@@ -7418,7 +7312,7 @@
             </a:ln>
             <a:extLst>
               <a:ext uri="{91240B29-F687-4f45-9708-019B960494DF}">
-                <a14:hiddenLine xmlns:a14="http://schemas.microsoft.com/office/drawing/2010/main" xmlns="" w="9525">
+                <a14:hiddenLine xmlns="" xmlns:a14="http://schemas.microsoft.com/office/drawing/2010/main" w="9525">
                   <a:solidFill>
                     <a:srgbClr val="000000"/>
                   </a:solidFill>
@@ -7480,7 +7374,7 @@
             </a:ln>
             <a:extLst>
               <a:ext uri="{91240B29-F687-4f45-9708-019B960494DF}">
-                <a14:hiddenLine xmlns:a14="http://schemas.microsoft.com/office/drawing/2010/main" xmlns="" w="9525">
+                <a14:hiddenLine xmlns="" xmlns:a14="http://schemas.microsoft.com/office/drawing/2010/main" w="9525">
                   <a:solidFill>
                     <a:srgbClr val="000000"/>
                   </a:solidFill>
@@ -7570,7 +7464,7 @@
             </a:ln>
             <a:extLst>
               <a:ext uri="{91240B29-F687-4f45-9708-019B960494DF}">
-                <a14:hiddenLine xmlns:a14="http://schemas.microsoft.com/office/drawing/2010/main" xmlns="" w="9525">
+                <a14:hiddenLine xmlns="" xmlns:a14="http://schemas.microsoft.com/office/drawing/2010/main" w="9525">
                   <a:solidFill>
                     <a:srgbClr val="000000"/>
                   </a:solidFill>
@@ -7632,7 +7526,7 @@
             </a:ln>
             <a:extLst>
               <a:ext uri="{91240B29-F687-4f45-9708-019B960494DF}">
-                <a14:hiddenLine xmlns:a14="http://schemas.microsoft.com/office/drawing/2010/main" xmlns="" w="9525">
+                <a14:hiddenLine xmlns="" xmlns:a14="http://schemas.microsoft.com/office/drawing/2010/main" w="9525">
                   <a:solidFill>
                     <a:srgbClr val="000000"/>
                   </a:solidFill>
@@ -7722,7 +7616,7 @@
             </a:ln>
             <a:extLst>
               <a:ext uri="{91240B29-F687-4f45-9708-019B960494DF}">
-                <a14:hiddenLine xmlns:a14="http://schemas.microsoft.com/office/drawing/2010/main" xmlns="" w="9525">
+                <a14:hiddenLine xmlns="" xmlns:a14="http://schemas.microsoft.com/office/drawing/2010/main" w="9525">
                   <a:solidFill>
                     <a:srgbClr val="000000"/>
                   </a:solidFill>
@@ -7756,7 +7650,7 @@
             </a:ln>
             <a:extLst>
               <a:ext uri="{91240B29-F687-4f45-9708-019B960494DF}">
-                <a14:hiddenLine xmlns:a14="http://schemas.microsoft.com/office/drawing/2010/main" xmlns="" w="9525">
+                <a14:hiddenLine xmlns="" xmlns:a14="http://schemas.microsoft.com/office/drawing/2010/main" w="9525">
                   <a:solidFill>
                     <a:srgbClr val="000000"/>
                   </a:solidFill>
@@ -7821,7 +7715,7 @@
             </a:ln>
             <a:extLst>
               <a:ext uri="{91240B29-F687-4f45-9708-019B960494DF}">
-                <a14:hiddenLine xmlns:a14="http://schemas.microsoft.com/office/drawing/2010/main" xmlns="" w="9525">
+                <a14:hiddenLine xmlns="" xmlns:a14="http://schemas.microsoft.com/office/drawing/2010/main" w="9525">
                   <a:solidFill>
                     <a:srgbClr val="000000"/>
                   </a:solidFill>
@@ -7911,7 +7805,7 @@
             </a:ln>
             <a:extLst>
               <a:ext uri="{91240B29-F687-4f45-9708-019B960494DF}">
-                <a14:hiddenLine xmlns:a14="http://schemas.microsoft.com/office/drawing/2010/main" xmlns="" w="9525">
+                <a14:hiddenLine xmlns="" xmlns:a14="http://schemas.microsoft.com/office/drawing/2010/main" w="9525">
                   <a:solidFill>
                     <a:srgbClr val="000000"/>
                   </a:solidFill>
@@ -7973,7 +7867,7 @@
             </a:ln>
             <a:extLst>
               <a:ext uri="{91240B29-F687-4f45-9708-019B960494DF}">
-                <a14:hiddenLine xmlns:a14="http://schemas.microsoft.com/office/drawing/2010/main" xmlns="" w="9525">
+                <a14:hiddenLine xmlns="" xmlns:a14="http://schemas.microsoft.com/office/drawing/2010/main" w="9525">
                   <a:solidFill>
                     <a:srgbClr val="000000"/>
                   </a:solidFill>
@@ -8063,7 +7957,7 @@
             </a:ln>
             <a:extLst>
               <a:ext uri="{91240B29-F687-4f45-9708-019B960494DF}">
-                <a14:hiddenLine xmlns:a14="http://schemas.microsoft.com/office/drawing/2010/main" xmlns="" w="9525">
+                <a14:hiddenLine xmlns="" xmlns:a14="http://schemas.microsoft.com/office/drawing/2010/main" w="9525">
                   <a:solidFill>
                     <a:srgbClr val="000000"/>
                   </a:solidFill>
@@ -8153,7 +8047,7 @@
             </a:ln>
             <a:extLst>
               <a:ext uri="{91240B29-F687-4f45-9708-019B960494DF}">
-                <a14:hiddenLine xmlns:a14="http://schemas.microsoft.com/office/drawing/2010/main" xmlns="" w="9525">
+                <a14:hiddenLine xmlns="" xmlns:a14="http://schemas.microsoft.com/office/drawing/2010/main" w="9525">
                   <a:solidFill>
                     <a:srgbClr val="000000"/>
                   </a:solidFill>
@@ -8218,7 +8112,7 @@
             </a:ln>
             <a:extLst>
               <a:ext uri="{91240B29-F687-4f45-9708-019B960494DF}">
-                <a14:hiddenLine xmlns:a14="http://schemas.microsoft.com/office/drawing/2010/main" xmlns="" w="9525">
+                <a14:hiddenLine xmlns="" xmlns:a14="http://schemas.microsoft.com/office/drawing/2010/main" w="9525">
                   <a:solidFill>
                     <a:srgbClr val="000000"/>
                   </a:solidFill>
@@ -8280,7 +8174,7 @@
             </a:ln>
             <a:extLst>
               <a:ext uri="{91240B29-F687-4f45-9708-019B960494DF}">
-                <a14:hiddenLine xmlns:a14="http://schemas.microsoft.com/office/drawing/2010/main" xmlns="" w="9525">
+                <a14:hiddenLine xmlns="" xmlns:a14="http://schemas.microsoft.com/office/drawing/2010/main" w="9525">
                   <a:solidFill>
                     <a:srgbClr val="000000"/>
                   </a:solidFill>
@@ -8370,7 +8264,7 @@
             </a:ln>
             <a:extLst>
               <a:ext uri="{91240B29-F687-4f45-9708-019B960494DF}">
-                <a14:hiddenLine xmlns:a14="http://schemas.microsoft.com/office/drawing/2010/main" xmlns="" w="9525">
+                <a14:hiddenLine xmlns="" xmlns:a14="http://schemas.microsoft.com/office/drawing/2010/main" w="9525">
                   <a:solidFill>
                     <a:srgbClr val="000000"/>
                   </a:solidFill>
@@ -8460,7 +8354,7 @@
             </a:ln>
             <a:extLst>
               <a:ext uri="{91240B29-F687-4f45-9708-019B960494DF}">
-                <a14:hiddenLine xmlns:a14="http://schemas.microsoft.com/office/drawing/2010/main" xmlns="" w="9525">
+                <a14:hiddenLine xmlns="" xmlns:a14="http://schemas.microsoft.com/office/drawing/2010/main" w="9525">
                   <a:solidFill>
                     <a:srgbClr val="000000"/>
                   </a:solidFill>
@@ -8522,7 +8416,7 @@
             </a:ln>
             <a:extLst>
               <a:ext uri="{91240B29-F687-4f45-9708-019B960494DF}">
-                <a14:hiddenLine xmlns:a14="http://schemas.microsoft.com/office/drawing/2010/main" xmlns="" w="9525">
+                <a14:hiddenLine xmlns="" xmlns:a14="http://schemas.microsoft.com/office/drawing/2010/main" w="9525">
                   <a:solidFill>
                     <a:srgbClr val="000000"/>
                   </a:solidFill>
@@ -8642,7 +8536,7 @@
             </a:ln>
             <a:extLst>
               <a:ext uri="{91240B29-F687-4f45-9708-019B960494DF}">
-                <a14:hiddenLine xmlns:a14="http://schemas.microsoft.com/office/drawing/2010/main" xmlns="" w="9525">
+                <a14:hiddenLine xmlns="" xmlns:a14="http://schemas.microsoft.com/office/drawing/2010/main" w="9525">
                   <a:solidFill>
                     <a:srgbClr val="000000"/>
                   </a:solidFill>
@@ -8710,7 +8604,7 @@
             </a:ln>
             <a:extLst>
               <a:ext uri="{91240B29-F687-4f45-9708-019B960494DF}">
-                <a14:hiddenLine xmlns:a14="http://schemas.microsoft.com/office/drawing/2010/main" xmlns="" w="9525">
+                <a14:hiddenLine xmlns="" xmlns:a14="http://schemas.microsoft.com/office/drawing/2010/main" w="9525">
                   <a:solidFill>
                     <a:srgbClr val="000000"/>
                   </a:solidFill>
@@ -8800,7 +8694,7 @@
             </a:ln>
             <a:extLst>
               <a:ext uri="{91240B29-F687-4f45-9708-019B960494DF}">
-                <a14:hiddenLine xmlns:a14="http://schemas.microsoft.com/office/drawing/2010/main" xmlns="" w="9525">
+                <a14:hiddenLine xmlns="" xmlns:a14="http://schemas.microsoft.com/office/drawing/2010/main" w="9525">
                   <a:solidFill>
                     <a:srgbClr val="000000"/>
                   </a:solidFill>
@@ -8940,7 +8834,7 @@
           <a:p>
             <a:fld id="{1829CFBC-F4D0-4E32-A403-35C581BF27F1}" type="datetimeFigureOut">
               <a:rPr lang="en-US" smtClean="0"/>
-              <a:t>7/17/2020</a:t>
+              <a:t>7/18/2020</a:t>
             </a:fld>
             <a:endParaRPr lang="en-US"/>
           </a:p>
@@ -9207,7 +9101,7 @@
           <a:p>
             <a:fld id="{1829CFBC-F4D0-4E32-A403-35C581BF27F1}" type="datetimeFigureOut">
               <a:rPr lang="en-US" smtClean="0"/>
-              <a:t>7/17/2020</a:t>
+              <a:t>7/18/2020</a:t>
             </a:fld>
             <a:endParaRPr lang="en-US"/>
           </a:p>
@@ -9403,7 +9297,7 @@
           <a:p>
             <a:fld id="{1829CFBC-F4D0-4E32-A403-35C581BF27F1}" type="datetimeFigureOut">
               <a:rPr lang="en-US" smtClean="0"/>
-              <a:t>7/17/2020</a:t>
+              <a:t>7/18/2020</a:t>
             </a:fld>
             <a:endParaRPr lang="en-US"/>
           </a:p>
@@ -9666,7 +9560,7 @@
           <a:p>
             <a:fld id="{1829CFBC-F4D0-4E32-A403-35C581BF27F1}" type="datetimeFigureOut">
               <a:rPr lang="en-US" smtClean="0"/>
-              <a:t>7/17/2020</a:t>
+              <a:t>7/18/2020</a:t>
             </a:fld>
             <a:endParaRPr lang="en-US"/>
           </a:p>
@@ -10100,7 +9994,7 @@
           <a:p>
             <a:fld id="{1829CFBC-F4D0-4E32-A403-35C581BF27F1}" type="datetimeFigureOut">
               <a:rPr lang="en-US" smtClean="0"/>
-              <a:t>7/17/2020</a:t>
+              <a:t>7/18/2020</a:t>
             </a:fld>
             <a:endParaRPr lang="en-US"/>
           </a:p>
@@ -10646,7 +10540,7 @@
           <a:p>
             <a:fld id="{1829CFBC-F4D0-4E32-A403-35C581BF27F1}" type="datetimeFigureOut">
               <a:rPr lang="en-US" smtClean="0"/>
-              <a:t>7/17/2020</a:t>
+              <a:t>7/18/2020</a:t>
             </a:fld>
             <a:endParaRPr lang="en-US"/>
           </a:p>
@@ -11366,7 +11260,7 @@
           <a:p>
             <a:fld id="{1829CFBC-F4D0-4E32-A403-35C581BF27F1}" type="datetimeFigureOut">
               <a:rPr lang="en-US" smtClean="0"/>
-              <a:t>7/17/2020</a:t>
+              <a:t>7/18/2020</a:t>
             </a:fld>
             <a:endParaRPr lang="en-US"/>
           </a:p>
@@ -11536,7 +11430,7 @@
           <a:p>
             <a:fld id="{1829CFBC-F4D0-4E32-A403-35C581BF27F1}" type="datetimeFigureOut">
               <a:rPr lang="en-US" smtClean="0"/>
-              <a:t>7/17/2020</a:t>
+              <a:t>7/18/2020</a:t>
             </a:fld>
             <a:endParaRPr lang="en-US"/>
           </a:p>
@@ -11716,7 +11610,7 @@
           <a:p>
             <a:fld id="{1829CFBC-F4D0-4E32-A403-35C581BF27F1}" type="datetimeFigureOut">
               <a:rPr lang="en-US" smtClean="0"/>
-              <a:t>7/17/2020</a:t>
+              <a:t>7/18/2020</a:t>
             </a:fld>
             <a:endParaRPr lang="en-US"/>
           </a:p>
@@ -11886,7 +11780,7 @@
           <a:p>
             <a:fld id="{1829CFBC-F4D0-4E32-A403-35C581BF27F1}" type="datetimeFigureOut">
               <a:rPr lang="en-US" smtClean="0"/>
-              <a:t>7/17/2020</a:t>
+              <a:t>7/18/2020</a:t>
             </a:fld>
             <a:endParaRPr lang="en-US"/>
           </a:p>
@@ -12136,7 +12030,7 @@
           <a:p>
             <a:fld id="{1829CFBC-F4D0-4E32-A403-35C581BF27F1}" type="datetimeFigureOut">
               <a:rPr lang="en-US" smtClean="0"/>
-              <a:t>7/17/2020</a:t>
+              <a:t>7/18/2020</a:t>
             </a:fld>
             <a:endParaRPr lang="en-US"/>
           </a:p>
@@ -12368,7 +12262,7 @@
           <a:p>
             <a:fld id="{1829CFBC-F4D0-4E32-A403-35C581BF27F1}" type="datetimeFigureOut">
               <a:rPr lang="en-US" smtClean="0"/>
-              <a:t>7/17/2020</a:t>
+              <a:t>7/18/2020</a:t>
             </a:fld>
             <a:endParaRPr lang="en-US"/>
           </a:p>
@@ -12749,7 +12643,7 @@
           <a:p>
             <a:fld id="{1829CFBC-F4D0-4E32-A403-35C581BF27F1}" type="datetimeFigureOut">
               <a:rPr lang="en-US" smtClean="0"/>
-              <a:t>7/17/2020</a:t>
+              <a:t>7/18/2020</a:t>
             </a:fld>
             <a:endParaRPr lang="en-US"/>
           </a:p>
@@ -12867,7 +12761,7 @@
           <a:p>
             <a:fld id="{1829CFBC-F4D0-4E32-A403-35C581BF27F1}" type="datetimeFigureOut">
               <a:rPr lang="en-US" smtClean="0"/>
-              <a:t>7/17/2020</a:t>
+              <a:t>7/18/2020</a:t>
             </a:fld>
             <a:endParaRPr lang="en-US"/>
           </a:p>
@@ -12962,7 +12856,7 @@
           <a:p>
             <a:fld id="{1829CFBC-F4D0-4E32-A403-35C581BF27F1}" type="datetimeFigureOut">
               <a:rPr lang="en-US" smtClean="0"/>
-              <a:t>7/17/2020</a:t>
+              <a:t>7/18/2020</a:t>
             </a:fld>
             <a:endParaRPr lang="en-US"/>
           </a:p>
@@ -13211,7 +13105,7 @@
           <a:p>
             <a:fld id="{1829CFBC-F4D0-4E32-A403-35C581BF27F1}" type="datetimeFigureOut">
               <a:rPr lang="en-US" smtClean="0"/>
-              <a:t>7/17/2020</a:t>
+              <a:t>7/18/2020</a:t>
             </a:fld>
             <a:endParaRPr lang="en-US"/>
           </a:p>
@@ -13491,7 +13385,7 @@
           <a:p>
             <a:fld id="{1829CFBC-F4D0-4E32-A403-35C581BF27F1}" type="datetimeFigureOut">
               <a:rPr lang="en-US" smtClean="0"/>
-              <a:t>7/17/2020</a:t>
+              <a:t>7/18/2020</a:t>
             </a:fld>
             <a:endParaRPr lang="en-US"/>
           </a:p>
@@ -13607,7 +13501,7 @@
           <a:noFill/>
           <a:extLst>
             <a:ext uri="{909E8E84-426E-40dd-AFC4-6F175D3DCCD1}">
-              <a14:hiddenFill xmlns:a14="http://schemas.microsoft.com/office/drawing/2010/main" xmlns="">
+              <a14:hiddenFill xmlns="" xmlns:a14="http://schemas.microsoft.com/office/drawing/2010/main">
                 <a:solidFill>
                   <a:srgbClr val="FFFFFF"/>
                 </a:solidFill>
@@ -13681,7 +13575,7 @@
               </a:ln>
               <a:extLst>
                 <a:ext uri="{91240B29-F687-4f45-9708-019B960494DF}">
-                  <a14:hiddenLine xmlns:a14="http://schemas.microsoft.com/office/drawing/2010/main" xmlns="" w="9525">
+                  <a14:hiddenLine xmlns="" xmlns:a14="http://schemas.microsoft.com/office/drawing/2010/main" w="9525">
                     <a:solidFill>
                       <a:srgbClr val="000000"/>
                     </a:solidFill>
@@ -13771,7 +13665,7 @@
               </a:ln>
               <a:extLst>
                 <a:ext uri="{91240B29-F687-4f45-9708-019B960494DF}">
-                  <a14:hiddenLine xmlns:a14="http://schemas.microsoft.com/office/drawing/2010/main" xmlns="" w="9525">
+                  <a14:hiddenLine xmlns="" xmlns:a14="http://schemas.microsoft.com/office/drawing/2010/main" w="9525">
                     <a:solidFill>
                       <a:srgbClr val="000000"/>
                     </a:solidFill>
@@ -13861,7 +13755,7 @@
               </a:ln>
               <a:extLst>
                 <a:ext uri="{91240B29-F687-4f45-9708-019B960494DF}">
-                  <a14:hiddenLine xmlns:a14="http://schemas.microsoft.com/office/drawing/2010/main" xmlns="" w="9525">
+                  <a14:hiddenLine xmlns="" xmlns:a14="http://schemas.microsoft.com/office/drawing/2010/main" w="9525">
                     <a:solidFill>
                       <a:srgbClr val="000000"/>
                     </a:solidFill>
@@ -13923,7 +13817,7 @@
               </a:ln>
               <a:extLst>
                 <a:ext uri="{91240B29-F687-4f45-9708-019B960494DF}">
-                  <a14:hiddenLine xmlns:a14="http://schemas.microsoft.com/office/drawing/2010/main" xmlns="" w="9525">
+                  <a14:hiddenLine xmlns="" xmlns:a14="http://schemas.microsoft.com/office/drawing/2010/main" w="9525">
                     <a:solidFill>
                       <a:srgbClr val="000000"/>
                     </a:solidFill>
@@ -14013,7 +13907,7 @@
               </a:ln>
               <a:extLst>
                 <a:ext uri="{91240B29-F687-4f45-9708-019B960494DF}">
-                  <a14:hiddenLine xmlns:a14="http://schemas.microsoft.com/office/drawing/2010/main" xmlns="" w="9525">
+                  <a14:hiddenLine xmlns="" xmlns:a14="http://schemas.microsoft.com/office/drawing/2010/main" w="9525">
                     <a:solidFill>
                       <a:srgbClr val="000000"/>
                     </a:solidFill>
@@ -14075,7 +13969,7 @@
               </a:ln>
               <a:extLst>
                 <a:ext uri="{91240B29-F687-4f45-9708-019B960494DF}">
-                  <a14:hiddenLine xmlns:a14="http://schemas.microsoft.com/office/drawing/2010/main" xmlns="" w="9525">
+                  <a14:hiddenLine xmlns="" xmlns:a14="http://schemas.microsoft.com/office/drawing/2010/main" w="9525">
                     <a:solidFill>
                       <a:srgbClr val="000000"/>
                     </a:solidFill>
@@ -14137,7 +14031,7 @@
               </a:ln>
               <a:extLst>
                 <a:ext uri="{91240B29-F687-4f45-9708-019B960494DF}">
-                  <a14:hiddenLine xmlns:a14="http://schemas.microsoft.com/office/drawing/2010/main" xmlns="" w="9525">
+                  <a14:hiddenLine xmlns="" xmlns:a14="http://schemas.microsoft.com/office/drawing/2010/main" w="9525">
                     <a:solidFill>
                       <a:srgbClr val="000000"/>
                     </a:solidFill>
@@ -14227,7 +14121,7 @@
               </a:ln>
               <a:extLst>
                 <a:ext uri="{91240B29-F687-4f45-9708-019B960494DF}">
-                  <a14:hiddenLine xmlns:a14="http://schemas.microsoft.com/office/drawing/2010/main" xmlns="" w="9525">
+                  <a14:hiddenLine xmlns="" xmlns:a14="http://schemas.microsoft.com/office/drawing/2010/main" w="9525">
                     <a:solidFill>
                       <a:srgbClr val="000000"/>
                     </a:solidFill>
@@ -14317,7 +14211,7 @@
               </a:ln>
               <a:extLst>
                 <a:ext uri="{91240B29-F687-4f45-9708-019B960494DF}">
-                  <a14:hiddenLine xmlns:a14="http://schemas.microsoft.com/office/drawing/2010/main" xmlns="" w="9525">
+                  <a14:hiddenLine xmlns="" xmlns:a14="http://schemas.microsoft.com/office/drawing/2010/main" w="9525">
                     <a:solidFill>
                       <a:srgbClr val="000000"/>
                     </a:solidFill>
@@ -14379,7 +14273,7 @@
               </a:ln>
               <a:extLst>
                 <a:ext uri="{91240B29-F687-4f45-9708-019B960494DF}">
-                  <a14:hiddenLine xmlns:a14="http://schemas.microsoft.com/office/drawing/2010/main" xmlns="" w="9525">
+                  <a14:hiddenLine xmlns="" xmlns:a14="http://schemas.microsoft.com/office/drawing/2010/main" w="9525">
                     <a:solidFill>
                       <a:srgbClr val="000000"/>
                     </a:solidFill>
@@ -14489,7 +14383,7 @@
               </a:ln>
               <a:extLst>
                 <a:ext uri="{91240B29-F687-4f45-9708-019B960494DF}">
-                  <a14:hiddenLine xmlns:a14="http://schemas.microsoft.com/office/drawing/2010/main" xmlns="" w="9525">
+                  <a14:hiddenLine xmlns="" xmlns:a14="http://schemas.microsoft.com/office/drawing/2010/main" w="9525">
                     <a:solidFill>
                       <a:srgbClr val="000000"/>
                     </a:solidFill>
@@ -14573,7 +14467,7 @@
               </a:ln>
               <a:extLst>
                 <a:ext uri="{91240B29-F687-4f45-9708-019B960494DF}">
-                  <a14:hiddenLine xmlns:a14="http://schemas.microsoft.com/office/drawing/2010/main" xmlns="" w="9525">
+                  <a14:hiddenLine xmlns="" xmlns:a14="http://schemas.microsoft.com/office/drawing/2010/main" w="9525">
                     <a:solidFill>
                       <a:srgbClr val="000000"/>
                     </a:solidFill>
@@ -14635,7 +14529,7 @@
               </a:ln>
               <a:extLst>
                 <a:ext uri="{91240B29-F687-4f45-9708-019B960494DF}">
-                  <a14:hiddenLine xmlns:a14="http://schemas.microsoft.com/office/drawing/2010/main" xmlns="" w="9525">
+                  <a14:hiddenLine xmlns="" xmlns:a14="http://schemas.microsoft.com/office/drawing/2010/main" w="9525">
                     <a:solidFill>
                       <a:srgbClr val="000000"/>
                     </a:solidFill>
@@ -14697,7 +14591,7 @@
               </a:ln>
               <a:extLst>
                 <a:ext uri="{91240B29-F687-4f45-9708-019B960494DF}">
-                  <a14:hiddenLine xmlns:a14="http://schemas.microsoft.com/office/drawing/2010/main" xmlns="" w="9525">
+                  <a14:hiddenLine xmlns="" xmlns:a14="http://schemas.microsoft.com/office/drawing/2010/main" w="9525">
                     <a:solidFill>
                       <a:srgbClr val="000000"/>
                     </a:solidFill>
@@ -14787,7 +14681,7 @@
               </a:ln>
               <a:extLst>
                 <a:ext uri="{91240B29-F687-4f45-9708-019B960494DF}">
-                  <a14:hiddenLine xmlns:a14="http://schemas.microsoft.com/office/drawing/2010/main" xmlns="" w="9525">
+                  <a14:hiddenLine xmlns="" xmlns:a14="http://schemas.microsoft.com/office/drawing/2010/main" w="9525">
                     <a:solidFill>
                       <a:srgbClr val="000000"/>
                     </a:solidFill>
@@ -14821,7 +14715,7 @@
               </a:ln>
               <a:extLst>
                 <a:ext uri="{91240B29-F687-4f45-9708-019B960494DF}">
-                  <a14:hiddenLine xmlns:a14="http://schemas.microsoft.com/office/drawing/2010/main" xmlns="" w="9525">
+                  <a14:hiddenLine xmlns="" xmlns:a14="http://schemas.microsoft.com/office/drawing/2010/main" w="9525">
                     <a:solidFill>
                       <a:srgbClr val="000000"/>
                     </a:solidFill>
@@ -14886,7 +14780,7 @@
               </a:ln>
               <a:extLst>
                 <a:ext uri="{91240B29-F687-4f45-9708-019B960494DF}">
-                  <a14:hiddenLine xmlns:a14="http://schemas.microsoft.com/office/drawing/2010/main" xmlns="" w="9525">
+                  <a14:hiddenLine xmlns="" xmlns:a14="http://schemas.microsoft.com/office/drawing/2010/main" w="9525">
                     <a:solidFill>
                       <a:srgbClr val="000000"/>
                     </a:solidFill>
@@ -14976,7 +14870,7 @@
               </a:ln>
               <a:extLst>
                 <a:ext uri="{91240B29-F687-4f45-9708-019B960494DF}">
-                  <a14:hiddenLine xmlns:a14="http://schemas.microsoft.com/office/drawing/2010/main" xmlns="" w="9525">
+                  <a14:hiddenLine xmlns="" xmlns:a14="http://schemas.microsoft.com/office/drawing/2010/main" w="9525">
                     <a:solidFill>
                       <a:srgbClr val="000000"/>
                     </a:solidFill>
@@ -15038,7 +14932,7 @@
               </a:ln>
               <a:extLst>
                 <a:ext uri="{91240B29-F687-4f45-9708-019B960494DF}">
-                  <a14:hiddenLine xmlns:a14="http://schemas.microsoft.com/office/drawing/2010/main" xmlns="" w="9525">
+                  <a14:hiddenLine xmlns="" xmlns:a14="http://schemas.microsoft.com/office/drawing/2010/main" w="9525">
                     <a:solidFill>
                       <a:srgbClr val="000000"/>
                     </a:solidFill>
@@ -15128,7 +15022,7 @@
               </a:ln>
               <a:extLst>
                 <a:ext uri="{91240B29-F687-4f45-9708-019B960494DF}">
-                  <a14:hiddenLine xmlns:a14="http://schemas.microsoft.com/office/drawing/2010/main" xmlns="" w="9525">
+                  <a14:hiddenLine xmlns="" xmlns:a14="http://schemas.microsoft.com/office/drawing/2010/main" w="9525">
                     <a:solidFill>
                       <a:srgbClr val="000000"/>
                     </a:solidFill>
@@ -15193,7 +15087,7 @@
               </a:ln>
               <a:extLst>
                 <a:ext uri="{91240B29-F687-4f45-9708-019B960494DF}">
-                  <a14:hiddenLine xmlns:a14="http://schemas.microsoft.com/office/drawing/2010/main" xmlns="" w="9525">
+                  <a14:hiddenLine xmlns="" xmlns:a14="http://schemas.microsoft.com/office/drawing/2010/main" w="9525">
                     <a:solidFill>
                       <a:srgbClr val="000000"/>
                     </a:solidFill>
@@ -15255,7 +15149,7 @@
               </a:ln>
               <a:extLst>
                 <a:ext uri="{91240B29-F687-4f45-9708-019B960494DF}">
-                  <a14:hiddenLine xmlns:a14="http://schemas.microsoft.com/office/drawing/2010/main" xmlns="" w="9525">
+                  <a14:hiddenLine xmlns="" xmlns:a14="http://schemas.microsoft.com/office/drawing/2010/main" w="9525">
                     <a:solidFill>
                       <a:srgbClr val="000000"/>
                     </a:solidFill>
@@ -15345,7 +15239,7 @@
               </a:ln>
               <a:extLst>
                 <a:ext uri="{91240B29-F687-4f45-9708-019B960494DF}">
-                  <a14:hiddenLine xmlns:a14="http://schemas.microsoft.com/office/drawing/2010/main" xmlns="" w="9525">
+                  <a14:hiddenLine xmlns="" xmlns:a14="http://schemas.microsoft.com/office/drawing/2010/main" w="9525">
                     <a:solidFill>
                       <a:srgbClr val="000000"/>
                     </a:solidFill>
@@ -15435,7 +15329,7 @@
               </a:ln>
               <a:extLst>
                 <a:ext uri="{91240B29-F687-4f45-9708-019B960494DF}">
-                  <a14:hiddenLine xmlns:a14="http://schemas.microsoft.com/office/drawing/2010/main" xmlns="" w="9525">
+                  <a14:hiddenLine xmlns="" xmlns:a14="http://schemas.microsoft.com/office/drawing/2010/main" w="9525">
                     <a:solidFill>
                       <a:srgbClr val="000000"/>
                     </a:solidFill>
@@ -15500,7 +15394,7 @@
               </a:ln>
               <a:extLst>
                 <a:ext uri="{91240B29-F687-4f45-9708-019B960494DF}">
-                  <a14:hiddenLine xmlns:a14="http://schemas.microsoft.com/office/drawing/2010/main" xmlns="" w="9525">
+                  <a14:hiddenLine xmlns="" xmlns:a14="http://schemas.microsoft.com/office/drawing/2010/main" w="9525">
                     <a:solidFill>
                       <a:srgbClr val="000000"/>
                     </a:solidFill>
@@ -15620,7 +15514,7 @@
               </a:ln>
               <a:extLst>
                 <a:ext uri="{91240B29-F687-4f45-9708-019B960494DF}">
-                  <a14:hiddenLine xmlns:a14="http://schemas.microsoft.com/office/drawing/2010/main" xmlns="" w="9525">
+                  <a14:hiddenLine xmlns="" xmlns:a14="http://schemas.microsoft.com/office/drawing/2010/main" w="9525">
                     <a:solidFill>
                       <a:srgbClr val="000000"/>
                     </a:solidFill>
@@ -15718,7 +15612,7 @@
               </a:ln>
               <a:extLst>
                 <a:ext uri="{91240B29-F687-4f45-9708-019B960494DF}">
-                  <a14:hiddenLine xmlns:a14="http://schemas.microsoft.com/office/drawing/2010/main" xmlns="" w="9525">
+                  <a14:hiddenLine xmlns="" xmlns:a14="http://schemas.microsoft.com/office/drawing/2010/main" w="9525">
                     <a:solidFill>
                       <a:srgbClr val="000000"/>
                     </a:solidFill>
@@ -15833,7 +15727,7 @@
               </a:ln>
               <a:extLst>
                 <a:ext uri="{91240B29-F687-4f45-9708-019B960494DF}">
-                  <a14:hiddenLine xmlns:a14="http://schemas.microsoft.com/office/drawing/2010/main" xmlns="" w="9525">
+                  <a14:hiddenLine xmlns="" xmlns:a14="http://schemas.microsoft.com/office/drawing/2010/main" w="9525">
                     <a:solidFill>
                       <a:srgbClr val="000000"/>
                     </a:solidFill>
@@ -15923,7 +15817,7 @@
               </a:ln>
               <a:extLst>
                 <a:ext uri="{91240B29-F687-4f45-9708-019B960494DF}">
-                  <a14:hiddenLine xmlns:a14="http://schemas.microsoft.com/office/drawing/2010/main" xmlns="" w="9525">
+                  <a14:hiddenLine xmlns="" xmlns:a14="http://schemas.microsoft.com/office/drawing/2010/main" w="9525">
                     <a:solidFill>
                       <a:srgbClr val="000000"/>
                     </a:solidFill>
@@ -15988,7 +15882,7 @@
               </a:ln>
               <a:extLst>
                 <a:ext uri="{91240B29-F687-4f45-9708-019B960494DF}">
-                  <a14:hiddenLine xmlns:a14="http://schemas.microsoft.com/office/drawing/2010/main" xmlns="" w="9525">
+                  <a14:hiddenLine xmlns="" xmlns:a14="http://schemas.microsoft.com/office/drawing/2010/main" w="9525">
                     <a:solidFill>
                       <a:srgbClr val="000000"/>
                     </a:solidFill>
@@ -16078,7 +15972,7 @@
               </a:ln>
               <a:extLst>
                 <a:ext uri="{91240B29-F687-4f45-9708-019B960494DF}">
-                  <a14:hiddenLine xmlns:a14="http://schemas.microsoft.com/office/drawing/2010/main" xmlns="" w="9525">
+                  <a14:hiddenLine xmlns="" xmlns:a14="http://schemas.microsoft.com/office/drawing/2010/main" w="9525">
                     <a:solidFill>
                       <a:srgbClr val="000000"/>
                     </a:solidFill>
@@ -16146,7 +16040,7 @@
               </a:ln>
               <a:extLst>
                 <a:ext uri="{91240B29-F687-4f45-9708-019B960494DF}">
-                  <a14:hiddenLine xmlns:a14="http://schemas.microsoft.com/office/drawing/2010/main" xmlns="" w="9525">
+                  <a14:hiddenLine xmlns="" xmlns:a14="http://schemas.microsoft.com/office/drawing/2010/main" w="9525">
                     <a:solidFill>
                       <a:srgbClr val="000000"/>
                     </a:solidFill>
@@ -16236,7 +16130,7 @@
               </a:ln>
               <a:extLst>
                 <a:ext uri="{91240B29-F687-4f45-9708-019B960494DF}">
-                  <a14:hiddenLine xmlns:a14="http://schemas.microsoft.com/office/drawing/2010/main" xmlns="" w="9525">
+                  <a14:hiddenLine xmlns="" xmlns:a14="http://schemas.microsoft.com/office/drawing/2010/main" w="9525">
                     <a:solidFill>
                       <a:srgbClr val="000000"/>
                     </a:solidFill>
@@ -16304,7 +16198,7 @@
               </a:ln>
               <a:extLst>
                 <a:ext uri="{91240B29-F687-4f45-9708-019B960494DF}">
-                  <a14:hiddenLine xmlns:a14="http://schemas.microsoft.com/office/drawing/2010/main" xmlns="" w="9525">
+                  <a14:hiddenLine xmlns="" xmlns:a14="http://schemas.microsoft.com/office/drawing/2010/main" w="9525">
                     <a:solidFill>
                       <a:srgbClr val="000000"/>
                     </a:solidFill>
@@ -16394,7 +16288,7 @@
               </a:ln>
               <a:extLst>
                 <a:ext uri="{91240B29-F687-4f45-9708-019B960494DF}">
-                  <a14:hiddenLine xmlns:a14="http://schemas.microsoft.com/office/drawing/2010/main" xmlns="" w="9525">
+                  <a14:hiddenLine xmlns="" xmlns:a14="http://schemas.microsoft.com/office/drawing/2010/main" w="9525">
                     <a:solidFill>
                       <a:srgbClr val="000000"/>
                     </a:solidFill>
@@ -16428,7 +16322,7 @@
               </a:ln>
               <a:extLst>
                 <a:ext uri="{91240B29-F687-4f45-9708-019B960494DF}">
-                  <a14:hiddenLine xmlns:a14="http://schemas.microsoft.com/office/drawing/2010/main" xmlns="" w="9525">
+                  <a14:hiddenLine xmlns="" xmlns:a14="http://schemas.microsoft.com/office/drawing/2010/main" w="9525">
                     <a:solidFill>
                       <a:srgbClr val="000000"/>
                     </a:solidFill>
@@ -16568,7 +16462,7 @@
           <a:p>
             <a:fld id="{1829CFBC-F4D0-4E32-A403-35C581BF27F1}" type="datetimeFigureOut">
               <a:rPr lang="en-US" smtClean="0"/>
-              <a:t>7/17/2020</a:t>
+              <a:t>7/18/2020</a:t>
             </a:fld>
             <a:endParaRPr lang="en-US"/>
           </a:p>
@@ -17543,7 +17437,7 @@
           <a:noFill/>
           <a:extLst>
             <a:ext uri="{909E8E84-426E-40dd-AFC4-6F175D3DCCD1}">
-              <a14:hiddenFill xmlns="" xmlns:a16="http://schemas.microsoft.com/office/drawing/2014/main" xmlns:p14="http://schemas.microsoft.com/office/powerpoint/2010/main" xmlns:a14="http://schemas.microsoft.com/office/drawing/2010/main">
+              <a14:hiddenFill xmlns:a14="http://schemas.microsoft.com/office/drawing/2010/main" xmlns:p14="http://schemas.microsoft.com/office/powerpoint/2010/main" xmlns:a16="http://schemas.microsoft.com/office/drawing/2014/main" xmlns="">
                 <a:solidFill>
                   <a:srgbClr val="FFFFFF"/>
                 </a:solidFill>
@@ -17635,7 +17529,7 @@
             </a:ln>
             <a:extLst>
               <a:ext uri="{91240B29-F687-4f45-9708-019B960494DF}">
-                <a14:hiddenLine xmlns="" xmlns:a16="http://schemas.microsoft.com/office/drawing/2014/main" xmlns:p14="http://schemas.microsoft.com/office/powerpoint/2010/main" xmlns:a14="http://schemas.microsoft.com/office/drawing/2010/main" w="9525">
+                <a14:hiddenLine xmlns:a14="http://schemas.microsoft.com/office/drawing/2010/main" xmlns:p14="http://schemas.microsoft.com/office/powerpoint/2010/main" xmlns:a16="http://schemas.microsoft.com/office/drawing/2014/main" xmlns="" w="9525">
                   <a:solidFill>
                     <a:srgbClr val="000000"/>
                   </a:solidFill>
@@ -17740,7 +17634,7 @@
             </a:ln>
             <a:extLst>
               <a:ext uri="{91240B29-F687-4f45-9708-019B960494DF}">
-                <a14:hiddenLine xmlns="" xmlns:a16="http://schemas.microsoft.com/office/drawing/2014/main" xmlns:p14="http://schemas.microsoft.com/office/powerpoint/2010/main" xmlns:a14="http://schemas.microsoft.com/office/drawing/2010/main" w="9525">
+                <a14:hiddenLine xmlns:a14="http://schemas.microsoft.com/office/drawing/2010/main" xmlns:p14="http://schemas.microsoft.com/office/powerpoint/2010/main" xmlns:a16="http://schemas.microsoft.com/office/drawing/2014/main" xmlns="" w="9525">
                   <a:solidFill>
                     <a:srgbClr val="000000"/>
                   </a:solidFill>
@@ -17845,7 +17739,7 @@
             </a:ln>
             <a:extLst>
               <a:ext uri="{91240B29-F687-4f45-9708-019B960494DF}">
-                <a14:hiddenLine xmlns="" xmlns:a16="http://schemas.microsoft.com/office/drawing/2014/main" xmlns:p14="http://schemas.microsoft.com/office/powerpoint/2010/main" xmlns:a14="http://schemas.microsoft.com/office/drawing/2010/main" w="9525">
+                <a14:hiddenLine xmlns:a14="http://schemas.microsoft.com/office/drawing/2010/main" xmlns:p14="http://schemas.microsoft.com/office/powerpoint/2010/main" xmlns:a16="http://schemas.microsoft.com/office/drawing/2014/main" xmlns="" w="9525">
                   <a:solidFill>
                     <a:srgbClr val="000000"/>
                   </a:solidFill>
@@ -17894,7 +17788,7 @@
             </a:ln>
             <a:extLst>
               <a:ext uri="{91240B29-F687-4f45-9708-019B960494DF}">
-                <a14:hiddenLine xmlns="" xmlns:a16="http://schemas.microsoft.com/office/drawing/2014/main" xmlns:p14="http://schemas.microsoft.com/office/powerpoint/2010/main" xmlns:a14="http://schemas.microsoft.com/office/drawing/2010/main" w="9525">
+                <a14:hiddenLine xmlns:a14="http://schemas.microsoft.com/office/drawing/2010/main" xmlns:p14="http://schemas.microsoft.com/office/powerpoint/2010/main" xmlns:a16="http://schemas.microsoft.com/office/drawing/2014/main" xmlns="" w="9525">
                   <a:solidFill>
                     <a:srgbClr val="000000"/>
                   </a:solidFill>
@@ -17999,7 +17893,7 @@
             </a:ln>
             <a:extLst>
               <a:ext uri="{91240B29-F687-4f45-9708-019B960494DF}">
-                <a14:hiddenLine xmlns="" xmlns:a16="http://schemas.microsoft.com/office/drawing/2014/main" xmlns:p14="http://schemas.microsoft.com/office/powerpoint/2010/main" xmlns:a14="http://schemas.microsoft.com/office/drawing/2010/main" w="9525">
+                <a14:hiddenLine xmlns:a14="http://schemas.microsoft.com/office/drawing/2010/main" xmlns:p14="http://schemas.microsoft.com/office/powerpoint/2010/main" xmlns:a16="http://schemas.microsoft.com/office/drawing/2014/main" xmlns="" w="9525">
                   <a:solidFill>
                     <a:srgbClr val="000000"/>
                   </a:solidFill>
@@ -18076,7 +17970,7 @@
             </a:ln>
             <a:extLst>
               <a:ext uri="{91240B29-F687-4f45-9708-019B960494DF}">
-                <a14:hiddenLine xmlns="" xmlns:a16="http://schemas.microsoft.com/office/drawing/2014/main" xmlns:p14="http://schemas.microsoft.com/office/powerpoint/2010/main" xmlns:a14="http://schemas.microsoft.com/office/drawing/2010/main" w="9525">
+                <a14:hiddenLine xmlns:a14="http://schemas.microsoft.com/office/drawing/2010/main" xmlns:p14="http://schemas.microsoft.com/office/powerpoint/2010/main" xmlns:a16="http://schemas.microsoft.com/office/drawing/2014/main" xmlns="" w="9525">
                   <a:solidFill>
                     <a:srgbClr val="000000"/>
                   </a:solidFill>
@@ -18153,7 +18047,7 @@
             </a:ln>
             <a:extLst>
               <a:ext uri="{91240B29-F687-4f45-9708-019B960494DF}">
-                <a14:hiddenLine xmlns="" xmlns:a16="http://schemas.microsoft.com/office/drawing/2014/main" xmlns:p14="http://schemas.microsoft.com/office/powerpoint/2010/main" xmlns:a14="http://schemas.microsoft.com/office/drawing/2010/main" w="9525">
+                <a14:hiddenLine xmlns:a14="http://schemas.microsoft.com/office/drawing/2010/main" xmlns:p14="http://schemas.microsoft.com/office/powerpoint/2010/main" xmlns:a16="http://schemas.microsoft.com/office/drawing/2014/main" xmlns="" w="9525">
                   <a:solidFill>
                     <a:srgbClr val="000000"/>
                   </a:solidFill>
@@ -18258,7 +18152,7 @@
             </a:ln>
             <a:extLst>
               <a:ext uri="{91240B29-F687-4f45-9708-019B960494DF}">
-                <a14:hiddenLine xmlns="" xmlns:a16="http://schemas.microsoft.com/office/drawing/2014/main" xmlns:p14="http://schemas.microsoft.com/office/powerpoint/2010/main" xmlns:a14="http://schemas.microsoft.com/office/drawing/2010/main" w="9525">
+                <a14:hiddenLine xmlns:a14="http://schemas.microsoft.com/office/drawing/2010/main" xmlns:p14="http://schemas.microsoft.com/office/powerpoint/2010/main" xmlns:a16="http://schemas.microsoft.com/office/drawing/2014/main" xmlns="" w="9525">
                   <a:solidFill>
                     <a:srgbClr val="000000"/>
                   </a:solidFill>
@@ -18335,7 +18229,7 @@
             </a:ln>
             <a:extLst>
               <a:ext uri="{91240B29-F687-4f45-9708-019B960494DF}">
-                <a14:hiddenLine xmlns="" xmlns:a16="http://schemas.microsoft.com/office/drawing/2014/main" xmlns:p14="http://schemas.microsoft.com/office/powerpoint/2010/main" xmlns:a14="http://schemas.microsoft.com/office/drawing/2010/main" w="9525">
+                <a14:hiddenLine xmlns:a14="http://schemas.microsoft.com/office/drawing/2010/main" xmlns:p14="http://schemas.microsoft.com/office/powerpoint/2010/main" xmlns:a16="http://schemas.microsoft.com/office/drawing/2014/main" xmlns="" w="9525">
                   <a:solidFill>
                     <a:srgbClr val="000000"/>
                   </a:solidFill>
@@ -18412,7 +18306,7 @@
             </a:ln>
             <a:extLst>
               <a:ext uri="{91240B29-F687-4f45-9708-019B960494DF}">
-                <a14:hiddenLine xmlns="" xmlns:a16="http://schemas.microsoft.com/office/drawing/2014/main" xmlns:p14="http://schemas.microsoft.com/office/powerpoint/2010/main" xmlns:a14="http://schemas.microsoft.com/office/drawing/2010/main" w="9525">
+                <a14:hiddenLine xmlns:a14="http://schemas.microsoft.com/office/drawing/2010/main" xmlns:p14="http://schemas.microsoft.com/office/powerpoint/2010/main" xmlns:a16="http://schemas.microsoft.com/office/drawing/2014/main" xmlns="" w="9525">
                   <a:solidFill>
                     <a:srgbClr val="000000"/>
                   </a:solidFill>
@@ -18517,7 +18411,7 @@
             </a:ln>
             <a:extLst>
               <a:ext uri="{91240B29-F687-4f45-9708-019B960494DF}">
-                <a14:hiddenLine xmlns="" xmlns:a16="http://schemas.microsoft.com/office/drawing/2014/main" xmlns:p14="http://schemas.microsoft.com/office/powerpoint/2010/main" xmlns:a14="http://schemas.microsoft.com/office/drawing/2010/main" w="9525">
+                <a14:hiddenLine xmlns:a14="http://schemas.microsoft.com/office/drawing/2010/main" xmlns:p14="http://schemas.microsoft.com/office/powerpoint/2010/main" xmlns:a16="http://schemas.microsoft.com/office/drawing/2014/main" xmlns="" w="9525">
                   <a:solidFill>
                     <a:srgbClr val="000000"/>
                   </a:solidFill>
@@ -18622,7 +18516,7 @@
             </a:ln>
             <a:extLst>
               <a:ext uri="{91240B29-F687-4f45-9708-019B960494DF}">
-                <a14:hiddenLine xmlns="" xmlns:a16="http://schemas.microsoft.com/office/drawing/2014/main" xmlns:p14="http://schemas.microsoft.com/office/powerpoint/2010/main" xmlns:a14="http://schemas.microsoft.com/office/drawing/2010/main" w="9525">
+                <a14:hiddenLine xmlns:a14="http://schemas.microsoft.com/office/drawing/2010/main" xmlns:p14="http://schemas.microsoft.com/office/powerpoint/2010/main" xmlns:a16="http://schemas.microsoft.com/office/drawing/2014/main" xmlns="" w="9525">
                   <a:solidFill>
                     <a:srgbClr val="000000"/>
                   </a:solidFill>
@@ -18699,7 +18593,7 @@
             </a:ln>
             <a:extLst>
               <a:ext uri="{91240B29-F687-4f45-9708-019B960494DF}">
-                <a14:hiddenLine xmlns="" xmlns:a16="http://schemas.microsoft.com/office/drawing/2014/main" xmlns:p14="http://schemas.microsoft.com/office/powerpoint/2010/main" xmlns:a14="http://schemas.microsoft.com/office/drawing/2010/main" w="9525">
+                <a14:hiddenLine xmlns:a14="http://schemas.microsoft.com/office/drawing/2010/main" xmlns:p14="http://schemas.microsoft.com/office/powerpoint/2010/main" xmlns:a16="http://schemas.microsoft.com/office/drawing/2014/main" xmlns="" w="9525">
                   <a:solidFill>
                     <a:srgbClr val="000000"/>
                   </a:solidFill>
@@ -18824,7 +18718,7 @@
             </a:ln>
             <a:extLst>
               <a:ext uri="{91240B29-F687-4f45-9708-019B960494DF}">
-                <a14:hiddenLine xmlns="" xmlns:a16="http://schemas.microsoft.com/office/drawing/2014/main" xmlns:p14="http://schemas.microsoft.com/office/powerpoint/2010/main" xmlns:a14="http://schemas.microsoft.com/office/drawing/2010/main" w="9525">
+                <a14:hiddenLine xmlns:a14="http://schemas.microsoft.com/office/drawing/2010/main" xmlns:p14="http://schemas.microsoft.com/office/powerpoint/2010/main" xmlns:a16="http://schemas.microsoft.com/office/drawing/2014/main" xmlns="" w="9525">
                   <a:solidFill>
                     <a:srgbClr val="000000"/>
                   </a:solidFill>
@@ -18901,7 +18795,7 @@
             </a:ln>
             <a:extLst>
               <a:ext uri="{91240B29-F687-4f45-9708-019B960494DF}">
-                <a14:hiddenLine xmlns="" xmlns:a16="http://schemas.microsoft.com/office/drawing/2014/main" xmlns:p14="http://schemas.microsoft.com/office/powerpoint/2010/main" xmlns:a14="http://schemas.microsoft.com/office/drawing/2010/main" w="9525">
+                <a14:hiddenLine xmlns:a14="http://schemas.microsoft.com/office/drawing/2010/main" xmlns:p14="http://schemas.microsoft.com/office/powerpoint/2010/main" xmlns:a16="http://schemas.microsoft.com/office/drawing/2014/main" xmlns="" w="9525">
                   <a:solidFill>
                     <a:srgbClr val="000000"/>
                   </a:solidFill>
@@ -19006,7 +18900,7 @@
             </a:ln>
             <a:extLst>
               <a:ext uri="{91240B29-F687-4f45-9708-019B960494DF}">
-                <a14:hiddenLine xmlns="" xmlns:a16="http://schemas.microsoft.com/office/drawing/2014/main" xmlns:p14="http://schemas.microsoft.com/office/powerpoint/2010/main" xmlns:a14="http://schemas.microsoft.com/office/drawing/2010/main" w="9525">
+                <a14:hiddenLine xmlns:a14="http://schemas.microsoft.com/office/drawing/2010/main" xmlns:p14="http://schemas.microsoft.com/office/powerpoint/2010/main" xmlns:a16="http://schemas.microsoft.com/office/drawing/2014/main" xmlns="" w="9525">
                   <a:solidFill>
                     <a:srgbClr val="000000"/>
                   </a:solidFill>
@@ -19111,7 +19005,7 @@
             </a:ln>
             <a:extLst>
               <a:ext uri="{91240B29-F687-4f45-9708-019B960494DF}">
-                <a14:hiddenLine xmlns="" xmlns:a16="http://schemas.microsoft.com/office/drawing/2014/main" xmlns:p14="http://schemas.microsoft.com/office/powerpoint/2010/main" xmlns:a14="http://schemas.microsoft.com/office/drawing/2010/main" w="9525">
+                <a14:hiddenLine xmlns:a14="http://schemas.microsoft.com/office/drawing/2010/main" xmlns:p14="http://schemas.microsoft.com/office/powerpoint/2010/main" xmlns:a16="http://schemas.microsoft.com/office/drawing/2014/main" xmlns="" w="9525">
                   <a:solidFill>
                     <a:srgbClr val="000000"/>
                   </a:solidFill>
@@ -19188,7 +19082,7 @@
             </a:ln>
             <a:extLst>
               <a:ext uri="{91240B29-F687-4f45-9708-019B960494DF}">
-                <a14:hiddenLine xmlns="" xmlns:a16="http://schemas.microsoft.com/office/drawing/2014/main" xmlns:p14="http://schemas.microsoft.com/office/powerpoint/2010/main" xmlns:a14="http://schemas.microsoft.com/office/drawing/2010/main" w="9525">
+                <a14:hiddenLine xmlns:a14="http://schemas.microsoft.com/office/drawing/2010/main" xmlns:p14="http://schemas.microsoft.com/office/powerpoint/2010/main" xmlns:a16="http://schemas.microsoft.com/office/drawing/2014/main" xmlns="" w="9525">
                   <a:solidFill>
                     <a:srgbClr val="000000"/>
                   </a:solidFill>
@@ -19293,7 +19187,7 @@
             </a:ln>
             <a:extLst>
               <a:ext uri="{91240B29-F687-4f45-9708-019B960494DF}">
-                <a14:hiddenLine xmlns="" xmlns:a16="http://schemas.microsoft.com/office/drawing/2014/main" xmlns:p14="http://schemas.microsoft.com/office/powerpoint/2010/main" xmlns:a14="http://schemas.microsoft.com/office/drawing/2010/main" w="9525">
+                <a14:hiddenLine xmlns:a14="http://schemas.microsoft.com/office/drawing/2010/main" xmlns:p14="http://schemas.microsoft.com/office/powerpoint/2010/main" xmlns:a16="http://schemas.microsoft.com/office/drawing/2014/main" xmlns="" w="9525">
                   <a:solidFill>
                     <a:srgbClr val="000000"/>
                   </a:solidFill>
@@ -19398,7 +19292,7 @@
             </a:ln>
             <a:extLst>
               <a:ext uri="{91240B29-F687-4f45-9708-019B960494DF}">
-                <a14:hiddenLine xmlns="" xmlns:a16="http://schemas.microsoft.com/office/drawing/2014/main" xmlns:p14="http://schemas.microsoft.com/office/powerpoint/2010/main" xmlns:a14="http://schemas.microsoft.com/office/drawing/2010/main" w="9525">
+                <a14:hiddenLine xmlns:a14="http://schemas.microsoft.com/office/drawing/2010/main" xmlns:p14="http://schemas.microsoft.com/office/powerpoint/2010/main" xmlns:a16="http://schemas.microsoft.com/office/drawing/2014/main" xmlns="" w="9525">
                   <a:solidFill>
                     <a:srgbClr val="000000"/>
                   </a:solidFill>
@@ -19469,7 +19363,7 @@
             </a:ln>
             <a:extLst>
               <a:ext uri="{91240B29-F687-4f45-9708-019B960494DF}">
-                <a14:hiddenLine xmlns="" xmlns:a16="http://schemas.microsoft.com/office/drawing/2014/main" xmlns:p14="http://schemas.microsoft.com/office/powerpoint/2010/main" xmlns:a14="http://schemas.microsoft.com/office/drawing/2010/main" w="9525">
+                <a14:hiddenLine xmlns:a14="http://schemas.microsoft.com/office/drawing/2010/main" xmlns:p14="http://schemas.microsoft.com/office/powerpoint/2010/main" xmlns:a16="http://schemas.microsoft.com/office/drawing/2014/main" xmlns="" w="9525">
                   <a:solidFill>
                     <a:srgbClr val="000000"/>
                   </a:solidFill>
@@ -19574,7 +19468,7 @@
             </a:ln>
             <a:extLst>
               <a:ext uri="{91240B29-F687-4f45-9708-019B960494DF}">
-                <a14:hiddenLine xmlns="" xmlns:a16="http://schemas.microsoft.com/office/drawing/2014/main" xmlns:p14="http://schemas.microsoft.com/office/powerpoint/2010/main" xmlns:a14="http://schemas.microsoft.com/office/drawing/2010/main" w="9525">
+                <a14:hiddenLine xmlns:a14="http://schemas.microsoft.com/office/drawing/2010/main" xmlns:p14="http://schemas.microsoft.com/office/powerpoint/2010/main" xmlns:a16="http://schemas.microsoft.com/office/drawing/2014/main" xmlns="" w="9525">
                   <a:solidFill>
                     <a:srgbClr val="000000"/>
                   </a:solidFill>
@@ -19645,7 +19539,7 @@
             </a:ln>
             <a:extLst>
               <a:ext uri="{91240B29-F687-4f45-9708-019B960494DF}">
-                <a14:hiddenLine xmlns="" xmlns:a16="http://schemas.microsoft.com/office/drawing/2014/main" xmlns:p14="http://schemas.microsoft.com/office/powerpoint/2010/main" xmlns:a14="http://schemas.microsoft.com/office/drawing/2010/main" w="9525">
+                <a14:hiddenLine xmlns:a14="http://schemas.microsoft.com/office/drawing/2010/main" xmlns:p14="http://schemas.microsoft.com/office/powerpoint/2010/main" xmlns:a16="http://schemas.microsoft.com/office/drawing/2014/main" xmlns="" w="9525">
                   <a:solidFill>
                     <a:srgbClr val="000000"/>
                   </a:solidFill>
@@ -19750,7 +19644,7 @@
             </a:ln>
             <a:extLst>
               <a:ext uri="{91240B29-F687-4f45-9708-019B960494DF}">
-                <a14:hiddenLine xmlns="" xmlns:a16="http://schemas.microsoft.com/office/drawing/2014/main" xmlns:p14="http://schemas.microsoft.com/office/powerpoint/2010/main" xmlns:a14="http://schemas.microsoft.com/office/drawing/2010/main" w="9525">
+                <a14:hiddenLine xmlns:a14="http://schemas.microsoft.com/office/drawing/2010/main" xmlns:p14="http://schemas.microsoft.com/office/powerpoint/2010/main" xmlns:a16="http://schemas.microsoft.com/office/drawing/2014/main" xmlns="" w="9525">
                   <a:solidFill>
                     <a:srgbClr val="000000"/>
                   </a:solidFill>
@@ -19833,7 +19727,7 @@
             </a:ln>
             <a:extLst>
               <a:ext uri="{91240B29-F687-4f45-9708-019B960494DF}">
-                <a14:hiddenLine xmlns="" xmlns:a16="http://schemas.microsoft.com/office/drawing/2014/main" xmlns:p14="http://schemas.microsoft.com/office/powerpoint/2010/main" xmlns:a14="http://schemas.microsoft.com/office/drawing/2010/main" w="9525">
+                <a14:hiddenLine xmlns:a14="http://schemas.microsoft.com/office/drawing/2010/main" xmlns:p14="http://schemas.microsoft.com/office/powerpoint/2010/main" xmlns:a16="http://schemas.microsoft.com/office/drawing/2014/main" xmlns="" w="9525">
                   <a:solidFill>
                     <a:srgbClr val="000000"/>
                   </a:solidFill>
@@ -19938,7 +19832,7 @@
             </a:ln>
             <a:extLst>
               <a:ext uri="{91240B29-F687-4f45-9708-019B960494DF}">
-                <a14:hiddenLine xmlns="" xmlns:a16="http://schemas.microsoft.com/office/drawing/2014/main" xmlns:p14="http://schemas.microsoft.com/office/powerpoint/2010/main" xmlns:a14="http://schemas.microsoft.com/office/drawing/2010/main" w="9525">
+                <a14:hiddenLine xmlns:a14="http://schemas.microsoft.com/office/drawing/2010/main" xmlns:p14="http://schemas.microsoft.com/office/powerpoint/2010/main" xmlns:a16="http://schemas.microsoft.com/office/drawing/2014/main" xmlns="" w="9525">
                   <a:solidFill>
                     <a:srgbClr val="000000"/>
                   </a:solidFill>
@@ -20021,7 +19915,7 @@
             </a:ln>
             <a:extLst>
               <a:ext uri="{91240B29-F687-4f45-9708-019B960494DF}">
-                <a14:hiddenLine xmlns="" xmlns:a16="http://schemas.microsoft.com/office/drawing/2014/main" xmlns:p14="http://schemas.microsoft.com/office/powerpoint/2010/main" xmlns:a14="http://schemas.microsoft.com/office/drawing/2010/main" w="9525">
+                <a14:hiddenLine xmlns:a14="http://schemas.microsoft.com/office/drawing/2010/main" xmlns:p14="http://schemas.microsoft.com/office/powerpoint/2010/main" xmlns:a16="http://schemas.microsoft.com/office/drawing/2014/main" xmlns="" w="9525">
                   <a:solidFill>
                     <a:srgbClr val="000000"/>
                   </a:solidFill>
@@ -20126,7 +20020,7 @@
             </a:ln>
             <a:extLst>
               <a:ext uri="{91240B29-F687-4f45-9708-019B960494DF}">
-                <a14:hiddenLine xmlns="" xmlns:a16="http://schemas.microsoft.com/office/drawing/2014/main" xmlns:p14="http://schemas.microsoft.com/office/powerpoint/2010/main" xmlns:a14="http://schemas.microsoft.com/office/drawing/2010/main" w="9525">
+                <a14:hiddenLine xmlns:a14="http://schemas.microsoft.com/office/drawing/2010/main" xmlns:p14="http://schemas.microsoft.com/office/powerpoint/2010/main" xmlns:a16="http://schemas.microsoft.com/office/drawing/2014/main" xmlns="" w="9525">
                   <a:solidFill>
                     <a:srgbClr val="000000"/>
                   </a:solidFill>
@@ -20175,7 +20069,7 @@
             </a:ln>
             <a:extLst>
               <a:ext uri="{91240B29-F687-4f45-9708-019B960494DF}">
-                <a14:hiddenLine xmlns="" xmlns:a16="http://schemas.microsoft.com/office/drawing/2014/main" xmlns:p14="http://schemas.microsoft.com/office/powerpoint/2010/main" xmlns:a14="http://schemas.microsoft.com/office/drawing/2010/main" w="9525">
+                <a14:hiddenLine xmlns:a14="http://schemas.microsoft.com/office/drawing/2010/main" xmlns:p14="http://schemas.microsoft.com/office/powerpoint/2010/main" xmlns:a16="http://schemas.microsoft.com/office/drawing/2014/main" xmlns="" w="9525">
                   <a:solidFill>
                     <a:srgbClr val="000000"/>
                   </a:solidFill>
@@ -20280,7 +20174,7 @@
             </a:ln>
             <a:extLst>
               <a:ext uri="{91240B29-F687-4f45-9708-019B960494DF}">
-                <a14:hiddenLine xmlns="" xmlns:a16="http://schemas.microsoft.com/office/drawing/2014/main" xmlns:p14="http://schemas.microsoft.com/office/powerpoint/2010/main" xmlns:a14="http://schemas.microsoft.com/office/drawing/2010/main" w="9525">
+                <a14:hiddenLine xmlns:a14="http://schemas.microsoft.com/office/drawing/2010/main" xmlns:p14="http://schemas.microsoft.com/office/powerpoint/2010/main" xmlns:a16="http://schemas.microsoft.com/office/drawing/2014/main" xmlns="" w="9525">
                   <a:solidFill>
                     <a:srgbClr val="000000"/>
                   </a:solidFill>
@@ -20357,7 +20251,7 @@
             </a:ln>
             <a:extLst>
               <a:ext uri="{91240B29-F687-4f45-9708-019B960494DF}">
-                <a14:hiddenLine xmlns="" xmlns:a16="http://schemas.microsoft.com/office/drawing/2014/main" xmlns:p14="http://schemas.microsoft.com/office/powerpoint/2010/main" xmlns:a14="http://schemas.microsoft.com/office/drawing/2010/main" w="9525">
+                <a14:hiddenLine xmlns:a14="http://schemas.microsoft.com/office/drawing/2010/main" xmlns:p14="http://schemas.microsoft.com/office/powerpoint/2010/main" xmlns:a16="http://schemas.microsoft.com/office/drawing/2014/main" xmlns="" w="9525">
                   <a:solidFill>
                     <a:srgbClr val="000000"/>
                   </a:solidFill>
@@ -20434,7 +20328,7 @@
             </a:ln>
             <a:extLst>
               <a:ext uri="{91240B29-F687-4f45-9708-019B960494DF}">
-                <a14:hiddenLine xmlns="" xmlns:a16="http://schemas.microsoft.com/office/drawing/2014/main" xmlns:p14="http://schemas.microsoft.com/office/powerpoint/2010/main" xmlns:a14="http://schemas.microsoft.com/office/drawing/2010/main" w="9525">
+                <a14:hiddenLine xmlns:a14="http://schemas.microsoft.com/office/drawing/2010/main" xmlns:p14="http://schemas.microsoft.com/office/powerpoint/2010/main" xmlns:a16="http://schemas.microsoft.com/office/drawing/2014/main" xmlns="" w="9525">
                   <a:solidFill>
                     <a:srgbClr val="000000"/>
                   </a:solidFill>
@@ -20539,7 +20433,7 @@
             </a:ln>
             <a:extLst>
               <a:ext uri="{91240B29-F687-4f45-9708-019B960494DF}">
-                <a14:hiddenLine xmlns="" xmlns:a16="http://schemas.microsoft.com/office/drawing/2014/main" xmlns:p14="http://schemas.microsoft.com/office/powerpoint/2010/main" xmlns:a14="http://schemas.microsoft.com/office/drawing/2010/main" w="9525">
+                <a14:hiddenLine xmlns:a14="http://schemas.microsoft.com/office/drawing/2010/main" xmlns:p14="http://schemas.microsoft.com/office/powerpoint/2010/main" xmlns:a16="http://schemas.microsoft.com/office/drawing/2014/main" xmlns="" w="9525">
                   <a:solidFill>
                     <a:srgbClr val="000000"/>
                   </a:solidFill>
@@ -20622,7 +20516,7 @@
             </a:ln>
             <a:extLst>
               <a:ext uri="{91240B29-F687-4f45-9708-019B960494DF}">
-                <a14:hiddenLine xmlns="" xmlns:a16="http://schemas.microsoft.com/office/drawing/2014/main" xmlns:p14="http://schemas.microsoft.com/office/powerpoint/2010/main" xmlns:a14="http://schemas.microsoft.com/office/drawing/2010/main" w="9525">
+                <a14:hiddenLine xmlns:a14="http://schemas.microsoft.com/office/drawing/2010/main" xmlns:p14="http://schemas.microsoft.com/office/powerpoint/2010/main" xmlns:a16="http://schemas.microsoft.com/office/drawing/2014/main" xmlns="" w="9525">
                   <a:solidFill>
                     <a:srgbClr val="000000"/>
                   </a:solidFill>
@@ -20699,7 +20593,7 @@
             </a:ln>
             <a:extLst>
               <a:ext uri="{91240B29-F687-4f45-9708-019B960494DF}">
-                <a14:hiddenLine xmlns="" xmlns:a16="http://schemas.microsoft.com/office/drawing/2014/main" xmlns:p14="http://schemas.microsoft.com/office/powerpoint/2010/main" xmlns:a14="http://schemas.microsoft.com/office/drawing/2010/main" w="9525">
+                <a14:hiddenLine xmlns:a14="http://schemas.microsoft.com/office/drawing/2010/main" xmlns:p14="http://schemas.microsoft.com/office/powerpoint/2010/main" xmlns:a16="http://schemas.microsoft.com/office/drawing/2014/main" xmlns="" w="9525">
                   <a:solidFill>
                     <a:srgbClr val="000000"/>
                   </a:solidFill>
@@ -20804,7 +20698,7 @@
             </a:ln>
             <a:extLst>
               <a:ext uri="{91240B29-F687-4f45-9708-019B960494DF}">
-                <a14:hiddenLine xmlns="" xmlns:a16="http://schemas.microsoft.com/office/drawing/2014/main" xmlns:p14="http://schemas.microsoft.com/office/powerpoint/2010/main" xmlns:a14="http://schemas.microsoft.com/office/drawing/2010/main" w="9525">
+                <a14:hiddenLine xmlns:a14="http://schemas.microsoft.com/office/drawing/2010/main" xmlns:p14="http://schemas.microsoft.com/office/powerpoint/2010/main" xmlns:a16="http://schemas.microsoft.com/office/drawing/2014/main" xmlns="" w="9525">
                   <a:solidFill>
                     <a:srgbClr val="000000"/>
                   </a:solidFill>
@@ -20881,7 +20775,7 @@
             </a:ln>
             <a:extLst>
               <a:ext uri="{91240B29-F687-4f45-9708-019B960494DF}">
-                <a14:hiddenLine xmlns="" xmlns:a16="http://schemas.microsoft.com/office/drawing/2014/main" xmlns:p14="http://schemas.microsoft.com/office/powerpoint/2010/main" xmlns:a14="http://schemas.microsoft.com/office/drawing/2010/main" w="9525">
+                <a14:hiddenLine xmlns:a14="http://schemas.microsoft.com/office/drawing/2010/main" xmlns:p14="http://schemas.microsoft.com/office/powerpoint/2010/main" xmlns:a16="http://schemas.microsoft.com/office/drawing/2014/main" xmlns="" w="9525">
                   <a:solidFill>
                     <a:srgbClr val="000000"/>
                   </a:solidFill>
@@ -20986,7 +20880,7 @@
             </a:ln>
             <a:extLst>
               <a:ext uri="{91240B29-F687-4f45-9708-019B960494DF}">
-                <a14:hiddenLine xmlns="" xmlns:a16="http://schemas.microsoft.com/office/drawing/2014/main" xmlns:p14="http://schemas.microsoft.com/office/powerpoint/2010/main" xmlns:a14="http://schemas.microsoft.com/office/drawing/2010/main" w="9525">
+                <a14:hiddenLine xmlns:a14="http://schemas.microsoft.com/office/drawing/2010/main" xmlns:p14="http://schemas.microsoft.com/office/powerpoint/2010/main" xmlns:a16="http://schemas.microsoft.com/office/drawing/2014/main" xmlns="" w="9525">
                   <a:solidFill>
                     <a:srgbClr val="000000"/>
                   </a:solidFill>
@@ -21063,7 +20957,7 @@
             </a:ln>
             <a:extLst>
               <a:ext uri="{91240B29-F687-4f45-9708-019B960494DF}">
-                <a14:hiddenLine xmlns="" xmlns:a16="http://schemas.microsoft.com/office/drawing/2014/main" xmlns:p14="http://schemas.microsoft.com/office/powerpoint/2010/main" xmlns:a14="http://schemas.microsoft.com/office/drawing/2010/main" w="9525">
+                <a14:hiddenLine xmlns:a14="http://schemas.microsoft.com/office/drawing/2010/main" xmlns:p14="http://schemas.microsoft.com/office/powerpoint/2010/main" xmlns:a16="http://schemas.microsoft.com/office/drawing/2014/main" xmlns="" w="9525">
                   <a:solidFill>
                     <a:srgbClr val="000000"/>
                   </a:solidFill>
@@ -21168,7 +21062,7 @@
             </a:ln>
             <a:extLst>
               <a:ext uri="{91240B29-F687-4f45-9708-019B960494DF}">
-                <a14:hiddenLine xmlns="" xmlns:a16="http://schemas.microsoft.com/office/drawing/2014/main" xmlns:p14="http://schemas.microsoft.com/office/powerpoint/2010/main" xmlns:a14="http://schemas.microsoft.com/office/drawing/2010/main" w="9525">
+                <a14:hiddenLine xmlns:a14="http://schemas.microsoft.com/office/drawing/2010/main" xmlns:p14="http://schemas.microsoft.com/office/powerpoint/2010/main" xmlns:a16="http://schemas.microsoft.com/office/drawing/2014/main" xmlns="" w="9525">
                   <a:solidFill>
                     <a:srgbClr val="000000"/>
                   </a:solidFill>
@@ -21217,7 +21111,7 @@
             </a:ln>
             <a:extLst>
               <a:ext uri="{91240B29-F687-4f45-9708-019B960494DF}">
-                <a14:hiddenLine xmlns="" xmlns:a16="http://schemas.microsoft.com/office/drawing/2014/main" xmlns:p14="http://schemas.microsoft.com/office/powerpoint/2010/main" xmlns:a14="http://schemas.microsoft.com/office/drawing/2010/main" w="9525">
+                <a14:hiddenLine xmlns:a14="http://schemas.microsoft.com/office/drawing/2010/main" xmlns:p14="http://schemas.microsoft.com/office/powerpoint/2010/main" xmlns:a16="http://schemas.microsoft.com/office/drawing/2014/main" xmlns="" w="9525">
                   <a:solidFill>
                     <a:srgbClr val="000000"/>
                   </a:solidFill>
@@ -21297,7 +21191,7 @@
             </a:ln>
             <a:extLst>
               <a:ext uri="{91240B29-F687-4f45-9708-019B960494DF}">
-                <a14:hiddenLine xmlns="" xmlns:a16="http://schemas.microsoft.com/office/drawing/2014/main" xmlns:p14="http://schemas.microsoft.com/office/powerpoint/2010/main" xmlns:a14="http://schemas.microsoft.com/office/drawing/2010/main" w="9525">
+                <a14:hiddenLine xmlns:a14="http://schemas.microsoft.com/office/drawing/2010/main" xmlns:p14="http://schemas.microsoft.com/office/powerpoint/2010/main" xmlns:a16="http://schemas.microsoft.com/office/drawing/2014/main" xmlns="" w="9525">
                   <a:solidFill>
                     <a:srgbClr val="000000"/>
                   </a:solidFill>
@@ -21402,7 +21296,7 @@
             </a:ln>
             <a:extLst>
               <a:ext uri="{91240B29-F687-4f45-9708-019B960494DF}">
-                <a14:hiddenLine xmlns="" xmlns:a16="http://schemas.microsoft.com/office/drawing/2014/main" xmlns:p14="http://schemas.microsoft.com/office/powerpoint/2010/main" xmlns:a14="http://schemas.microsoft.com/office/drawing/2010/main" w="9525">
+                <a14:hiddenLine xmlns:a14="http://schemas.microsoft.com/office/drawing/2010/main" xmlns:p14="http://schemas.microsoft.com/office/powerpoint/2010/main" xmlns:a16="http://schemas.microsoft.com/office/drawing/2014/main" xmlns="" w="9525">
                   <a:solidFill>
                     <a:srgbClr val="000000"/>
                   </a:solidFill>
@@ -21479,7 +21373,7 @@
             </a:ln>
             <a:extLst>
               <a:ext uri="{91240B29-F687-4f45-9708-019B960494DF}">
-                <a14:hiddenLine xmlns="" xmlns:a16="http://schemas.microsoft.com/office/drawing/2014/main" xmlns:p14="http://schemas.microsoft.com/office/powerpoint/2010/main" xmlns:a14="http://schemas.microsoft.com/office/drawing/2010/main" w="9525">
+                <a14:hiddenLine xmlns:a14="http://schemas.microsoft.com/office/drawing/2010/main" xmlns:p14="http://schemas.microsoft.com/office/powerpoint/2010/main" xmlns:a16="http://schemas.microsoft.com/office/drawing/2014/main" xmlns="" w="9525">
                   <a:solidFill>
                     <a:srgbClr val="000000"/>
                   </a:solidFill>
@@ -21584,7 +21478,7 @@
             </a:ln>
             <a:extLst>
               <a:ext uri="{91240B29-F687-4f45-9708-019B960494DF}">
-                <a14:hiddenLine xmlns="" xmlns:a16="http://schemas.microsoft.com/office/drawing/2014/main" xmlns:p14="http://schemas.microsoft.com/office/powerpoint/2010/main" xmlns:a14="http://schemas.microsoft.com/office/drawing/2010/main" w="9525">
+                <a14:hiddenLine xmlns:a14="http://schemas.microsoft.com/office/drawing/2010/main" xmlns:p14="http://schemas.microsoft.com/office/powerpoint/2010/main" xmlns:a16="http://schemas.microsoft.com/office/drawing/2014/main" xmlns="" w="9525">
                   <a:solidFill>
                     <a:srgbClr val="000000"/>
                   </a:solidFill>
@@ -21689,7 +21583,7 @@
             </a:ln>
             <a:extLst>
               <a:ext uri="{91240B29-F687-4f45-9708-019B960494DF}">
-                <a14:hiddenLine xmlns="" xmlns:a16="http://schemas.microsoft.com/office/drawing/2014/main" xmlns:p14="http://schemas.microsoft.com/office/powerpoint/2010/main" xmlns:a14="http://schemas.microsoft.com/office/drawing/2010/main" w="9525">
+                <a14:hiddenLine xmlns:a14="http://schemas.microsoft.com/office/drawing/2010/main" xmlns:p14="http://schemas.microsoft.com/office/powerpoint/2010/main" xmlns:a16="http://schemas.microsoft.com/office/drawing/2014/main" xmlns="" w="9525">
                   <a:solidFill>
                     <a:srgbClr val="000000"/>
                   </a:solidFill>
@@ -21769,7 +21663,7 @@
             </a:ln>
             <a:extLst>
               <a:ext uri="{91240B29-F687-4f45-9708-019B960494DF}">
-                <a14:hiddenLine xmlns="" xmlns:a16="http://schemas.microsoft.com/office/drawing/2014/main" xmlns:p14="http://schemas.microsoft.com/office/powerpoint/2010/main" xmlns:a14="http://schemas.microsoft.com/office/drawing/2010/main" w="9525">
+                <a14:hiddenLine xmlns:a14="http://schemas.microsoft.com/office/drawing/2010/main" xmlns:p14="http://schemas.microsoft.com/office/powerpoint/2010/main" xmlns:a16="http://schemas.microsoft.com/office/drawing/2014/main" xmlns="" w="9525">
                   <a:solidFill>
                     <a:srgbClr val="000000"/>
                   </a:solidFill>
@@ -21846,7 +21740,7 @@
             </a:ln>
             <a:extLst>
               <a:ext uri="{91240B29-F687-4f45-9708-019B960494DF}">
-                <a14:hiddenLine xmlns="" xmlns:a16="http://schemas.microsoft.com/office/drawing/2014/main" xmlns:p14="http://schemas.microsoft.com/office/powerpoint/2010/main" xmlns:a14="http://schemas.microsoft.com/office/drawing/2010/main" w="9525">
+                <a14:hiddenLine xmlns:a14="http://schemas.microsoft.com/office/drawing/2010/main" xmlns:p14="http://schemas.microsoft.com/office/powerpoint/2010/main" xmlns:a16="http://schemas.microsoft.com/office/drawing/2014/main" xmlns="" w="9525">
                   <a:solidFill>
                     <a:srgbClr val="000000"/>
                   </a:solidFill>
@@ -21951,7 +21845,7 @@
             </a:ln>
             <a:extLst>
               <a:ext uri="{91240B29-F687-4f45-9708-019B960494DF}">
-                <a14:hiddenLine xmlns="" xmlns:a16="http://schemas.microsoft.com/office/drawing/2014/main" xmlns:p14="http://schemas.microsoft.com/office/powerpoint/2010/main" xmlns:a14="http://schemas.microsoft.com/office/drawing/2010/main" w="9525">
+                <a14:hiddenLine xmlns:a14="http://schemas.microsoft.com/office/drawing/2010/main" xmlns:p14="http://schemas.microsoft.com/office/powerpoint/2010/main" xmlns:a16="http://schemas.microsoft.com/office/drawing/2014/main" xmlns="" w="9525">
                   <a:solidFill>
                     <a:srgbClr val="000000"/>
                   </a:solidFill>
@@ -22056,7 +21950,7 @@
             </a:ln>
             <a:extLst>
               <a:ext uri="{91240B29-F687-4f45-9708-019B960494DF}">
-                <a14:hiddenLine xmlns="" xmlns:a16="http://schemas.microsoft.com/office/drawing/2014/main" xmlns:p14="http://schemas.microsoft.com/office/powerpoint/2010/main" xmlns:a14="http://schemas.microsoft.com/office/drawing/2010/main" w="9525">
+                <a14:hiddenLine xmlns:a14="http://schemas.microsoft.com/office/drawing/2010/main" xmlns:p14="http://schemas.microsoft.com/office/powerpoint/2010/main" xmlns:a16="http://schemas.microsoft.com/office/drawing/2014/main" xmlns="" w="9525">
                   <a:solidFill>
                     <a:srgbClr val="000000"/>
                   </a:solidFill>
@@ -22133,7 +22027,7 @@
             </a:ln>
             <a:extLst>
               <a:ext uri="{91240B29-F687-4f45-9708-019B960494DF}">
-                <a14:hiddenLine xmlns="" xmlns:a16="http://schemas.microsoft.com/office/drawing/2014/main" xmlns:p14="http://schemas.microsoft.com/office/powerpoint/2010/main" xmlns:a14="http://schemas.microsoft.com/office/drawing/2010/main" w="9525">
+                <a14:hiddenLine xmlns:a14="http://schemas.microsoft.com/office/drawing/2010/main" xmlns:p14="http://schemas.microsoft.com/office/powerpoint/2010/main" xmlns:a16="http://schemas.microsoft.com/office/drawing/2014/main" xmlns="" w="9525">
                   <a:solidFill>
                     <a:srgbClr val="000000"/>
                   </a:solidFill>
@@ -22268,7 +22162,7 @@
             </a:ln>
             <a:extLst>
               <a:ext uri="{91240B29-F687-4f45-9708-019B960494DF}">
-                <a14:hiddenLine xmlns="" xmlns:a16="http://schemas.microsoft.com/office/drawing/2014/main" xmlns:p14="http://schemas.microsoft.com/office/powerpoint/2010/main" xmlns:a14="http://schemas.microsoft.com/office/drawing/2010/main" w="9525">
+                <a14:hiddenLine xmlns:a14="http://schemas.microsoft.com/office/drawing/2010/main" xmlns:p14="http://schemas.microsoft.com/office/powerpoint/2010/main" xmlns:a16="http://schemas.microsoft.com/office/drawing/2014/main" xmlns="" w="9525">
                   <a:solidFill>
                     <a:srgbClr val="000000"/>
                   </a:solidFill>
@@ -22351,7 +22245,7 @@
             </a:ln>
             <a:extLst>
               <a:ext uri="{91240B29-F687-4f45-9708-019B960494DF}">
-                <a14:hiddenLine xmlns="" xmlns:a16="http://schemas.microsoft.com/office/drawing/2014/main" xmlns:p14="http://schemas.microsoft.com/office/powerpoint/2010/main" xmlns:a14="http://schemas.microsoft.com/office/drawing/2010/main" w="9525">
+                <a14:hiddenLine xmlns:a14="http://schemas.microsoft.com/office/drawing/2010/main" xmlns:p14="http://schemas.microsoft.com/office/powerpoint/2010/main" xmlns:a16="http://schemas.microsoft.com/office/drawing/2014/main" xmlns="" w="9525">
                   <a:solidFill>
                     <a:srgbClr val="000000"/>
                   </a:solidFill>
@@ -22456,7 +22350,7 @@
             </a:ln>
             <a:extLst>
               <a:ext uri="{91240B29-F687-4f45-9708-019B960494DF}">
-                <a14:hiddenLine xmlns="" xmlns:a16="http://schemas.microsoft.com/office/drawing/2014/main" xmlns:p14="http://schemas.microsoft.com/office/powerpoint/2010/main" xmlns:a14="http://schemas.microsoft.com/office/drawing/2010/main" w="9525">
+                <a14:hiddenLine xmlns:a14="http://schemas.microsoft.com/office/drawing/2010/main" xmlns:p14="http://schemas.microsoft.com/office/powerpoint/2010/main" xmlns:a16="http://schemas.microsoft.com/office/drawing/2014/main" xmlns="" w="9525">
                   <a:solidFill>
                     <a:srgbClr val="000000"/>
                   </a:solidFill>
@@ -22577,7 +22471,7 @@
           <a:noFill/>
           <a:extLst>
             <a:ext uri="{909E8E84-426E-40dd-AFC4-6F175D3DCCD1}">
-              <a14:hiddenFill xmlns="" xmlns:a16="http://schemas.microsoft.com/office/drawing/2014/main" xmlns:p14="http://schemas.microsoft.com/office/powerpoint/2010/main" xmlns:a14="http://schemas.microsoft.com/office/drawing/2010/main">
+              <a14:hiddenFill xmlns:a14="http://schemas.microsoft.com/office/drawing/2010/main" xmlns:p14="http://schemas.microsoft.com/office/powerpoint/2010/main" xmlns:a16="http://schemas.microsoft.com/office/drawing/2014/main" xmlns="">
                 <a:solidFill>
                   <a:srgbClr val="FFFFFF"/>
                 </a:solidFill>
@@ -22669,7 +22563,7 @@
             </a:ln>
             <a:extLst>
               <a:ext uri="{91240B29-F687-4f45-9708-019B960494DF}">
-                <a14:hiddenLine xmlns="" xmlns:a16="http://schemas.microsoft.com/office/drawing/2014/main" xmlns:p14="http://schemas.microsoft.com/office/powerpoint/2010/main" xmlns:a14="http://schemas.microsoft.com/office/drawing/2010/main" w="9525">
+                <a14:hiddenLine xmlns:a14="http://schemas.microsoft.com/office/drawing/2010/main" xmlns:p14="http://schemas.microsoft.com/office/powerpoint/2010/main" xmlns:a16="http://schemas.microsoft.com/office/drawing/2014/main" xmlns="" w="9525">
                   <a:solidFill>
                     <a:srgbClr val="000000"/>
                   </a:solidFill>
@@ -22774,7 +22668,7 @@
             </a:ln>
             <a:extLst>
               <a:ext uri="{91240B29-F687-4f45-9708-019B960494DF}">
-                <a14:hiddenLine xmlns="" xmlns:a16="http://schemas.microsoft.com/office/drawing/2014/main" xmlns:p14="http://schemas.microsoft.com/office/powerpoint/2010/main" xmlns:a14="http://schemas.microsoft.com/office/drawing/2010/main" w="9525">
+                <a14:hiddenLine xmlns:a14="http://schemas.microsoft.com/office/drawing/2010/main" xmlns:p14="http://schemas.microsoft.com/office/powerpoint/2010/main" xmlns:a16="http://schemas.microsoft.com/office/drawing/2014/main" xmlns="" w="9525">
                   <a:solidFill>
                     <a:srgbClr val="000000"/>
                   </a:solidFill>
@@ -22879,7 +22773,7 @@
             </a:ln>
             <a:extLst>
               <a:ext uri="{91240B29-F687-4f45-9708-019B960494DF}">
-                <a14:hiddenLine xmlns="" xmlns:a16="http://schemas.microsoft.com/office/drawing/2014/main" xmlns:p14="http://schemas.microsoft.com/office/powerpoint/2010/main" xmlns:a14="http://schemas.microsoft.com/office/drawing/2010/main" w="9525">
+                <a14:hiddenLine xmlns:a14="http://schemas.microsoft.com/office/drawing/2010/main" xmlns:p14="http://schemas.microsoft.com/office/powerpoint/2010/main" xmlns:a16="http://schemas.microsoft.com/office/drawing/2014/main" xmlns="" w="9525">
                   <a:solidFill>
                     <a:srgbClr val="000000"/>
                   </a:solidFill>
@@ -22928,7 +22822,7 @@
             </a:ln>
             <a:extLst>
               <a:ext uri="{91240B29-F687-4f45-9708-019B960494DF}">
-                <a14:hiddenLine xmlns="" xmlns:a16="http://schemas.microsoft.com/office/drawing/2014/main" xmlns:p14="http://schemas.microsoft.com/office/powerpoint/2010/main" xmlns:a14="http://schemas.microsoft.com/office/drawing/2010/main" w="9525">
+                <a14:hiddenLine xmlns:a14="http://schemas.microsoft.com/office/drawing/2010/main" xmlns:p14="http://schemas.microsoft.com/office/powerpoint/2010/main" xmlns:a16="http://schemas.microsoft.com/office/drawing/2014/main" xmlns="" w="9525">
                   <a:solidFill>
                     <a:srgbClr val="000000"/>
                   </a:solidFill>
@@ -23033,7 +22927,7 @@
             </a:ln>
             <a:extLst>
               <a:ext uri="{91240B29-F687-4f45-9708-019B960494DF}">
-                <a14:hiddenLine xmlns="" xmlns:a16="http://schemas.microsoft.com/office/drawing/2014/main" xmlns:p14="http://schemas.microsoft.com/office/powerpoint/2010/main" xmlns:a14="http://schemas.microsoft.com/office/drawing/2010/main" w="9525">
+                <a14:hiddenLine xmlns:a14="http://schemas.microsoft.com/office/drawing/2010/main" xmlns:p14="http://schemas.microsoft.com/office/powerpoint/2010/main" xmlns:a16="http://schemas.microsoft.com/office/drawing/2014/main" xmlns="" w="9525">
                   <a:solidFill>
                     <a:srgbClr val="000000"/>
                   </a:solidFill>
@@ -23110,7 +23004,7 @@
             </a:ln>
             <a:extLst>
               <a:ext uri="{91240B29-F687-4f45-9708-019B960494DF}">
-                <a14:hiddenLine xmlns="" xmlns:a16="http://schemas.microsoft.com/office/drawing/2014/main" xmlns:p14="http://schemas.microsoft.com/office/powerpoint/2010/main" xmlns:a14="http://schemas.microsoft.com/office/drawing/2010/main" w="9525">
+                <a14:hiddenLine xmlns:a14="http://schemas.microsoft.com/office/drawing/2010/main" xmlns:p14="http://schemas.microsoft.com/office/powerpoint/2010/main" xmlns:a16="http://schemas.microsoft.com/office/drawing/2014/main" xmlns="" w="9525">
                   <a:solidFill>
                     <a:srgbClr val="000000"/>
                   </a:solidFill>
@@ -23187,7 +23081,7 @@
             </a:ln>
             <a:extLst>
               <a:ext uri="{91240B29-F687-4f45-9708-019B960494DF}">
-                <a14:hiddenLine xmlns="" xmlns:a16="http://schemas.microsoft.com/office/drawing/2014/main" xmlns:p14="http://schemas.microsoft.com/office/powerpoint/2010/main" xmlns:a14="http://schemas.microsoft.com/office/drawing/2010/main" w="9525">
+                <a14:hiddenLine xmlns:a14="http://schemas.microsoft.com/office/drawing/2010/main" xmlns:p14="http://schemas.microsoft.com/office/powerpoint/2010/main" xmlns:a16="http://schemas.microsoft.com/office/drawing/2014/main" xmlns="" w="9525">
                   <a:solidFill>
                     <a:srgbClr val="000000"/>
                   </a:solidFill>
@@ -23292,7 +23186,7 @@
             </a:ln>
             <a:extLst>
               <a:ext uri="{91240B29-F687-4f45-9708-019B960494DF}">
-                <a14:hiddenLine xmlns="" xmlns:a16="http://schemas.microsoft.com/office/drawing/2014/main" xmlns:p14="http://schemas.microsoft.com/office/powerpoint/2010/main" xmlns:a14="http://schemas.microsoft.com/office/drawing/2010/main" w="9525">
+                <a14:hiddenLine xmlns:a14="http://schemas.microsoft.com/office/drawing/2010/main" xmlns:p14="http://schemas.microsoft.com/office/powerpoint/2010/main" xmlns:a16="http://schemas.microsoft.com/office/drawing/2014/main" xmlns="" w="9525">
                   <a:solidFill>
                     <a:srgbClr val="000000"/>
                   </a:solidFill>
@@ -23369,7 +23263,7 @@
             </a:ln>
             <a:extLst>
               <a:ext uri="{91240B29-F687-4f45-9708-019B960494DF}">
-                <a14:hiddenLine xmlns="" xmlns:a16="http://schemas.microsoft.com/office/drawing/2014/main" xmlns:p14="http://schemas.microsoft.com/office/powerpoint/2010/main" xmlns:a14="http://schemas.microsoft.com/office/drawing/2010/main" w="9525">
+                <a14:hiddenLine xmlns:a14="http://schemas.microsoft.com/office/drawing/2010/main" xmlns:p14="http://schemas.microsoft.com/office/powerpoint/2010/main" xmlns:a16="http://schemas.microsoft.com/office/drawing/2014/main" xmlns="" w="9525">
                   <a:solidFill>
                     <a:srgbClr val="000000"/>
                   </a:solidFill>
@@ -23446,7 +23340,7 @@
             </a:ln>
             <a:extLst>
               <a:ext uri="{91240B29-F687-4f45-9708-019B960494DF}">
-                <a14:hiddenLine xmlns="" xmlns:a16="http://schemas.microsoft.com/office/drawing/2014/main" xmlns:p14="http://schemas.microsoft.com/office/powerpoint/2010/main" xmlns:a14="http://schemas.microsoft.com/office/drawing/2010/main" w="9525">
+                <a14:hiddenLine xmlns:a14="http://schemas.microsoft.com/office/drawing/2010/main" xmlns:p14="http://schemas.microsoft.com/office/powerpoint/2010/main" xmlns:a16="http://schemas.microsoft.com/office/drawing/2014/main" xmlns="" w="9525">
                   <a:solidFill>
                     <a:srgbClr val="000000"/>
                   </a:solidFill>
@@ -23551,7 +23445,7 @@
             </a:ln>
             <a:extLst>
               <a:ext uri="{91240B29-F687-4f45-9708-019B960494DF}">
-                <a14:hiddenLine xmlns="" xmlns:a16="http://schemas.microsoft.com/office/drawing/2014/main" xmlns:p14="http://schemas.microsoft.com/office/powerpoint/2010/main" xmlns:a14="http://schemas.microsoft.com/office/drawing/2010/main" w="9525">
+                <a14:hiddenLine xmlns:a14="http://schemas.microsoft.com/office/drawing/2010/main" xmlns:p14="http://schemas.microsoft.com/office/powerpoint/2010/main" xmlns:a16="http://schemas.microsoft.com/office/drawing/2014/main" xmlns="" w="9525">
                   <a:solidFill>
                     <a:srgbClr val="000000"/>
                   </a:solidFill>
@@ -23656,7 +23550,7 @@
             </a:ln>
             <a:extLst>
               <a:ext uri="{91240B29-F687-4f45-9708-019B960494DF}">
-                <a14:hiddenLine xmlns="" xmlns:a16="http://schemas.microsoft.com/office/drawing/2014/main" xmlns:p14="http://schemas.microsoft.com/office/powerpoint/2010/main" xmlns:a14="http://schemas.microsoft.com/office/drawing/2010/main" w="9525">
+                <a14:hiddenLine xmlns:a14="http://schemas.microsoft.com/office/drawing/2010/main" xmlns:p14="http://schemas.microsoft.com/office/powerpoint/2010/main" xmlns:a16="http://schemas.microsoft.com/office/drawing/2014/main" xmlns="" w="9525">
                   <a:solidFill>
                     <a:srgbClr val="000000"/>
                   </a:solidFill>
@@ -23733,7 +23627,7 @@
             </a:ln>
             <a:extLst>
               <a:ext uri="{91240B29-F687-4f45-9708-019B960494DF}">
-                <a14:hiddenLine xmlns="" xmlns:a16="http://schemas.microsoft.com/office/drawing/2014/main" xmlns:p14="http://schemas.microsoft.com/office/powerpoint/2010/main" xmlns:a14="http://schemas.microsoft.com/office/drawing/2010/main" w="9525">
+                <a14:hiddenLine xmlns:a14="http://schemas.microsoft.com/office/drawing/2010/main" xmlns:p14="http://schemas.microsoft.com/office/powerpoint/2010/main" xmlns:a16="http://schemas.microsoft.com/office/drawing/2014/main" xmlns="" w="9525">
                   <a:solidFill>
                     <a:srgbClr val="000000"/>
                   </a:solidFill>
@@ -23858,7 +23752,7 @@
             </a:ln>
             <a:extLst>
               <a:ext uri="{91240B29-F687-4f45-9708-019B960494DF}">
-                <a14:hiddenLine xmlns="" xmlns:a16="http://schemas.microsoft.com/office/drawing/2014/main" xmlns:p14="http://schemas.microsoft.com/office/powerpoint/2010/main" xmlns:a14="http://schemas.microsoft.com/office/drawing/2010/main" w="9525">
+                <a14:hiddenLine xmlns:a14="http://schemas.microsoft.com/office/drawing/2010/main" xmlns:p14="http://schemas.microsoft.com/office/powerpoint/2010/main" xmlns:a16="http://schemas.microsoft.com/office/drawing/2014/main" xmlns="" w="9525">
                   <a:solidFill>
                     <a:srgbClr val="000000"/>
                   </a:solidFill>
@@ -23935,7 +23829,7 @@
             </a:ln>
             <a:extLst>
               <a:ext uri="{91240B29-F687-4f45-9708-019B960494DF}">
-                <a14:hiddenLine xmlns="" xmlns:a16="http://schemas.microsoft.com/office/drawing/2014/main" xmlns:p14="http://schemas.microsoft.com/office/powerpoint/2010/main" xmlns:a14="http://schemas.microsoft.com/office/drawing/2010/main" w="9525">
+                <a14:hiddenLine xmlns:a14="http://schemas.microsoft.com/office/drawing/2010/main" xmlns:p14="http://schemas.microsoft.com/office/powerpoint/2010/main" xmlns:a16="http://schemas.microsoft.com/office/drawing/2014/main" xmlns="" w="9525">
                   <a:solidFill>
                     <a:srgbClr val="000000"/>
                   </a:solidFill>
@@ -24040,7 +23934,7 @@
             </a:ln>
             <a:extLst>
               <a:ext uri="{91240B29-F687-4f45-9708-019B960494DF}">
-                <a14:hiddenLine xmlns="" xmlns:a16="http://schemas.microsoft.com/office/drawing/2014/main" xmlns:p14="http://schemas.microsoft.com/office/powerpoint/2010/main" xmlns:a14="http://schemas.microsoft.com/office/drawing/2010/main" w="9525">
+                <a14:hiddenLine xmlns:a14="http://schemas.microsoft.com/office/drawing/2010/main" xmlns:p14="http://schemas.microsoft.com/office/powerpoint/2010/main" xmlns:a16="http://schemas.microsoft.com/office/drawing/2014/main" xmlns="" w="9525">
                   <a:solidFill>
                     <a:srgbClr val="000000"/>
                   </a:solidFill>
@@ -24145,7 +24039,7 @@
             </a:ln>
             <a:extLst>
               <a:ext uri="{91240B29-F687-4f45-9708-019B960494DF}">
-                <a14:hiddenLine xmlns="" xmlns:a16="http://schemas.microsoft.com/office/drawing/2014/main" xmlns:p14="http://schemas.microsoft.com/office/powerpoint/2010/main" xmlns:a14="http://schemas.microsoft.com/office/drawing/2010/main" w="9525">
+                <a14:hiddenLine xmlns:a14="http://schemas.microsoft.com/office/drawing/2010/main" xmlns:p14="http://schemas.microsoft.com/office/powerpoint/2010/main" xmlns:a16="http://schemas.microsoft.com/office/drawing/2014/main" xmlns="" w="9525">
                   <a:solidFill>
                     <a:srgbClr val="000000"/>
                   </a:solidFill>
@@ -24222,7 +24116,7 @@
             </a:ln>
             <a:extLst>
               <a:ext uri="{91240B29-F687-4f45-9708-019B960494DF}">
-                <a14:hiddenLine xmlns="" xmlns:a16="http://schemas.microsoft.com/office/drawing/2014/main" xmlns:p14="http://schemas.microsoft.com/office/powerpoint/2010/main" xmlns:a14="http://schemas.microsoft.com/office/drawing/2010/main" w="9525">
+                <a14:hiddenLine xmlns:a14="http://schemas.microsoft.com/office/drawing/2010/main" xmlns:p14="http://schemas.microsoft.com/office/powerpoint/2010/main" xmlns:a16="http://schemas.microsoft.com/office/drawing/2014/main" xmlns="" w="9525">
                   <a:solidFill>
                     <a:srgbClr val="000000"/>
                   </a:solidFill>
@@ -24327,7 +24221,7 @@
             </a:ln>
             <a:extLst>
               <a:ext uri="{91240B29-F687-4f45-9708-019B960494DF}">
-                <a14:hiddenLine xmlns="" xmlns:a16="http://schemas.microsoft.com/office/drawing/2014/main" xmlns:p14="http://schemas.microsoft.com/office/powerpoint/2010/main" xmlns:a14="http://schemas.microsoft.com/office/drawing/2010/main" w="9525">
+                <a14:hiddenLine xmlns:a14="http://schemas.microsoft.com/office/drawing/2010/main" xmlns:p14="http://schemas.microsoft.com/office/powerpoint/2010/main" xmlns:a16="http://schemas.microsoft.com/office/drawing/2014/main" xmlns="" w="9525">
                   <a:solidFill>
                     <a:srgbClr val="000000"/>
                   </a:solidFill>
@@ -24432,7 +24326,7 @@
             </a:ln>
             <a:extLst>
               <a:ext uri="{91240B29-F687-4f45-9708-019B960494DF}">
-                <a14:hiddenLine xmlns="" xmlns:a16="http://schemas.microsoft.com/office/drawing/2014/main" xmlns:p14="http://schemas.microsoft.com/office/powerpoint/2010/main" xmlns:a14="http://schemas.microsoft.com/office/drawing/2010/main" w="9525">
+                <a14:hiddenLine xmlns:a14="http://schemas.microsoft.com/office/drawing/2010/main" xmlns:p14="http://schemas.microsoft.com/office/powerpoint/2010/main" xmlns:a16="http://schemas.microsoft.com/office/drawing/2014/main" xmlns="" w="9525">
                   <a:solidFill>
                     <a:srgbClr val="000000"/>
                   </a:solidFill>
@@ -24503,7 +24397,7 @@
             </a:ln>
             <a:extLst>
               <a:ext uri="{91240B29-F687-4f45-9708-019B960494DF}">
-                <a14:hiddenLine xmlns="" xmlns:a16="http://schemas.microsoft.com/office/drawing/2014/main" xmlns:p14="http://schemas.microsoft.com/office/powerpoint/2010/main" xmlns:a14="http://schemas.microsoft.com/office/drawing/2010/main" w="9525">
+                <a14:hiddenLine xmlns:a14="http://schemas.microsoft.com/office/drawing/2010/main" xmlns:p14="http://schemas.microsoft.com/office/powerpoint/2010/main" xmlns:a16="http://schemas.microsoft.com/office/drawing/2014/main" xmlns="" w="9525">
                   <a:solidFill>
                     <a:srgbClr val="000000"/>
                   </a:solidFill>
@@ -24608,7 +24502,7 @@
             </a:ln>
             <a:extLst>
               <a:ext uri="{91240B29-F687-4f45-9708-019B960494DF}">
-                <a14:hiddenLine xmlns="" xmlns:a16="http://schemas.microsoft.com/office/drawing/2014/main" xmlns:p14="http://schemas.microsoft.com/office/powerpoint/2010/main" xmlns:a14="http://schemas.microsoft.com/office/drawing/2010/main" w="9525">
+                <a14:hiddenLine xmlns:a14="http://schemas.microsoft.com/office/drawing/2010/main" xmlns:p14="http://schemas.microsoft.com/office/powerpoint/2010/main" xmlns:a16="http://schemas.microsoft.com/office/drawing/2014/main" xmlns="" w="9525">
                   <a:solidFill>
                     <a:srgbClr val="000000"/>
                   </a:solidFill>
@@ -24679,7 +24573,7 @@
             </a:ln>
             <a:extLst>
               <a:ext uri="{91240B29-F687-4f45-9708-019B960494DF}">
-                <a14:hiddenLine xmlns="" xmlns:a16="http://schemas.microsoft.com/office/drawing/2014/main" xmlns:p14="http://schemas.microsoft.com/office/powerpoint/2010/main" xmlns:a14="http://schemas.microsoft.com/office/drawing/2010/main" w="9525">
+                <a14:hiddenLine xmlns:a14="http://schemas.microsoft.com/office/drawing/2010/main" xmlns:p14="http://schemas.microsoft.com/office/powerpoint/2010/main" xmlns:a16="http://schemas.microsoft.com/office/drawing/2014/main" xmlns="" w="9525">
                   <a:solidFill>
                     <a:srgbClr val="000000"/>
                   </a:solidFill>
@@ -24784,7 +24678,7 @@
             </a:ln>
             <a:extLst>
               <a:ext uri="{91240B29-F687-4f45-9708-019B960494DF}">
-                <a14:hiddenLine xmlns="" xmlns:a16="http://schemas.microsoft.com/office/drawing/2014/main" xmlns:p14="http://schemas.microsoft.com/office/powerpoint/2010/main" xmlns:a14="http://schemas.microsoft.com/office/drawing/2010/main" w="9525">
+                <a14:hiddenLine xmlns:a14="http://schemas.microsoft.com/office/drawing/2010/main" xmlns:p14="http://schemas.microsoft.com/office/powerpoint/2010/main" xmlns:a16="http://schemas.microsoft.com/office/drawing/2014/main" xmlns="" w="9525">
                   <a:solidFill>
                     <a:srgbClr val="000000"/>
                   </a:solidFill>
@@ -24867,7 +24761,7 @@
             </a:ln>
             <a:extLst>
               <a:ext uri="{91240B29-F687-4f45-9708-019B960494DF}">
-                <a14:hiddenLine xmlns="" xmlns:a16="http://schemas.microsoft.com/office/drawing/2014/main" xmlns:p14="http://schemas.microsoft.com/office/powerpoint/2010/main" xmlns:a14="http://schemas.microsoft.com/office/drawing/2010/main" w="9525">
+                <a14:hiddenLine xmlns:a14="http://schemas.microsoft.com/office/drawing/2010/main" xmlns:p14="http://schemas.microsoft.com/office/powerpoint/2010/main" xmlns:a16="http://schemas.microsoft.com/office/drawing/2014/main" xmlns="" w="9525">
                   <a:solidFill>
                     <a:srgbClr val="000000"/>
                   </a:solidFill>
@@ -24972,7 +24866,7 @@
             </a:ln>
             <a:extLst>
               <a:ext uri="{91240B29-F687-4f45-9708-019B960494DF}">
-                <a14:hiddenLine xmlns="" xmlns:a16="http://schemas.microsoft.com/office/drawing/2014/main" xmlns:p14="http://schemas.microsoft.com/office/powerpoint/2010/main" xmlns:a14="http://schemas.microsoft.com/office/drawing/2010/main" w="9525">
+                <a14:hiddenLine xmlns:a14="http://schemas.microsoft.com/office/drawing/2010/main" xmlns:p14="http://schemas.microsoft.com/office/powerpoint/2010/main" xmlns:a16="http://schemas.microsoft.com/office/drawing/2014/main" xmlns="" w="9525">
                   <a:solidFill>
                     <a:srgbClr val="000000"/>
                   </a:solidFill>
@@ -25055,7 +24949,7 @@
             </a:ln>
             <a:extLst>
               <a:ext uri="{91240B29-F687-4f45-9708-019B960494DF}">
-                <a14:hiddenLine xmlns="" xmlns:a16="http://schemas.microsoft.com/office/drawing/2014/main" xmlns:p14="http://schemas.microsoft.com/office/powerpoint/2010/main" xmlns:a14="http://schemas.microsoft.com/office/drawing/2010/main" w="9525">
+                <a14:hiddenLine xmlns:a14="http://schemas.microsoft.com/office/drawing/2010/main" xmlns:p14="http://schemas.microsoft.com/office/powerpoint/2010/main" xmlns:a16="http://schemas.microsoft.com/office/drawing/2014/main" xmlns="" w="9525">
                   <a:solidFill>
                     <a:srgbClr val="000000"/>
                   </a:solidFill>
@@ -25160,7 +25054,7 @@
             </a:ln>
             <a:extLst>
               <a:ext uri="{91240B29-F687-4f45-9708-019B960494DF}">
-                <a14:hiddenLine xmlns="" xmlns:a16="http://schemas.microsoft.com/office/drawing/2014/main" xmlns:p14="http://schemas.microsoft.com/office/powerpoint/2010/main" xmlns:a14="http://schemas.microsoft.com/office/drawing/2010/main" w="9525">
+                <a14:hiddenLine xmlns:a14="http://schemas.microsoft.com/office/drawing/2010/main" xmlns:p14="http://schemas.microsoft.com/office/powerpoint/2010/main" xmlns:a16="http://schemas.microsoft.com/office/drawing/2014/main" xmlns="" w="9525">
                   <a:solidFill>
                     <a:srgbClr val="000000"/>
                   </a:solidFill>
@@ -25209,7 +25103,7 @@
             </a:ln>
             <a:extLst>
               <a:ext uri="{91240B29-F687-4f45-9708-019B960494DF}">
-                <a14:hiddenLine xmlns="" xmlns:a16="http://schemas.microsoft.com/office/drawing/2014/main" xmlns:p14="http://schemas.microsoft.com/office/powerpoint/2010/main" xmlns:a14="http://schemas.microsoft.com/office/drawing/2010/main" w="9525">
+                <a14:hiddenLine xmlns:a14="http://schemas.microsoft.com/office/drawing/2010/main" xmlns:p14="http://schemas.microsoft.com/office/powerpoint/2010/main" xmlns:a16="http://schemas.microsoft.com/office/drawing/2014/main" xmlns="" w="9525">
                   <a:solidFill>
                     <a:srgbClr val="000000"/>
                   </a:solidFill>
@@ -25314,7 +25208,7 @@
             </a:ln>
             <a:extLst>
               <a:ext uri="{91240B29-F687-4f45-9708-019B960494DF}">
-                <a14:hiddenLine xmlns="" xmlns:a16="http://schemas.microsoft.com/office/drawing/2014/main" xmlns:p14="http://schemas.microsoft.com/office/powerpoint/2010/main" xmlns:a14="http://schemas.microsoft.com/office/drawing/2010/main" w="9525">
+                <a14:hiddenLine xmlns:a14="http://schemas.microsoft.com/office/drawing/2010/main" xmlns:p14="http://schemas.microsoft.com/office/powerpoint/2010/main" xmlns:a16="http://schemas.microsoft.com/office/drawing/2014/main" xmlns="" w="9525">
                   <a:solidFill>
                     <a:srgbClr val="000000"/>
                   </a:solidFill>
@@ -25391,7 +25285,7 @@
             </a:ln>
             <a:extLst>
               <a:ext uri="{91240B29-F687-4f45-9708-019B960494DF}">
-                <a14:hiddenLine xmlns="" xmlns:a16="http://schemas.microsoft.com/office/drawing/2014/main" xmlns:p14="http://schemas.microsoft.com/office/powerpoint/2010/main" xmlns:a14="http://schemas.microsoft.com/office/drawing/2010/main" w="9525">
+                <a14:hiddenLine xmlns:a14="http://schemas.microsoft.com/office/drawing/2010/main" xmlns:p14="http://schemas.microsoft.com/office/powerpoint/2010/main" xmlns:a16="http://schemas.microsoft.com/office/drawing/2014/main" xmlns="" w="9525">
                   <a:solidFill>
                     <a:srgbClr val="000000"/>
                   </a:solidFill>
@@ -25468,7 +25362,7 @@
             </a:ln>
             <a:extLst>
               <a:ext uri="{91240B29-F687-4f45-9708-019B960494DF}">
-                <a14:hiddenLine xmlns="" xmlns:a16="http://schemas.microsoft.com/office/drawing/2014/main" xmlns:p14="http://schemas.microsoft.com/office/powerpoint/2010/main" xmlns:a14="http://schemas.microsoft.com/office/drawing/2010/main" w="9525">
+                <a14:hiddenLine xmlns:a14="http://schemas.microsoft.com/office/drawing/2010/main" xmlns:p14="http://schemas.microsoft.com/office/powerpoint/2010/main" xmlns:a16="http://schemas.microsoft.com/office/drawing/2014/main" xmlns="" w="9525">
                   <a:solidFill>
                     <a:srgbClr val="000000"/>
                   </a:solidFill>
@@ -25573,7 +25467,7 @@
             </a:ln>
             <a:extLst>
               <a:ext uri="{91240B29-F687-4f45-9708-019B960494DF}">
-                <a14:hiddenLine xmlns="" xmlns:a16="http://schemas.microsoft.com/office/drawing/2014/main" xmlns:p14="http://schemas.microsoft.com/office/powerpoint/2010/main" xmlns:a14="http://schemas.microsoft.com/office/drawing/2010/main" w="9525">
+                <a14:hiddenLine xmlns:a14="http://schemas.microsoft.com/office/drawing/2010/main" xmlns:p14="http://schemas.microsoft.com/office/powerpoint/2010/main" xmlns:a16="http://schemas.microsoft.com/office/drawing/2014/main" xmlns="" w="9525">
                   <a:solidFill>
                     <a:srgbClr val="000000"/>
                   </a:solidFill>
@@ -25656,7 +25550,7 @@
             </a:ln>
             <a:extLst>
               <a:ext uri="{91240B29-F687-4f45-9708-019B960494DF}">
-                <a14:hiddenLine xmlns="" xmlns:a16="http://schemas.microsoft.com/office/drawing/2014/main" xmlns:p14="http://schemas.microsoft.com/office/powerpoint/2010/main" xmlns:a14="http://schemas.microsoft.com/office/drawing/2010/main" w="9525">
+                <a14:hiddenLine xmlns:a14="http://schemas.microsoft.com/office/drawing/2010/main" xmlns:p14="http://schemas.microsoft.com/office/powerpoint/2010/main" xmlns:a16="http://schemas.microsoft.com/office/drawing/2014/main" xmlns="" w="9525">
                   <a:solidFill>
                     <a:srgbClr val="000000"/>
                   </a:solidFill>
@@ -25733,7 +25627,7 @@
             </a:ln>
             <a:extLst>
               <a:ext uri="{91240B29-F687-4f45-9708-019B960494DF}">
-                <a14:hiddenLine xmlns="" xmlns:a16="http://schemas.microsoft.com/office/drawing/2014/main" xmlns:p14="http://schemas.microsoft.com/office/powerpoint/2010/main" xmlns:a14="http://schemas.microsoft.com/office/drawing/2010/main" w="9525">
+                <a14:hiddenLine xmlns:a14="http://schemas.microsoft.com/office/drawing/2010/main" xmlns:p14="http://schemas.microsoft.com/office/powerpoint/2010/main" xmlns:a16="http://schemas.microsoft.com/office/drawing/2014/main" xmlns="" w="9525">
                   <a:solidFill>
                     <a:srgbClr val="000000"/>
                   </a:solidFill>
@@ -25838,7 +25732,7 @@
             </a:ln>
             <a:extLst>
               <a:ext uri="{91240B29-F687-4f45-9708-019B960494DF}">
-                <a14:hiddenLine xmlns="" xmlns:a16="http://schemas.microsoft.com/office/drawing/2014/main" xmlns:p14="http://schemas.microsoft.com/office/powerpoint/2010/main" xmlns:a14="http://schemas.microsoft.com/office/drawing/2010/main" w="9525">
+                <a14:hiddenLine xmlns:a14="http://schemas.microsoft.com/office/drawing/2010/main" xmlns:p14="http://schemas.microsoft.com/office/powerpoint/2010/main" xmlns:a16="http://schemas.microsoft.com/office/drawing/2014/main" xmlns="" w="9525">
                   <a:solidFill>
                     <a:srgbClr val="000000"/>
                   </a:solidFill>
@@ -25915,7 +25809,7 @@
             </a:ln>
             <a:extLst>
               <a:ext uri="{91240B29-F687-4f45-9708-019B960494DF}">
-                <a14:hiddenLine xmlns="" xmlns:a16="http://schemas.microsoft.com/office/drawing/2014/main" xmlns:p14="http://schemas.microsoft.com/office/powerpoint/2010/main" xmlns:a14="http://schemas.microsoft.com/office/drawing/2010/main" w="9525">
+                <a14:hiddenLine xmlns:a14="http://schemas.microsoft.com/office/drawing/2010/main" xmlns:p14="http://schemas.microsoft.com/office/powerpoint/2010/main" xmlns:a16="http://schemas.microsoft.com/office/drawing/2014/main" xmlns="" w="9525">
                   <a:solidFill>
                     <a:srgbClr val="000000"/>
                   </a:solidFill>
@@ -26020,7 +25914,7 @@
             </a:ln>
             <a:extLst>
               <a:ext uri="{91240B29-F687-4f45-9708-019B960494DF}">
-                <a14:hiddenLine xmlns="" xmlns:a16="http://schemas.microsoft.com/office/drawing/2014/main" xmlns:p14="http://schemas.microsoft.com/office/powerpoint/2010/main" xmlns:a14="http://schemas.microsoft.com/office/drawing/2010/main" w="9525">
+                <a14:hiddenLine xmlns:a14="http://schemas.microsoft.com/office/drawing/2010/main" xmlns:p14="http://schemas.microsoft.com/office/powerpoint/2010/main" xmlns:a16="http://schemas.microsoft.com/office/drawing/2014/main" xmlns="" w="9525">
                   <a:solidFill>
                     <a:srgbClr val="000000"/>
                   </a:solidFill>
@@ -26097,7 +25991,7 @@
             </a:ln>
             <a:extLst>
               <a:ext uri="{91240B29-F687-4f45-9708-019B960494DF}">
-                <a14:hiddenLine xmlns="" xmlns:a16="http://schemas.microsoft.com/office/drawing/2014/main" xmlns:p14="http://schemas.microsoft.com/office/powerpoint/2010/main" xmlns:a14="http://schemas.microsoft.com/office/drawing/2010/main" w="9525">
+                <a14:hiddenLine xmlns:a14="http://schemas.microsoft.com/office/drawing/2010/main" xmlns:p14="http://schemas.microsoft.com/office/powerpoint/2010/main" xmlns:a16="http://schemas.microsoft.com/office/drawing/2014/main" xmlns="" w="9525">
                   <a:solidFill>
                     <a:srgbClr val="000000"/>
                   </a:solidFill>
@@ -26202,7 +26096,7 @@
             </a:ln>
             <a:extLst>
               <a:ext uri="{91240B29-F687-4f45-9708-019B960494DF}">
-                <a14:hiddenLine xmlns="" xmlns:a16="http://schemas.microsoft.com/office/drawing/2014/main" xmlns:p14="http://schemas.microsoft.com/office/powerpoint/2010/main" xmlns:a14="http://schemas.microsoft.com/office/drawing/2010/main" w="9525">
+                <a14:hiddenLine xmlns:a14="http://schemas.microsoft.com/office/drawing/2010/main" xmlns:p14="http://schemas.microsoft.com/office/powerpoint/2010/main" xmlns:a16="http://schemas.microsoft.com/office/drawing/2014/main" xmlns="" w="9525">
                   <a:solidFill>
                     <a:srgbClr val="000000"/>
                   </a:solidFill>
@@ -26251,7 +26145,7 @@
             </a:ln>
             <a:extLst>
               <a:ext uri="{91240B29-F687-4f45-9708-019B960494DF}">
-                <a14:hiddenLine xmlns="" xmlns:a16="http://schemas.microsoft.com/office/drawing/2014/main" xmlns:p14="http://schemas.microsoft.com/office/powerpoint/2010/main" xmlns:a14="http://schemas.microsoft.com/office/drawing/2010/main" w="9525">
+                <a14:hiddenLine xmlns:a14="http://schemas.microsoft.com/office/drawing/2010/main" xmlns:p14="http://schemas.microsoft.com/office/powerpoint/2010/main" xmlns:a16="http://schemas.microsoft.com/office/drawing/2014/main" xmlns="" w="9525">
                   <a:solidFill>
                     <a:srgbClr val="000000"/>
                   </a:solidFill>
@@ -26331,7 +26225,7 @@
             </a:ln>
             <a:extLst>
               <a:ext uri="{91240B29-F687-4f45-9708-019B960494DF}">
-                <a14:hiddenLine xmlns="" xmlns:a16="http://schemas.microsoft.com/office/drawing/2014/main" xmlns:p14="http://schemas.microsoft.com/office/powerpoint/2010/main" xmlns:a14="http://schemas.microsoft.com/office/drawing/2010/main" w="9525">
+                <a14:hiddenLine xmlns:a14="http://schemas.microsoft.com/office/drawing/2010/main" xmlns:p14="http://schemas.microsoft.com/office/powerpoint/2010/main" xmlns:a16="http://schemas.microsoft.com/office/drawing/2014/main" xmlns="" w="9525">
                   <a:solidFill>
                     <a:srgbClr val="000000"/>
                   </a:solidFill>
@@ -26436,7 +26330,7 @@
             </a:ln>
             <a:extLst>
               <a:ext uri="{91240B29-F687-4f45-9708-019B960494DF}">
-                <a14:hiddenLine xmlns="" xmlns:a16="http://schemas.microsoft.com/office/drawing/2014/main" xmlns:p14="http://schemas.microsoft.com/office/powerpoint/2010/main" xmlns:a14="http://schemas.microsoft.com/office/drawing/2010/main" w="9525">
+                <a14:hiddenLine xmlns:a14="http://schemas.microsoft.com/office/drawing/2010/main" xmlns:p14="http://schemas.microsoft.com/office/powerpoint/2010/main" xmlns:a16="http://schemas.microsoft.com/office/drawing/2014/main" xmlns="" w="9525">
                   <a:solidFill>
                     <a:srgbClr val="000000"/>
                   </a:solidFill>
@@ -26513,7 +26407,7 @@
             </a:ln>
             <a:extLst>
               <a:ext uri="{91240B29-F687-4f45-9708-019B960494DF}">
-                <a14:hiddenLine xmlns="" xmlns:a16="http://schemas.microsoft.com/office/drawing/2014/main" xmlns:p14="http://schemas.microsoft.com/office/powerpoint/2010/main" xmlns:a14="http://schemas.microsoft.com/office/drawing/2010/main" w="9525">
+                <a14:hiddenLine xmlns:a14="http://schemas.microsoft.com/office/drawing/2010/main" xmlns:p14="http://schemas.microsoft.com/office/powerpoint/2010/main" xmlns:a16="http://schemas.microsoft.com/office/drawing/2014/main" xmlns="" w="9525">
                   <a:solidFill>
                     <a:srgbClr val="000000"/>
                   </a:solidFill>
@@ -26618,7 +26512,7 @@
             </a:ln>
             <a:extLst>
               <a:ext uri="{91240B29-F687-4f45-9708-019B960494DF}">
-                <a14:hiddenLine xmlns="" xmlns:a16="http://schemas.microsoft.com/office/drawing/2014/main" xmlns:p14="http://schemas.microsoft.com/office/powerpoint/2010/main" xmlns:a14="http://schemas.microsoft.com/office/drawing/2010/main" w="9525">
+                <a14:hiddenLine xmlns:a14="http://schemas.microsoft.com/office/drawing/2010/main" xmlns:p14="http://schemas.microsoft.com/office/powerpoint/2010/main" xmlns:a16="http://schemas.microsoft.com/office/drawing/2014/main" xmlns="" w="9525">
                   <a:solidFill>
                     <a:srgbClr val="000000"/>
                   </a:solidFill>
@@ -26723,7 +26617,7 @@
             </a:ln>
             <a:extLst>
               <a:ext uri="{91240B29-F687-4f45-9708-019B960494DF}">
-                <a14:hiddenLine xmlns="" xmlns:a16="http://schemas.microsoft.com/office/drawing/2014/main" xmlns:p14="http://schemas.microsoft.com/office/powerpoint/2010/main" xmlns:a14="http://schemas.microsoft.com/office/drawing/2010/main" w="9525">
+                <a14:hiddenLine xmlns:a14="http://schemas.microsoft.com/office/drawing/2010/main" xmlns:p14="http://schemas.microsoft.com/office/powerpoint/2010/main" xmlns:a16="http://schemas.microsoft.com/office/drawing/2014/main" xmlns="" w="9525">
                   <a:solidFill>
                     <a:srgbClr val="000000"/>
                   </a:solidFill>
@@ -26803,7 +26697,7 @@
             </a:ln>
             <a:extLst>
               <a:ext uri="{91240B29-F687-4f45-9708-019B960494DF}">
-                <a14:hiddenLine xmlns="" xmlns:a16="http://schemas.microsoft.com/office/drawing/2014/main" xmlns:p14="http://schemas.microsoft.com/office/powerpoint/2010/main" xmlns:a14="http://schemas.microsoft.com/office/drawing/2010/main" w="9525">
+                <a14:hiddenLine xmlns:a14="http://schemas.microsoft.com/office/drawing/2010/main" xmlns:p14="http://schemas.microsoft.com/office/powerpoint/2010/main" xmlns:a16="http://schemas.microsoft.com/office/drawing/2014/main" xmlns="" w="9525">
                   <a:solidFill>
                     <a:srgbClr val="000000"/>
                   </a:solidFill>
@@ -26880,7 +26774,7 @@
             </a:ln>
             <a:extLst>
               <a:ext uri="{91240B29-F687-4f45-9708-019B960494DF}">
-                <a14:hiddenLine xmlns="" xmlns:a16="http://schemas.microsoft.com/office/drawing/2014/main" xmlns:p14="http://schemas.microsoft.com/office/powerpoint/2010/main" xmlns:a14="http://schemas.microsoft.com/office/drawing/2010/main" w="9525">
+                <a14:hiddenLine xmlns:a14="http://schemas.microsoft.com/office/drawing/2010/main" xmlns:p14="http://schemas.microsoft.com/office/powerpoint/2010/main" xmlns:a16="http://schemas.microsoft.com/office/drawing/2014/main" xmlns="" w="9525">
                   <a:solidFill>
                     <a:srgbClr val="000000"/>
                   </a:solidFill>
@@ -26985,7 +26879,7 @@
             </a:ln>
             <a:extLst>
               <a:ext uri="{91240B29-F687-4f45-9708-019B960494DF}">
-                <a14:hiddenLine xmlns="" xmlns:a16="http://schemas.microsoft.com/office/drawing/2014/main" xmlns:p14="http://schemas.microsoft.com/office/powerpoint/2010/main" xmlns:a14="http://schemas.microsoft.com/office/drawing/2010/main" w="9525">
+                <a14:hiddenLine xmlns:a14="http://schemas.microsoft.com/office/drawing/2010/main" xmlns:p14="http://schemas.microsoft.com/office/powerpoint/2010/main" xmlns:a16="http://schemas.microsoft.com/office/drawing/2014/main" xmlns="" w="9525">
                   <a:solidFill>
                     <a:srgbClr val="000000"/>
                   </a:solidFill>
@@ -27090,7 +26984,7 @@
             </a:ln>
             <a:extLst>
               <a:ext uri="{91240B29-F687-4f45-9708-019B960494DF}">
-                <a14:hiddenLine xmlns="" xmlns:a16="http://schemas.microsoft.com/office/drawing/2014/main" xmlns:p14="http://schemas.microsoft.com/office/powerpoint/2010/main" xmlns:a14="http://schemas.microsoft.com/office/drawing/2010/main" w="9525">
+                <a14:hiddenLine xmlns:a14="http://schemas.microsoft.com/office/drawing/2010/main" xmlns:p14="http://schemas.microsoft.com/office/powerpoint/2010/main" xmlns:a16="http://schemas.microsoft.com/office/drawing/2014/main" xmlns="" w="9525">
                   <a:solidFill>
                     <a:srgbClr val="000000"/>
                   </a:solidFill>
@@ -27167,7 +27061,7 @@
             </a:ln>
             <a:extLst>
               <a:ext uri="{91240B29-F687-4f45-9708-019B960494DF}">
-                <a14:hiddenLine xmlns="" xmlns:a16="http://schemas.microsoft.com/office/drawing/2014/main" xmlns:p14="http://schemas.microsoft.com/office/powerpoint/2010/main" xmlns:a14="http://schemas.microsoft.com/office/drawing/2010/main" w="9525">
+                <a14:hiddenLine xmlns:a14="http://schemas.microsoft.com/office/drawing/2010/main" xmlns:p14="http://schemas.microsoft.com/office/powerpoint/2010/main" xmlns:a16="http://schemas.microsoft.com/office/drawing/2014/main" xmlns="" w="9525">
                   <a:solidFill>
                     <a:srgbClr val="000000"/>
                   </a:solidFill>
@@ -27302,7 +27196,7 @@
             </a:ln>
             <a:extLst>
               <a:ext uri="{91240B29-F687-4f45-9708-019B960494DF}">
-                <a14:hiddenLine xmlns="" xmlns:a16="http://schemas.microsoft.com/office/drawing/2014/main" xmlns:p14="http://schemas.microsoft.com/office/powerpoint/2010/main" xmlns:a14="http://schemas.microsoft.com/office/drawing/2010/main" w="9525">
+                <a14:hiddenLine xmlns:a14="http://schemas.microsoft.com/office/drawing/2010/main" xmlns:p14="http://schemas.microsoft.com/office/powerpoint/2010/main" xmlns:a16="http://schemas.microsoft.com/office/drawing/2014/main" xmlns="" w="9525">
                   <a:solidFill>
                     <a:srgbClr val="000000"/>
                   </a:solidFill>
@@ -27385,7 +27279,7 @@
             </a:ln>
             <a:extLst>
               <a:ext uri="{91240B29-F687-4f45-9708-019B960494DF}">
-                <a14:hiddenLine xmlns="" xmlns:a16="http://schemas.microsoft.com/office/drawing/2014/main" xmlns:p14="http://schemas.microsoft.com/office/powerpoint/2010/main" xmlns:a14="http://schemas.microsoft.com/office/drawing/2010/main" w="9525">
+                <a14:hiddenLine xmlns:a14="http://schemas.microsoft.com/office/drawing/2010/main" xmlns:p14="http://schemas.microsoft.com/office/powerpoint/2010/main" xmlns:a16="http://schemas.microsoft.com/office/drawing/2014/main" xmlns="" w="9525">
                   <a:solidFill>
                     <a:srgbClr val="000000"/>
                   </a:solidFill>
@@ -27490,7 +27384,7 @@
             </a:ln>
             <a:extLst>
               <a:ext uri="{91240B29-F687-4f45-9708-019B960494DF}">
-                <a14:hiddenLine xmlns="" xmlns:a16="http://schemas.microsoft.com/office/drawing/2014/main" xmlns:p14="http://schemas.microsoft.com/office/powerpoint/2010/main" xmlns:a14="http://schemas.microsoft.com/office/drawing/2010/main" w="9525">
+                <a14:hiddenLine xmlns:a14="http://schemas.microsoft.com/office/drawing/2010/main" xmlns:p14="http://schemas.microsoft.com/office/powerpoint/2010/main" xmlns:a16="http://schemas.microsoft.com/office/drawing/2014/main" xmlns="" w="9525">
                   <a:solidFill>
                     <a:srgbClr val="000000"/>
                   </a:solidFill>
@@ -27927,7 +27821,7 @@
           <a:noFill/>
           <a:extLst>
             <a:ext uri="{909E8E84-426E-40dd-AFC4-6F175D3DCCD1}">
-              <a14:hiddenFill xmlns="" xmlns:a16="http://schemas.microsoft.com/office/drawing/2014/main" xmlns:p14="http://schemas.microsoft.com/office/powerpoint/2010/main" xmlns:a14="http://schemas.microsoft.com/office/drawing/2010/main">
+              <a14:hiddenFill xmlns:a14="http://schemas.microsoft.com/office/drawing/2010/main" xmlns:p14="http://schemas.microsoft.com/office/powerpoint/2010/main" xmlns:a16="http://schemas.microsoft.com/office/drawing/2014/main" xmlns="">
                 <a:solidFill>
                   <a:srgbClr val="FFFFFF"/>
                 </a:solidFill>
@@ -28019,7 +27913,7 @@
             </a:ln>
             <a:extLst>
               <a:ext uri="{91240B29-F687-4f45-9708-019B960494DF}">
-                <a14:hiddenLine xmlns="" xmlns:a16="http://schemas.microsoft.com/office/drawing/2014/main" xmlns:p14="http://schemas.microsoft.com/office/powerpoint/2010/main" xmlns:a14="http://schemas.microsoft.com/office/drawing/2010/main" w="9525">
+                <a14:hiddenLine xmlns:a14="http://schemas.microsoft.com/office/drawing/2010/main" xmlns:p14="http://schemas.microsoft.com/office/powerpoint/2010/main" xmlns:a16="http://schemas.microsoft.com/office/drawing/2014/main" xmlns="" w="9525">
                   <a:solidFill>
                     <a:srgbClr val="000000"/>
                   </a:solidFill>
@@ -28124,7 +28018,7 @@
             </a:ln>
             <a:extLst>
               <a:ext uri="{91240B29-F687-4f45-9708-019B960494DF}">
-                <a14:hiddenLine xmlns="" xmlns:a16="http://schemas.microsoft.com/office/drawing/2014/main" xmlns:p14="http://schemas.microsoft.com/office/powerpoint/2010/main" xmlns:a14="http://schemas.microsoft.com/office/drawing/2010/main" w="9525">
+                <a14:hiddenLine xmlns:a14="http://schemas.microsoft.com/office/drawing/2010/main" xmlns:p14="http://schemas.microsoft.com/office/powerpoint/2010/main" xmlns:a16="http://schemas.microsoft.com/office/drawing/2014/main" xmlns="" w="9525">
                   <a:solidFill>
                     <a:srgbClr val="000000"/>
                   </a:solidFill>
@@ -28229,7 +28123,7 @@
             </a:ln>
             <a:extLst>
               <a:ext uri="{91240B29-F687-4f45-9708-019B960494DF}">
-                <a14:hiddenLine xmlns="" xmlns:a16="http://schemas.microsoft.com/office/drawing/2014/main" xmlns:p14="http://schemas.microsoft.com/office/powerpoint/2010/main" xmlns:a14="http://schemas.microsoft.com/office/drawing/2010/main" w="9525">
+                <a14:hiddenLine xmlns:a14="http://schemas.microsoft.com/office/drawing/2010/main" xmlns:p14="http://schemas.microsoft.com/office/powerpoint/2010/main" xmlns:a16="http://schemas.microsoft.com/office/drawing/2014/main" xmlns="" w="9525">
                   <a:solidFill>
                     <a:srgbClr val="000000"/>
                   </a:solidFill>
@@ -28278,7 +28172,7 @@
             </a:ln>
             <a:extLst>
               <a:ext uri="{91240B29-F687-4f45-9708-019B960494DF}">
-                <a14:hiddenLine xmlns="" xmlns:a16="http://schemas.microsoft.com/office/drawing/2014/main" xmlns:p14="http://schemas.microsoft.com/office/powerpoint/2010/main" xmlns:a14="http://schemas.microsoft.com/office/drawing/2010/main" w="9525">
+                <a14:hiddenLine xmlns:a14="http://schemas.microsoft.com/office/drawing/2010/main" xmlns:p14="http://schemas.microsoft.com/office/powerpoint/2010/main" xmlns:a16="http://schemas.microsoft.com/office/drawing/2014/main" xmlns="" w="9525">
                   <a:solidFill>
                     <a:srgbClr val="000000"/>
                   </a:solidFill>
@@ -28383,7 +28277,7 @@
             </a:ln>
             <a:extLst>
               <a:ext uri="{91240B29-F687-4f45-9708-019B960494DF}">
-                <a14:hiddenLine xmlns="" xmlns:a16="http://schemas.microsoft.com/office/drawing/2014/main" xmlns:p14="http://schemas.microsoft.com/office/powerpoint/2010/main" xmlns:a14="http://schemas.microsoft.com/office/drawing/2010/main" w="9525">
+                <a14:hiddenLine xmlns:a14="http://schemas.microsoft.com/office/drawing/2010/main" xmlns:p14="http://schemas.microsoft.com/office/powerpoint/2010/main" xmlns:a16="http://schemas.microsoft.com/office/drawing/2014/main" xmlns="" w="9525">
                   <a:solidFill>
                     <a:srgbClr val="000000"/>
                   </a:solidFill>
@@ -28460,7 +28354,7 @@
             </a:ln>
             <a:extLst>
               <a:ext uri="{91240B29-F687-4f45-9708-019B960494DF}">
-                <a14:hiddenLine xmlns="" xmlns:a16="http://schemas.microsoft.com/office/drawing/2014/main" xmlns:p14="http://schemas.microsoft.com/office/powerpoint/2010/main" xmlns:a14="http://schemas.microsoft.com/office/drawing/2010/main" w="9525">
+                <a14:hiddenLine xmlns:a14="http://schemas.microsoft.com/office/drawing/2010/main" xmlns:p14="http://schemas.microsoft.com/office/powerpoint/2010/main" xmlns:a16="http://schemas.microsoft.com/office/drawing/2014/main" xmlns="" w="9525">
                   <a:solidFill>
                     <a:srgbClr val="000000"/>
                   </a:solidFill>
@@ -28537,7 +28431,7 @@
             </a:ln>
             <a:extLst>
               <a:ext uri="{91240B29-F687-4f45-9708-019B960494DF}">
-                <a14:hiddenLine xmlns="" xmlns:a16="http://schemas.microsoft.com/office/drawing/2014/main" xmlns:p14="http://schemas.microsoft.com/office/powerpoint/2010/main" xmlns:a14="http://schemas.microsoft.com/office/drawing/2010/main" w="9525">
+                <a14:hiddenLine xmlns:a14="http://schemas.microsoft.com/office/drawing/2010/main" xmlns:p14="http://schemas.microsoft.com/office/powerpoint/2010/main" xmlns:a16="http://schemas.microsoft.com/office/drawing/2014/main" xmlns="" w="9525">
                   <a:solidFill>
                     <a:srgbClr val="000000"/>
                   </a:solidFill>
@@ -28642,7 +28536,7 @@
             </a:ln>
             <a:extLst>
               <a:ext uri="{91240B29-F687-4f45-9708-019B960494DF}">
-                <a14:hiddenLine xmlns="" xmlns:a16="http://schemas.microsoft.com/office/drawing/2014/main" xmlns:p14="http://schemas.microsoft.com/office/powerpoint/2010/main" xmlns:a14="http://schemas.microsoft.com/office/drawing/2010/main" w="9525">
+                <a14:hiddenLine xmlns:a14="http://schemas.microsoft.com/office/drawing/2010/main" xmlns:p14="http://schemas.microsoft.com/office/powerpoint/2010/main" xmlns:a16="http://schemas.microsoft.com/office/drawing/2014/main" xmlns="" w="9525">
                   <a:solidFill>
                     <a:srgbClr val="000000"/>
                   </a:solidFill>
@@ -28719,7 +28613,7 @@
             </a:ln>
             <a:extLst>
               <a:ext uri="{91240B29-F687-4f45-9708-019B960494DF}">
-                <a14:hiddenLine xmlns="" xmlns:a16="http://schemas.microsoft.com/office/drawing/2014/main" xmlns:p14="http://schemas.microsoft.com/office/powerpoint/2010/main" xmlns:a14="http://schemas.microsoft.com/office/drawing/2010/main" w="9525">
+                <a14:hiddenLine xmlns:a14="http://schemas.microsoft.com/office/drawing/2010/main" xmlns:p14="http://schemas.microsoft.com/office/powerpoint/2010/main" xmlns:a16="http://schemas.microsoft.com/office/drawing/2014/main" xmlns="" w="9525">
                   <a:solidFill>
                     <a:srgbClr val="000000"/>
                   </a:solidFill>
@@ -28796,7 +28690,7 @@
             </a:ln>
             <a:extLst>
               <a:ext uri="{91240B29-F687-4f45-9708-019B960494DF}">
-                <a14:hiddenLine xmlns="" xmlns:a16="http://schemas.microsoft.com/office/drawing/2014/main" xmlns:p14="http://schemas.microsoft.com/office/powerpoint/2010/main" xmlns:a14="http://schemas.microsoft.com/office/drawing/2010/main" w="9525">
+                <a14:hiddenLine xmlns:a14="http://schemas.microsoft.com/office/drawing/2010/main" xmlns:p14="http://schemas.microsoft.com/office/powerpoint/2010/main" xmlns:a16="http://schemas.microsoft.com/office/drawing/2014/main" xmlns="" w="9525">
                   <a:solidFill>
                     <a:srgbClr val="000000"/>
                   </a:solidFill>
@@ -28901,7 +28795,7 @@
             </a:ln>
             <a:extLst>
               <a:ext uri="{91240B29-F687-4f45-9708-019B960494DF}">
-                <a14:hiddenLine xmlns="" xmlns:a16="http://schemas.microsoft.com/office/drawing/2014/main" xmlns:p14="http://schemas.microsoft.com/office/powerpoint/2010/main" xmlns:a14="http://schemas.microsoft.com/office/drawing/2010/main" w="9525">
+                <a14:hiddenLine xmlns:a14="http://schemas.microsoft.com/office/drawing/2010/main" xmlns:p14="http://schemas.microsoft.com/office/powerpoint/2010/main" xmlns:a16="http://schemas.microsoft.com/office/drawing/2014/main" xmlns="" w="9525">
                   <a:solidFill>
                     <a:srgbClr val="000000"/>
                   </a:solidFill>
@@ -29006,7 +28900,7 @@
             </a:ln>
             <a:extLst>
               <a:ext uri="{91240B29-F687-4f45-9708-019B960494DF}">
-                <a14:hiddenLine xmlns="" xmlns:a16="http://schemas.microsoft.com/office/drawing/2014/main" xmlns:p14="http://schemas.microsoft.com/office/powerpoint/2010/main" xmlns:a14="http://schemas.microsoft.com/office/drawing/2010/main" w="9525">
+                <a14:hiddenLine xmlns:a14="http://schemas.microsoft.com/office/drawing/2010/main" xmlns:p14="http://schemas.microsoft.com/office/powerpoint/2010/main" xmlns:a16="http://schemas.microsoft.com/office/drawing/2014/main" xmlns="" w="9525">
                   <a:solidFill>
                     <a:srgbClr val="000000"/>
                   </a:solidFill>
@@ -29083,7 +28977,7 @@
             </a:ln>
             <a:extLst>
               <a:ext uri="{91240B29-F687-4f45-9708-019B960494DF}">
-                <a14:hiddenLine xmlns="" xmlns:a16="http://schemas.microsoft.com/office/drawing/2014/main" xmlns:p14="http://schemas.microsoft.com/office/powerpoint/2010/main" xmlns:a14="http://schemas.microsoft.com/office/drawing/2010/main" w="9525">
+                <a14:hiddenLine xmlns:a14="http://schemas.microsoft.com/office/drawing/2010/main" xmlns:p14="http://schemas.microsoft.com/office/powerpoint/2010/main" xmlns:a16="http://schemas.microsoft.com/office/drawing/2014/main" xmlns="" w="9525">
                   <a:solidFill>
                     <a:srgbClr val="000000"/>
                   </a:solidFill>
@@ -29208,7 +29102,7 @@
             </a:ln>
             <a:extLst>
               <a:ext uri="{91240B29-F687-4f45-9708-019B960494DF}">
-                <a14:hiddenLine xmlns="" xmlns:a16="http://schemas.microsoft.com/office/drawing/2014/main" xmlns:p14="http://schemas.microsoft.com/office/powerpoint/2010/main" xmlns:a14="http://schemas.microsoft.com/office/drawing/2010/main" w="9525">
+                <a14:hiddenLine xmlns:a14="http://schemas.microsoft.com/office/drawing/2010/main" xmlns:p14="http://schemas.microsoft.com/office/powerpoint/2010/main" xmlns:a16="http://schemas.microsoft.com/office/drawing/2014/main" xmlns="" w="9525">
                   <a:solidFill>
                     <a:srgbClr val="000000"/>
                   </a:solidFill>
@@ -29285,7 +29179,7 @@
             </a:ln>
             <a:extLst>
               <a:ext uri="{91240B29-F687-4f45-9708-019B960494DF}">
-                <a14:hiddenLine xmlns="" xmlns:a16="http://schemas.microsoft.com/office/drawing/2014/main" xmlns:p14="http://schemas.microsoft.com/office/powerpoint/2010/main" xmlns:a14="http://schemas.microsoft.com/office/drawing/2010/main" w="9525">
+                <a14:hiddenLine xmlns:a14="http://schemas.microsoft.com/office/drawing/2010/main" xmlns:p14="http://schemas.microsoft.com/office/powerpoint/2010/main" xmlns:a16="http://schemas.microsoft.com/office/drawing/2014/main" xmlns="" w="9525">
                   <a:solidFill>
                     <a:srgbClr val="000000"/>
                   </a:solidFill>
@@ -29390,7 +29284,7 @@
             </a:ln>
             <a:extLst>
               <a:ext uri="{91240B29-F687-4f45-9708-019B960494DF}">
-                <a14:hiddenLine xmlns="" xmlns:a16="http://schemas.microsoft.com/office/drawing/2014/main" xmlns:p14="http://schemas.microsoft.com/office/powerpoint/2010/main" xmlns:a14="http://schemas.microsoft.com/office/drawing/2010/main" w="9525">
+                <a14:hiddenLine xmlns:a14="http://schemas.microsoft.com/office/drawing/2010/main" xmlns:p14="http://schemas.microsoft.com/office/powerpoint/2010/main" xmlns:a16="http://schemas.microsoft.com/office/drawing/2014/main" xmlns="" w="9525">
                   <a:solidFill>
                     <a:srgbClr val="000000"/>
                   </a:solidFill>
@@ -29495,7 +29389,7 @@
             </a:ln>
             <a:extLst>
               <a:ext uri="{91240B29-F687-4f45-9708-019B960494DF}">
-                <a14:hiddenLine xmlns="" xmlns:a16="http://schemas.microsoft.com/office/drawing/2014/main" xmlns:p14="http://schemas.microsoft.com/office/powerpoint/2010/main" xmlns:a14="http://schemas.microsoft.com/office/drawing/2010/main" w="9525">
+                <a14:hiddenLine xmlns:a14="http://schemas.microsoft.com/office/drawing/2010/main" xmlns:p14="http://schemas.microsoft.com/office/powerpoint/2010/main" xmlns:a16="http://schemas.microsoft.com/office/drawing/2014/main" xmlns="" w="9525">
                   <a:solidFill>
                     <a:srgbClr val="000000"/>
                   </a:solidFill>
@@ -29572,7 +29466,7 @@
             </a:ln>
             <a:extLst>
               <a:ext uri="{91240B29-F687-4f45-9708-019B960494DF}">
-                <a14:hiddenLine xmlns="" xmlns:a16="http://schemas.microsoft.com/office/drawing/2014/main" xmlns:p14="http://schemas.microsoft.com/office/powerpoint/2010/main" xmlns:a14="http://schemas.microsoft.com/office/drawing/2010/main" w="9525">
+                <a14:hiddenLine xmlns:a14="http://schemas.microsoft.com/office/drawing/2010/main" xmlns:p14="http://schemas.microsoft.com/office/powerpoint/2010/main" xmlns:a16="http://schemas.microsoft.com/office/drawing/2014/main" xmlns="" w="9525">
                   <a:solidFill>
                     <a:srgbClr val="000000"/>
                   </a:solidFill>
@@ -29677,7 +29571,7 @@
             </a:ln>
             <a:extLst>
               <a:ext uri="{91240B29-F687-4f45-9708-019B960494DF}">
-                <a14:hiddenLine xmlns="" xmlns:a16="http://schemas.microsoft.com/office/drawing/2014/main" xmlns:p14="http://schemas.microsoft.com/office/powerpoint/2010/main" xmlns:a14="http://schemas.microsoft.com/office/drawing/2010/main" w="9525">
+                <a14:hiddenLine xmlns:a14="http://schemas.microsoft.com/office/drawing/2010/main" xmlns:p14="http://schemas.microsoft.com/office/powerpoint/2010/main" xmlns:a16="http://schemas.microsoft.com/office/drawing/2014/main" xmlns="" w="9525">
                   <a:solidFill>
                     <a:srgbClr val="000000"/>
                   </a:solidFill>
@@ -29782,7 +29676,7 @@
             </a:ln>
             <a:extLst>
               <a:ext uri="{91240B29-F687-4f45-9708-019B960494DF}">
-                <a14:hiddenLine xmlns="" xmlns:a16="http://schemas.microsoft.com/office/drawing/2014/main" xmlns:p14="http://schemas.microsoft.com/office/powerpoint/2010/main" xmlns:a14="http://schemas.microsoft.com/office/drawing/2010/main" w="9525">
+                <a14:hiddenLine xmlns:a14="http://schemas.microsoft.com/office/drawing/2010/main" xmlns:p14="http://schemas.microsoft.com/office/powerpoint/2010/main" xmlns:a16="http://schemas.microsoft.com/office/drawing/2014/main" xmlns="" w="9525">
                   <a:solidFill>
                     <a:srgbClr val="000000"/>
                   </a:solidFill>
@@ -29853,7 +29747,7 @@
             </a:ln>
             <a:extLst>
               <a:ext uri="{91240B29-F687-4f45-9708-019B960494DF}">
-                <a14:hiddenLine xmlns="" xmlns:a16="http://schemas.microsoft.com/office/drawing/2014/main" xmlns:p14="http://schemas.microsoft.com/office/powerpoint/2010/main" xmlns:a14="http://schemas.microsoft.com/office/drawing/2010/main" w="9525">
+                <a14:hiddenLine xmlns:a14="http://schemas.microsoft.com/office/drawing/2010/main" xmlns:p14="http://schemas.microsoft.com/office/powerpoint/2010/main" xmlns:a16="http://schemas.microsoft.com/office/drawing/2014/main" xmlns="" w="9525">
                   <a:solidFill>
                     <a:srgbClr val="000000"/>
                   </a:solidFill>
@@ -29958,7 +29852,7 @@
             </a:ln>
             <a:extLst>
               <a:ext uri="{91240B29-F687-4f45-9708-019B960494DF}">
-                <a14:hiddenLine xmlns="" xmlns:a16="http://schemas.microsoft.com/office/drawing/2014/main" xmlns:p14="http://schemas.microsoft.com/office/powerpoint/2010/main" xmlns:a14="http://schemas.microsoft.com/office/drawing/2010/main" w="9525">
+                <a14:hiddenLine xmlns:a14="http://schemas.microsoft.com/office/drawing/2010/main" xmlns:p14="http://schemas.microsoft.com/office/powerpoint/2010/main" xmlns:a16="http://schemas.microsoft.com/office/drawing/2014/main" xmlns="" w="9525">
                   <a:solidFill>
                     <a:srgbClr val="000000"/>
                   </a:solidFill>
@@ -30029,7 +29923,7 @@
             </a:ln>
             <a:extLst>
               <a:ext uri="{91240B29-F687-4f45-9708-019B960494DF}">
-                <a14:hiddenLine xmlns="" xmlns:a16="http://schemas.microsoft.com/office/drawing/2014/main" xmlns:p14="http://schemas.microsoft.com/office/powerpoint/2010/main" xmlns:a14="http://schemas.microsoft.com/office/drawing/2010/main" w="9525">
+                <a14:hiddenLine xmlns:a14="http://schemas.microsoft.com/office/drawing/2010/main" xmlns:p14="http://schemas.microsoft.com/office/powerpoint/2010/main" xmlns:a16="http://schemas.microsoft.com/office/drawing/2014/main" xmlns="" w="9525">
                   <a:solidFill>
                     <a:srgbClr val="000000"/>
                   </a:solidFill>
@@ -30134,7 +30028,7 @@
             </a:ln>
             <a:extLst>
               <a:ext uri="{91240B29-F687-4f45-9708-019B960494DF}">
-                <a14:hiddenLine xmlns="" xmlns:a16="http://schemas.microsoft.com/office/drawing/2014/main" xmlns:p14="http://schemas.microsoft.com/office/powerpoint/2010/main" xmlns:a14="http://schemas.microsoft.com/office/drawing/2010/main" w="9525">
+                <a14:hiddenLine xmlns:a14="http://schemas.microsoft.com/office/drawing/2010/main" xmlns:p14="http://schemas.microsoft.com/office/powerpoint/2010/main" xmlns:a16="http://schemas.microsoft.com/office/drawing/2014/main" xmlns="" w="9525">
                   <a:solidFill>
                     <a:srgbClr val="000000"/>
                   </a:solidFill>
@@ -30217,7 +30111,7 @@
             </a:ln>
             <a:extLst>
               <a:ext uri="{91240B29-F687-4f45-9708-019B960494DF}">
-                <a14:hiddenLine xmlns="" xmlns:a16="http://schemas.microsoft.com/office/drawing/2014/main" xmlns:p14="http://schemas.microsoft.com/office/powerpoint/2010/main" xmlns:a14="http://schemas.microsoft.com/office/drawing/2010/main" w="9525">
+                <a14:hiddenLine xmlns:a14="http://schemas.microsoft.com/office/drawing/2010/main" xmlns:p14="http://schemas.microsoft.com/office/powerpoint/2010/main" xmlns:a16="http://schemas.microsoft.com/office/drawing/2014/main" xmlns="" w="9525">
                   <a:solidFill>
                     <a:srgbClr val="000000"/>
                   </a:solidFill>
@@ -30322,7 +30216,7 @@
             </a:ln>
             <a:extLst>
               <a:ext uri="{91240B29-F687-4f45-9708-019B960494DF}">
-                <a14:hiddenLine xmlns="" xmlns:a16="http://schemas.microsoft.com/office/drawing/2014/main" xmlns:p14="http://schemas.microsoft.com/office/powerpoint/2010/main" xmlns:a14="http://schemas.microsoft.com/office/drawing/2010/main" w="9525">
+                <a14:hiddenLine xmlns:a14="http://schemas.microsoft.com/office/drawing/2010/main" xmlns:p14="http://schemas.microsoft.com/office/powerpoint/2010/main" xmlns:a16="http://schemas.microsoft.com/office/drawing/2014/main" xmlns="" w="9525">
                   <a:solidFill>
                     <a:srgbClr val="000000"/>
                   </a:solidFill>
@@ -30405,7 +30299,7 @@
             </a:ln>
             <a:extLst>
               <a:ext uri="{91240B29-F687-4f45-9708-019B960494DF}">
-                <a14:hiddenLine xmlns="" xmlns:a16="http://schemas.microsoft.com/office/drawing/2014/main" xmlns:p14="http://schemas.microsoft.com/office/powerpoint/2010/main" xmlns:a14="http://schemas.microsoft.com/office/drawing/2010/main" w="9525">
+                <a14:hiddenLine xmlns:a14="http://schemas.microsoft.com/office/drawing/2010/main" xmlns:p14="http://schemas.microsoft.com/office/powerpoint/2010/main" xmlns:a16="http://schemas.microsoft.com/office/drawing/2014/main" xmlns="" w="9525">
                   <a:solidFill>
                     <a:srgbClr val="000000"/>
                   </a:solidFill>
@@ -30510,7 +30404,7 @@
             </a:ln>
             <a:extLst>
               <a:ext uri="{91240B29-F687-4f45-9708-019B960494DF}">
-                <a14:hiddenLine xmlns="" xmlns:a16="http://schemas.microsoft.com/office/drawing/2014/main" xmlns:p14="http://schemas.microsoft.com/office/powerpoint/2010/main" xmlns:a14="http://schemas.microsoft.com/office/drawing/2010/main" w="9525">
+                <a14:hiddenLine xmlns:a14="http://schemas.microsoft.com/office/drawing/2010/main" xmlns:p14="http://schemas.microsoft.com/office/powerpoint/2010/main" xmlns:a16="http://schemas.microsoft.com/office/drawing/2014/main" xmlns="" w="9525">
                   <a:solidFill>
                     <a:srgbClr val="000000"/>
                   </a:solidFill>
@@ -30559,7 +30453,7 @@
             </a:ln>
             <a:extLst>
               <a:ext uri="{91240B29-F687-4f45-9708-019B960494DF}">
-                <a14:hiddenLine xmlns="" xmlns:a16="http://schemas.microsoft.com/office/drawing/2014/main" xmlns:p14="http://schemas.microsoft.com/office/powerpoint/2010/main" xmlns:a14="http://schemas.microsoft.com/office/drawing/2010/main" w="9525">
+                <a14:hiddenLine xmlns:a14="http://schemas.microsoft.com/office/drawing/2010/main" xmlns:p14="http://schemas.microsoft.com/office/powerpoint/2010/main" xmlns:a16="http://schemas.microsoft.com/office/drawing/2014/main" xmlns="" w="9525">
                   <a:solidFill>
                     <a:srgbClr val="000000"/>
                   </a:solidFill>
@@ -30664,7 +30558,7 @@
             </a:ln>
             <a:extLst>
               <a:ext uri="{91240B29-F687-4f45-9708-019B960494DF}">
-                <a14:hiddenLine xmlns="" xmlns:a16="http://schemas.microsoft.com/office/drawing/2014/main" xmlns:p14="http://schemas.microsoft.com/office/powerpoint/2010/main" xmlns:a14="http://schemas.microsoft.com/office/drawing/2010/main" w="9525">
+                <a14:hiddenLine xmlns:a14="http://schemas.microsoft.com/office/drawing/2010/main" xmlns:p14="http://schemas.microsoft.com/office/powerpoint/2010/main" xmlns:a16="http://schemas.microsoft.com/office/drawing/2014/main" xmlns="" w="9525">
                   <a:solidFill>
                     <a:srgbClr val="000000"/>
                   </a:solidFill>
@@ -30741,7 +30635,7 @@
             </a:ln>
             <a:extLst>
               <a:ext uri="{91240B29-F687-4f45-9708-019B960494DF}">
-                <a14:hiddenLine xmlns="" xmlns:a16="http://schemas.microsoft.com/office/drawing/2014/main" xmlns:p14="http://schemas.microsoft.com/office/powerpoint/2010/main" xmlns:a14="http://schemas.microsoft.com/office/drawing/2010/main" w="9525">
+                <a14:hiddenLine xmlns:a14="http://schemas.microsoft.com/office/drawing/2010/main" xmlns:p14="http://schemas.microsoft.com/office/powerpoint/2010/main" xmlns:a16="http://schemas.microsoft.com/office/drawing/2014/main" xmlns="" w="9525">
                   <a:solidFill>
                     <a:srgbClr val="000000"/>
                   </a:solidFill>
@@ -30818,7 +30712,7 @@
             </a:ln>
             <a:extLst>
               <a:ext uri="{91240B29-F687-4f45-9708-019B960494DF}">
-                <a14:hiddenLine xmlns="" xmlns:a16="http://schemas.microsoft.com/office/drawing/2014/main" xmlns:p14="http://schemas.microsoft.com/office/powerpoint/2010/main" xmlns:a14="http://schemas.microsoft.com/office/drawing/2010/main" w="9525">
+                <a14:hiddenLine xmlns:a14="http://schemas.microsoft.com/office/drawing/2010/main" xmlns:p14="http://schemas.microsoft.com/office/powerpoint/2010/main" xmlns:a16="http://schemas.microsoft.com/office/drawing/2014/main" xmlns="" w="9525">
                   <a:solidFill>
                     <a:srgbClr val="000000"/>
                   </a:solidFill>
@@ -30923,7 +30817,7 @@
             </a:ln>
             <a:extLst>
               <a:ext uri="{91240B29-F687-4f45-9708-019B960494DF}">
-                <a14:hiddenLine xmlns="" xmlns:a16="http://schemas.microsoft.com/office/drawing/2014/main" xmlns:p14="http://schemas.microsoft.com/office/powerpoint/2010/main" xmlns:a14="http://schemas.microsoft.com/office/drawing/2010/main" w="9525">
+                <a14:hiddenLine xmlns:a14="http://schemas.microsoft.com/office/drawing/2010/main" xmlns:p14="http://schemas.microsoft.com/office/powerpoint/2010/main" xmlns:a16="http://schemas.microsoft.com/office/drawing/2014/main" xmlns="" w="9525">
                   <a:solidFill>
                     <a:srgbClr val="000000"/>
                   </a:solidFill>
@@ -31006,7 +30900,7 @@
             </a:ln>
             <a:extLst>
               <a:ext uri="{91240B29-F687-4f45-9708-019B960494DF}">
-                <a14:hiddenLine xmlns="" xmlns:a16="http://schemas.microsoft.com/office/drawing/2014/main" xmlns:p14="http://schemas.microsoft.com/office/powerpoint/2010/main" xmlns:a14="http://schemas.microsoft.com/office/drawing/2010/main" w="9525">
+                <a14:hiddenLine xmlns:a14="http://schemas.microsoft.com/office/drawing/2010/main" xmlns:p14="http://schemas.microsoft.com/office/powerpoint/2010/main" xmlns:a16="http://schemas.microsoft.com/office/drawing/2014/main" xmlns="" w="9525">
                   <a:solidFill>
                     <a:srgbClr val="000000"/>
                   </a:solidFill>
@@ -31083,7 +30977,7 @@
             </a:ln>
             <a:extLst>
               <a:ext uri="{91240B29-F687-4f45-9708-019B960494DF}">
-                <a14:hiddenLine xmlns="" xmlns:a16="http://schemas.microsoft.com/office/drawing/2014/main" xmlns:p14="http://schemas.microsoft.com/office/powerpoint/2010/main" xmlns:a14="http://schemas.microsoft.com/office/drawing/2010/main" w="9525">
+                <a14:hiddenLine xmlns:a14="http://schemas.microsoft.com/office/drawing/2010/main" xmlns:p14="http://schemas.microsoft.com/office/powerpoint/2010/main" xmlns:a16="http://schemas.microsoft.com/office/drawing/2014/main" xmlns="" w="9525">
                   <a:solidFill>
                     <a:srgbClr val="000000"/>
                   </a:solidFill>
@@ -31188,7 +31082,7 @@
             </a:ln>
             <a:extLst>
               <a:ext uri="{91240B29-F687-4f45-9708-019B960494DF}">
-                <a14:hiddenLine xmlns="" xmlns:a16="http://schemas.microsoft.com/office/drawing/2014/main" xmlns:p14="http://schemas.microsoft.com/office/powerpoint/2010/main" xmlns:a14="http://schemas.microsoft.com/office/drawing/2010/main" w="9525">
+                <a14:hiddenLine xmlns:a14="http://schemas.microsoft.com/office/drawing/2010/main" xmlns:p14="http://schemas.microsoft.com/office/powerpoint/2010/main" xmlns:a16="http://schemas.microsoft.com/office/drawing/2014/main" xmlns="" w="9525">
                   <a:solidFill>
                     <a:srgbClr val="000000"/>
                   </a:solidFill>
@@ -31265,7 +31159,7 @@
             </a:ln>
             <a:extLst>
               <a:ext uri="{91240B29-F687-4f45-9708-019B960494DF}">
-                <a14:hiddenLine xmlns="" xmlns:a16="http://schemas.microsoft.com/office/drawing/2014/main" xmlns:p14="http://schemas.microsoft.com/office/powerpoint/2010/main" xmlns:a14="http://schemas.microsoft.com/office/drawing/2010/main" w="9525">
+                <a14:hiddenLine xmlns:a14="http://schemas.microsoft.com/office/drawing/2010/main" xmlns:p14="http://schemas.microsoft.com/office/powerpoint/2010/main" xmlns:a16="http://schemas.microsoft.com/office/drawing/2014/main" xmlns="" w="9525">
                   <a:solidFill>
                     <a:srgbClr val="000000"/>
                   </a:solidFill>
@@ -31370,7 +31264,7 @@
             </a:ln>
             <a:extLst>
               <a:ext uri="{91240B29-F687-4f45-9708-019B960494DF}">
-                <a14:hiddenLine xmlns="" xmlns:a16="http://schemas.microsoft.com/office/drawing/2014/main" xmlns:p14="http://schemas.microsoft.com/office/powerpoint/2010/main" xmlns:a14="http://schemas.microsoft.com/office/drawing/2010/main" w="9525">
+                <a14:hiddenLine xmlns:a14="http://schemas.microsoft.com/office/drawing/2010/main" xmlns:p14="http://schemas.microsoft.com/office/powerpoint/2010/main" xmlns:a16="http://schemas.microsoft.com/office/drawing/2014/main" xmlns="" w="9525">
                   <a:solidFill>
                     <a:srgbClr val="000000"/>
                   </a:solidFill>
@@ -31447,7 +31341,7 @@
             </a:ln>
             <a:extLst>
               <a:ext uri="{91240B29-F687-4f45-9708-019B960494DF}">
-                <a14:hiddenLine xmlns="" xmlns:a16="http://schemas.microsoft.com/office/drawing/2014/main" xmlns:p14="http://schemas.microsoft.com/office/powerpoint/2010/main" xmlns:a14="http://schemas.microsoft.com/office/drawing/2010/main" w="9525">
+                <a14:hiddenLine xmlns:a14="http://schemas.microsoft.com/office/drawing/2010/main" xmlns:p14="http://schemas.microsoft.com/office/powerpoint/2010/main" xmlns:a16="http://schemas.microsoft.com/office/drawing/2014/main" xmlns="" w="9525">
                   <a:solidFill>
                     <a:srgbClr val="000000"/>
                   </a:solidFill>
@@ -31552,7 +31446,7 @@
             </a:ln>
             <a:extLst>
               <a:ext uri="{91240B29-F687-4f45-9708-019B960494DF}">
-                <a14:hiddenLine xmlns="" xmlns:a16="http://schemas.microsoft.com/office/drawing/2014/main" xmlns:p14="http://schemas.microsoft.com/office/powerpoint/2010/main" xmlns:a14="http://schemas.microsoft.com/office/drawing/2010/main" w="9525">
+                <a14:hiddenLine xmlns:a14="http://schemas.microsoft.com/office/drawing/2010/main" xmlns:p14="http://schemas.microsoft.com/office/powerpoint/2010/main" xmlns:a16="http://schemas.microsoft.com/office/drawing/2014/main" xmlns="" w="9525">
                   <a:solidFill>
                     <a:srgbClr val="000000"/>
                   </a:solidFill>
@@ -31601,7 +31495,7 @@
             </a:ln>
             <a:extLst>
               <a:ext uri="{91240B29-F687-4f45-9708-019B960494DF}">
-                <a14:hiddenLine xmlns="" xmlns:a16="http://schemas.microsoft.com/office/drawing/2014/main" xmlns:p14="http://schemas.microsoft.com/office/powerpoint/2010/main" xmlns:a14="http://schemas.microsoft.com/office/drawing/2010/main" w="9525">
+                <a14:hiddenLine xmlns:a14="http://schemas.microsoft.com/office/drawing/2010/main" xmlns:p14="http://schemas.microsoft.com/office/powerpoint/2010/main" xmlns:a16="http://schemas.microsoft.com/office/drawing/2014/main" xmlns="" w="9525">
                   <a:solidFill>
                     <a:srgbClr val="000000"/>
                   </a:solidFill>
@@ -31681,7 +31575,7 @@
             </a:ln>
             <a:extLst>
               <a:ext uri="{91240B29-F687-4f45-9708-019B960494DF}">
-                <a14:hiddenLine xmlns="" xmlns:a16="http://schemas.microsoft.com/office/drawing/2014/main" xmlns:p14="http://schemas.microsoft.com/office/powerpoint/2010/main" xmlns:a14="http://schemas.microsoft.com/office/drawing/2010/main" w="9525">
+                <a14:hiddenLine xmlns:a14="http://schemas.microsoft.com/office/drawing/2010/main" xmlns:p14="http://schemas.microsoft.com/office/powerpoint/2010/main" xmlns:a16="http://schemas.microsoft.com/office/drawing/2014/main" xmlns="" w="9525">
                   <a:solidFill>
                     <a:srgbClr val="000000"/>
                   </a:solidFill>
@@ -31786,7 +31680,7 @@
             </a:ln>
             <a:extLst>
               <a:ext uri="{91240B29-F687-4f45-9708-019B960494DF}">
-                <a14:hiddenLine xmlns="" xmlns:a16="http://schemas.microsoft.com/office/drawing/2014/main" xmlns:p14="http://schemas.microsoft.com/office/powerpoint/2010/main" xmlns:a14="http://schemas.microsoft.com/office/drawing/2010/main" w="9525">
+                <a14:hiddenLine xmlns:a14="http://schemas.microsoft.com/office/drawing/2010/main" xmlns:p14="http://schemas.microsoft.com/office/powerpoint/2010/main" xmlns:a16="http://schemas.microsoft.com/office/drawing/2014/main" xmlns="" w="9525">
                   <a:solidFill>
                     <a:srgbClr val="000000"/>
                   </a:solidFill>
@@ -31863,7 +31757,7 @@
             </a:ln>
             <a:extLst>
               <a:ext uri="{91240B29-F687-4f45-9708-019B960494DF}">
-                <a14:hiddenLine xmlns="" xmlns:a16="http://schemas.microsoft.com/office/drawing/2014/main" xmlns:p14="http://schemas.microsoft.com/office/powerpoint/2010/main" xmlns:a14="http://schemas.microsoft.com/office/drawing/2010/main" w="9525">
+                <a14:hiddenLine xmlns:a14="http://schemas.microsoft.com/office/drawing/2010/main" xmlns:p14="http://schemas.microsoft.com/office/powerpoint/2010/main" xmlns:a16="http://schemas.microsoft.com/office/drawing/2014/main" xmlns="" w="9525">
                   <a:solidFill>
                     <a:srgbClr val="000000"/>
                   </a:solidFill>
@@ -31968,7 +31862,7 @@
             </a:ln>
             <a:extLst>
               <a:ext uri="{91240B29-F687-4f45-9708-019B960494DF}">
-                <a14:hiddenLine xmlns="" xmlns:a16="http://schemas.microsoft.com/office/drawing/2014/main" xmlns:p14="http://schemas.microsoft.com/office/powerpoint/2010/main" xmlns:a14="http://schemas.microsoft.com/office/drawing/2010/main" w="9525">
+                <a14:hiddenLine xmlns:a14="http://schemas.microsoft.com/office/drawing/2010/main" xmlns:p14="http://schemas.microsoft.com/office/powerpoint/2010/main" xmlns:a16="http://schemas.microsoft.com/office/drawing/2014/main" xmlns="" w="9525">
                   <a:solidFill>
                     <a:srgbClr val="000000"/>
                   </a:solidFill>
@@ -32073,7 +31967,7 @@
             </a:ln>
             <a:extLst>
               <a:ext uri="{91240B29-F687-4f45-9708-019B960494DF}">
-                <a14:hiddenLine xmlns="" xmlns:a16="http://schemas.microsoft.com/office/drawing/2014/main" xmlns:p14="http://schemas.microsoft.com/office/powerpoint/2010/main" xmlns:a14="http://schemas.microsoft.com/office/drawing/2010/main" w="9525">
+                <a14:hiddenLine xmlns:a14="http://schemas.microsoft.com/office/drawing/2010/main" xmlns:p14="http://schemas.microsoft.com/office/powerpoint/2010/main" xmlns:a16="http://schemas.microsoft.com/office/drawing/2014/main" xmlns="" w="9525">
                   <a:solidFill>
                     <a:srgbClr val="000000"/>
                   </a:solidFill>
@@ -32153,7 +32047,7 @@
             </a:ln>
             <a:extLst>
               <a:ext uri="{91240B29-F687-4f45-9708-019B960494DF}">
-                <a14:hiddenLine xmlns="" xmlns:a16="http://schemas.microsoft.com/office/drawing/2014/main" xmlns:p14="http://schemas.microsoft.com/office/powerpoint/2010/main" xmlns:a14="http://schemas.microsoft.com/office/drawing/2010/main" w="9525">
+                <a14:hiddenLine xmlns:a14="http://schemas.microsoft.com/office/drawing/2010/main" xmlns:p14="http://schemas.microsoft.com/office/powerpoint/2010/main" xmlns:a16="http://schemas.microsoft.com/office/drawing/2014/main" xmlns="" w="9525">
                   <a:solidFill>
                     <a:srgbClr val="000000"/>
                   </a:solidFill>
@@ -32230,7 +32124,7 @@
             </a:ln>
             <a:extLst>
               <a:ext uri="{91240B29-F687-4f45-9708-019B960494DF}">
-                <a14:hiddenLine xmlns="" xmlns:a16="http://schemas.microsoft.com/office/drawing/2014/main" xmlns:p14="http://schemas.microsoft.com/office/powerpoint/2010/main" xmlns:a14="http://schemas.microsoft.com/office/drawing/2010/main" w="9525">
+                <a14:hiddenLine xmlns:a14="http://schemas.microsoft.com/office/drawing/2010/main" xmlns:p14="http://schemas.microsoft.com/office/powerpoint/2010/main" xmlns:a16="http://schemas.microsoft.com/office/drawing/2014/main" xmlns="" w="9525">
                   <a:solidFill>
                     <a:srgbClr val="000000"/>
                   </a:solidFill>
@@ -32335,7 +32229,7 @@
             </a:ln>
             <a:extLst>
               <a:ext uri="{91240B29-F687-4f45-9708-019B960494DF}">
-                <a14:hiddenLine xmlns="" xmlns:a16="http://schemas.microsoft.com/office/drawing/2014/main" xmlns:p14="http://schemas.microsoft.com/office/powerpoint/2010/main" xmlns:a14="http://schemas.microsoft.com/office/drawing/2010/main" w="9525">
+                <a14:hiddenLine xmlns:a14="http://schemas.microsoft.com/office/drawing/2010/main" xmlns:p14="http://schemas.microsoft.com/office/powerpoint/2010/main" xmlns:a16="http://schemas.microsoft.com/office/drawing/2014/main" xmlns="" w="9525">
                   <a:solidFill>
                     <a:srgbClr val="000000"/>
                   </a:solidFill>
@@ -32440,7 +32334,7 @@
             </a:ln>
             <a:extLst>
               <a:ext uri="{91240B29-F687-4f45-9708-019B960494DF}">
-                <a14:hiddenLine xmlns="" xmlns:a16="http://schemas.microsoft.com/office/drawing/2014/main" xmlns:p14="http://schemas.microsoft.com/office/powerpoint/2010/main" xmlns:a14="http://schemas.microsoft.com/office/drawing/2010/main" w="9525">
+                <a14:hiddenLine xmlns:a14="http://schemas.microsoft.com/office/drawing/2010/main" xmlns:p14="http://schemas.microsoft.com/office/powerpoint/2010/main" xmlns:a16="http://schemas.microsoft.com/office/drawing/2014/main" xmlns="" w="9525">
                   <a:solidFill>
                     <a:srgbClr val="000000"/>
                   </a:solidFill>
@@ -32517,7 +32411,7 @@
             </a:ln>
             <a:extLst>
               <a:ext uri="{91240B29-F687-4f45-9708-019B960494DF}">
-                <a14:hiddenLine xmlns="" xmlns:a16="http://schemas.microsoft.com/office/drawing/2014/main" xmlns:p14="http://schemas.microsoft.com/office/powerpoint/2010/main" xmlns:a14="http://schemas.microsoft.com/office/drawing/2010/main" w="9525">
+                <a14:hiddenLine xmlns:a14="http://schemas.microsoft.com/office/drawing/2010/main" xmlns:p14="http://schemas.microsoft.com/office/powerpoint/2010/main" xmlns:a16="http://schemas.microsoft.com/office/drawing/2014/main" xmlns="" w="9525">
                   <a:solidFill>
                     <a:srgbClr val="000000"/>
                   </a:solidFill>
@@ -32652,7 +32546,7 @@
             </a:ln>
             <a:extLst>
               <a:ext uri="{91240B29-F687-4f45-9708-019B960494DF}">
-                <a14:hiddenLine xmlns="" xmlns:a16="http://schemas.microsoft.com/office/drawing/2014/main" xmlns:p14="http://schemas.microsoft.com/office/powerpoint/2010/main" xmlns:a14="http://schemas.microsoft.com/office/drawing/2010/main" w="9525">
+                <a14:hiddenLine xmlns:a14="http://schemas.microsoft.com/office/drawing/2010/main" xmlns:p14="http://schemas.microsoft.com/office/powerpoint/2010/main" xmlns:a16="http://schemas.microsoft.com/office/drawing/2014/main" xmlns="" w="9525">
                   <a:solidFill>
                     <a:srgbClr val="000000"/>
                   </a:solidFill>
@@ -32735,7 +32629,7 @@
             </a:ln>
             <a:extLst>
               <a:ext uri="{91240B29-F687-4f45-9708-019B960494DF}">
-                <a14:hiddenLine xmlns="" xmlns:a16="http://schemas.microsoft.com/office/drawing/2014/main" xmlns:p14="http://schemas.microsoft.com/office/powerpoint/2010/main" xmlns:a14="http://schemas.microsoft.com/office/drawing/2010/main" w="9525">
+                <a14:hiddenLine xmlns:a14="http://schemas.microsoft.com/office/drawing/2010/main" xmlns:p14="http://schemas.microsoft.com/office/powerpoint/2010/main" xmlns:a16="http://schemas.microsoft.com/office/drawing/2014/main" xmlns="" w="9525">
                   <a:solidFill>
                     <a:srgbClr val="000000"/>
                   </a:solidFill>
@@ -32840,7 +32734,7 @@
             </a:ln>
             <a:extLst>
               <a:ext uri="{91240B29-F687-4f45-9708-019B960494DF}">
-                <a14:hiddenLine xmlns="" xmlns:a16="http://schemas.microsoft.com/office/drawing/2014/main" xmlns:p14="http://schemas.microsoft.com/office/powerpoint/2010/main" xmlns:a14="http://schemas.microsoft.com/office/drawing/2010/main" w="9525">
+                <a14:hiddenLine xmlns:a14="http://schemas.microsoft.com/office/drawing/2010/main" xmlns:p14="http://schemas.microsoft.com/office/powerpoint/2010/main" xmlns:a16="http://schemas.microsoft.com/office/drawing/2014/main" xmlns="" w="9525">
                   <a:solidFill>
                     <a:srgbClr val="000000"/>
                   </a:solidFill>
@@ -32961,7 +32855,7 @@
           <a:noFill/>
           <a:extLst>
             <a:ext uri="{909E8E84-426E-40dd-AFC4-6F175D3DCCD1}">
-              <a14:hiddenFill xmlns="" xmlns:a16="http://schemas.microsoft.com/office/drawing/2014/main" xmlns:p14="http://schemas.microsoft.com/office/powerpoint/2010/main" xmlns:a14="http://schemas.microsoft.com/office/drawing/2010/main">
+              <a14:hiddenFill xmlns:a14="http://schemas.microsoft.com/office/drawing/2010/main" xmlns:p14="http://schemas.microsoft.com/office/powerpoint/2010/main" xmlns:a16="http://schemas.microsoft.com/office/drawing/2014/main" xmlns="">
                 <a:solidFill>
                   <a:srgbClr val="FFFFFF"/>
                 </a:solidFill>
@@ -33053,7 +32947,7 @@
             </a:ln>
             <a:extLst>
               <a:ext uri="{91240B29-F687-4f45-9708-019B960494DF}">
-                <a14:hiddenLine xmlns="" xmlns:a16="http://schemas.microsoft.com/office/drawing/2014/main" xmlns:p14="http://schemas.microsoft.com/office/powerpoint/2010/main" xmlns:a14="http://schemas.microsoft.com/office/drawing/2010/main" w="9525">
+                <a14:hiddenLine xmlns:a14="http://schemas.microsoft.com/office/drawing/2010/main" xmlns:p14="http://schemas.microsoft.com/office/powerpoint/2010/main" xmlns:a16="http://schemas.microsoft.com/office/drawing/2014/main" xmlns="" w="9525">
                   <a:solidFill>
                     <a:srgbClr val="000000"/>
                   </a:solidFill>
@@ -33158,7 +33052,7 @@
             </a:ln>
             <a:extLst>
               <a:ext uri="{91240B29-F687-4f45-9708-019B960494DF}">
-                <a14:hiddenLine xmlns="" xmlns:a16="http://schemas.microsoft.com/office/drawing/2014/main" xmlns:p14="http://schemas.microsoft.com/office/powerpoint/2010/main" xmlns:a14="http://schemas.microsoft.com/office/drawing/2010/main" w="9525">
+                <a14:hiddenLine xmlns:a14="http://schemas.microsoft.com/office/drawing/2010/main" xmlns:p14="http://schemas.microsoft.com/office/powerpoint/2010/main" xmlns:a16="http://schemas.microsoft.com/office/drawing/2014/main" xmlns="" w="9525">
                   <a:solidFill>
                     <a:srgbClr val="000000"/>
                   </a:solidFill>
@@ -33263,7 +33157,7 @@
             </a:ln>
             <a:extLst>
               <a:ext uri="{91240B29-F687-4f45-9708-019B960494DF}">
-                <a14:hiddenLine xmlns="" xmlns:a16="http://schemas.microsoft.com/office/drawing/2014/main" xmlns:p14="http://schemas.microsoft.com/office/powerpoint/2010/main" xmlns:a14="http://schemas.microsoft.com/office/drawing/2010/main" w="9525">
+                <a14:hiddenLine xmlns:a14="http://schemas.microsoft.com/office/drawing/2010/main" xmlns:p14="http://schemas.microsoft.com/office/powerpoint/2010/main" xmlns:a16="http://schemas.microsoft.com/office/drawing/2014/main" xmlns="" w="9525">
                   <a:solidFill>
                     <a:srgbClr val="000000"/>
                   </a:solidFill>
@@ -33312,7 +33206,7 @@
             </a:ln>
             <a:extLst>
               <a:ext uri="{91240B29-F687-4f45-9708-019B960494DF}">
-                <a14:hiddenLine xmlns="" xmlns:a16="http://schemas.microsoft.com/office/drawing/2014/main" xmlns:p14="http://schemas.microsoft.com/office/powerpoint/2010/main" xmlns:a14="http://schemas.microsoft.com/office/drawing/2010/main" w="9525">
+                <a14:hiddenLine xmlns:a14="http://schemas.microsoft.com/office/drawing/2010/main" xmlns:p14="http://schemas.microsoft.com/office/powerpoint/2010/main" xmlns:a16="http://schemas.microsoft.com/office/drawing/2014/main" xmlns="" w="9525">
                   <a:solidFill>
                     <a:srgbClr val="000000"/>
                   </a:solidFill>
@@ -33417,7 +33311,7 @@
             </a:ln>
             <a:extLst>
               <a:ext uri="{91240B29-F687-4f45-9708-019B960494DF}">
-                <a14:hiddenLine xmlns="" xmlns:a16="http://schemas.microsoft.com/office/drawing/2014/main" xmlns:p14="http://schemas.microsoft.com/office/powerpoint/2010/main" xmlns:a14="http://schemas.microsoft.com/office/drawing/2010/main" w="9525">
+                <a14:hiddenLine xmlns:a14="http://schemas.microsoft.com/office/drawing/2010/main" xmlns:p14="http://schemas.microsoft.com/office/powerpoint/2010/main" xmlns:a16="http://schemas.microsoft.com/office/drawing/2014/main" xmlns="" w="9525">
                   <a:solidFill>
                     <a:srgbClr val="000000"/>
                   </a:solidFill>
@@ -33494,7 +33388,7 @@
             </a:ln>
             <a:extLst>
               <a:ext uri="{91240B29-F687-4f45-9708-019B960494DF}">
-                <a14:hiddenLine xmlns="" xmlns:a16="http://schemas.microsoft.com/office/drawing/2014/main" xmlns:p14="http://schemas.microsoft.com/office/powerpoint/2010/main" xmlns:a14="http://schemas.microsoft.com/office/drawing/2010/main" w="9525">
+                <a14:hiddenLine xmlns:a14="http://schemas.microsoft.com/office/drawing/2010/main" xmlns:p14="http://schemas.microsoft.com/office/powerpoint/2010/main" xmlns:a16="http://schemas.microsoft.com/office/drawing/2014/main" xmlns="" w="9525">
                   <a:solidFill>
                     <a:srgbClr val="000000"/>
                   </a:solidFill>
@@ -33571,7 +33465,7 @@
             </a:ln>
             <a:extLst>
               <a:ext uri="{91240B29-F687-4f45-9708-019B960494DF}">
-                <a14:hiddenLine xmlns="" xmlns:a16="http://schemas.microsoft.com/office/drawing/2014/main" xmlns:p14="http://schemas.microsoft.com/office/powerpoint/2010/main" xmlns:a14="http://schemas.microsoft.com/office/drawing/2010/main" w="9525">
+                <a14:hiddenLine xmlns:a14="http://schemas.microsoft.com/office/drawing/2010/main" xmlns:p14="http://schemas.microsoft.com/office/powerpoint/2010/main" xmlns:a16="http://schemas.microsoft.com/office/drawing/2014/main" xmlns="" w="9525">
                   <a:solidFill>
                     <a:srgbClr val="000000"/>
                   </a:solidFill>
@@ -33676,7 +33570,7 @@
             </a:ln>
             <a:extLst>
               <a:ext uri="{91240B29-F687-4f45-9708-019B960494DF}">
-                <a14:hiddenLine xmlns="" xmlns:a16="http://schemas.microsoft.com/office/drawing/2014/main" xmlns:p14="http://schemas.microsoft.com/office/powerpoint/2010/main" xmlns:a14="http://schemas.microsoft.com/office/drawing/2010/main" w="9525">
+                <a14:hiddenLine xmlns:a14="http://schemas.microsoft.com/office/drawing/2010/main" xmlns:p14="http://schemas.microsoft.com/office/powerpoint/2010/main" xmlns:a16="http://schemas.microsoft.com/office/drawing/2014/main" xmlns="" w="9525">
                   <a:solidFill>
                     <a:srgbClr val="000000"/>
                   </a:solidFill>
@@ -33753,7 +33647,7 @@
             </a:ln>
             <a:extLst>
               <a:ext uri="{91240B29-F687-4f45-9708-019B960494DF}">
-                <a14:hiddenLine xmlns="" xmlns:a16="http://schemas.microsoft.com/office/drawing/2014/main" xmlns:p14="http://schemas.microsoft.com/office/powerpoint/2010/main" xmlns:a14="http://schemas.microsoft.com/office/drawing/2010/main" w="9525">
+                <a14:hiddenLine xmlns:a14="http://schemas.microsoft.com/office/drawing/2010/main" xmlns:p14="http://schemas.microsoft.com/office/powerpoint/2010/main" xmlns:a16="http://schemas.microsoft.com/office/drawing/2014/main" xmlns="" w="9525">
                   <a:solidFill>
                     <a:srgbClr val="000000"/>
                   </a:solidFill>
@@ -33830,7 +33724,7 @@
             </a:ln>
             <a:extLst>
               <a:ext uri="{91240B29-F687-4f45-9708-019B960494DF}">
-                <a14:hiddenLine xmlns="" xmlns:a16="http://schemas.microsoft.com/office/drawing/2014/main" xmlns:p14="http://schemas.microsoft.com/office/powerpoint/2010/main" xmlns:a14="http://schemas.microsoft.com/office/drawing/2010/main" w="9525">
+                <a14:hiddenLine xmlns:a14="http://schemas.microsoft.com/office/drawing/2010/main" xmlns:p14="http://schemas.microsoft.com/office/powerpoint/2010/main" xmlns:a16="http://schemas.microsoft.com/office/drawing/2014/main" xmlns="" w="9525">
                   <a:solidFill>
                     <a:srgbClr val="000000"/>
                   </a:solidFill>
@@ -33935,7 +33829,7 @@
             </a:ln>
             <a:extLst>
               <a:ext uri="{91240B29-F687-4f45-9708-019B960494DF}">
-                <a14:hiddenLine xmlns="" xmlns:a16="http://schemas.microsoft.com/office/drawing/2014/main" xmlns:p14="http://schemas.microsoft.com/office/powerpoint/2010/main" xmlns:a14="http://schemas.microsoft.com/office/drawing/2010/main" w="9525">
+                <a14:hiddenLine xmlns:a14="http://schemas.microsoft.com/office/drawing/2010/main" xmlns:p14="http://schemas.microsoft.com/office/powerpoint/2010/main" xmlns:a16="http://schemas.microsoft.com/office/drawing/2014/main" xmlns="" w="9525">
                   <a:solidFill>
                     <a:srgbClr val="000000"/>
                   </a:solidFill>
@@ -34040,7 +33934,7 @@
             </a:ln>
             <a:extLst>
               <a:ext uri="{91240B29-F687-4f45-9708-019B960494DF}">
-                <a14:hiddenLine xmlns="" xmlns:a16="http://schemas.microsoft.com/office/drawing/2014/main" xmlns:p14="http://schemas.microsoft.com/office/powerpoint/2010/main" xmlns:a14="http://schemas.microsoft.com/office/drawing/2010/main" w="9525">
+                <a14:hiddenLine xmlns:a14="http://schemas.microsoft.com/office/drawing/2010/main" xmlns:p14="http://schemas.microsoft.com/office/powerpoint/2010/main" xmlns:a16="http://schemas.microsoft.com/office/drawing/2014/main" xmlns="" w="9525">
                   <a:solidFill>
                     <a:srgbClr val="000000"/>
                   </a:solidFill>
@@ -34117,7 +34011,7 @@
             </a:ln>
             <a:extLst>
               <a:ext uri="{91240B29-F687-4f45-9708-019B960494DF}">
-                <a14:hiddenLine xmlns="" xmlns:a16="http://schemas.microsoft.com/office/drawing/2014/main" xmlns:p14="http://schemas.microsoft.com/office/powerpoint/2010/main" xmlns:a14="http://schemas.microsoft.com/office/drawing/2010/main" w="9525">
+                <a14:hiddenLine xmlns:a14="http://schemas.microsoft.com/office/drawing/2010/main" xmlns:p14="http://schemas.microsoft.com/office/powerpoint/2010/main" xmlns:a16="http://schemas.microsoft.com/office/drawing/2014/main" xmlns="" w="9525">
                   <a:solidFill>
                     <a:srgbClr val="000000"/>
                   </a:solidFill>
@@ -34242,7 +34136,7 @@
             </a:ln>
             <a:extLst>
               <a:ext uri="{91240B29-F687-4f45-9708-019B960494DF}">
-                <a14:hiddenLine xmlns="" xmlns:a16="http://schemas.microsoft.com/office/drawing/2014/main" xmlns:p14="http://schemas.microsoft.com/office/powerpoint/2010/main" xmlns:a14="http://schemas.microsoft.com/office/drawing/2010/main" w="9525">
+                <a14:hiddenLine xmlns:a14="http://schemas.microsoft.com/office/drawing/2010/main" xmlns:p14="http://schemas.microsoft.com/office/powerpoint/2010/main" xmlns:a16="http://schemas.microsoft.com/office/drawing/2014/main" xmlns="" w="9525">
                   <a:solidFill>
                     <a:srgbClr val="000000"/>
                   </a:solidFill>
@@ -34319,7 +34213,7 @@
             </a:ln>
             <a:extLst>
               <a:ext uri="{91240B29-F687-4f45-9708-019B960494DF}">
-                <a14:hiddenLine xmlns="" xmlns:a16="http://schemas.microsoft.com/office/drawing/2014/main" xmlns:p14="http://schemas.microsoft.com/office/powerpoint/2010/main" xmlns:a14="http://schemas.microsoft.com/office/drawing/2010/main" w="9525">
+                <a14:hiddenLine xmlns:a14="http://schemas.microsoft.com/office/drawing/2010/main" xmlns:p14="http://schemas.microsoft.com/office/powerpoint/2010/main" xmlns:a16="http://schemas.microsoft.com/office/drawing/2014/main" xmlns="" w="9525">
                   <a:solidFill>
                     <a:srgbClr val="000000"/>
                   </a:solidFill>
@@ -34424,7 +34318,7 @@
             </a:ln>
             <a:extLst>
               <a:ext uri="{91240B29-F687-4f45-9708-019B960494DF}">
-                <a14:hiddenLine xmlns="" xmlns:a16="http://schemas.microsoft.com/office/drawing/2014/main" xmlns:p14="http://schemas.microsoft.com/office/powerpoint/2010/main" xmlns:a14="http://schemas.microsoft.com/office/drawing/2010/main" w="9525">
+                <a14:hiddenLine xmlns:a14="http://schemas.microsoft.com/office/drawing/2010/main" xmlns:p14="http://schemas.microsoft.com/office/powerpoint/2010/main" xmlns:a16="http://schemas.microsoft.com/office/drawing/2014/main" xmlns="" w="9525">
                   <a:solidFill>
                     <a:srgbClr val="000000"/>
                   </a:solidFill>
@@ -34529,7 +34423,7 @@
             </a:ln>
             <a:extLst>
               <a:ext uri="{91240B29-F687-4f45-9708-019B960494DF}">
-                <a14:hiddenLine xmlns="" xmlns:a16="http://schemas.microsoft.com/office/drawing/2014/main" xmlns:p14="http://schemas.microsoft.com/office/powerpoint/2010/main" xmlns:a14="http://schemas.microsoft.com/office/drawing/2010/main" w="9525">
+                <a14:hiddenLine xmlns:a14="http://schemas.microsoft.com/office/drawing/2010/main" xmlns:p14="http://schemas.microsoft.com/office/powerpoint/2010/main" xmlns:a16="http://schemas.microsoft.com/office/drawing/2014/main" xmlns="" w="9525">
                   <a:solidFill>
                     <a:srgbClr val="000000"/>
                   </a:solidFill>
@@ -34606,7 +34500,7 @@
             </a:ln>
             <a:extLst>
               <a:ext uri="{91240B29-F687-4f45-9708-019B960494DF}">
-                <a14:hiddenLine xmlns="" xmlns:a16="http://schemas.microsoft.com/office/drawing/2014/main" xmlns:p14="http://schemas.microsoft.com/office/powerpoint/2010/main" xmlns:a14="http://schemas.microsoft.com/office/drawing/2010/main" w="9525">
+                <a14:hiddenLine xmlns:a14="http://schemas.microsoft.com/office/drawing/2010/main" xmlns:p14="http://schemas.microsoft.com/office/powerpoint/2010/main" xmlns:a16="http://schemas.microsoft.com/office/drawing/2014/main" xmlns="" w="9525">
                   <a:solidFill>
                     <a:srgbClr val="000000"/>
                   </a:solidFill>
@@ -34711,7 +34605,7 @@
             </a:ln>
             <a:extLst>
               <a:ext uri="{91240B29-F687-4f45-9708-019B960494DF}">
-                <a14:hiddenLine xmlns="" xmlns:a16="http://schemas.microsoft.com/office/drawing/2014/main" xmlns:p14="http://schemas.microsoft.com/office/powerpoint/2010/main" xmlns:a14="http://schemas.microsoft.com/office/drawing/2010/main" w="9525">
+                <a14:hiddenLine xmlns:a14="http://schemas.microsoft.com/office/drawing/2010/main" xmlns:p14="http://schemas.microsoft.com/office/powerpoint/2010/main" xmlns:a16="http://schemas.microsoft.com/office/drawing/2014/main" xmlns="" w="9525">
                   <a:solidFill>
                     <a:srgbClr val="000000"/>
                   </a:solidFill>
@@ -34816,7 +34710,7 @@
             </a:ln>
             <a:extLst>
               <a:ext uri="{91240B29-F687-4f45-9708-019B960494DF}">
-                <a14:hiddenLine xmlns="" xmlns:a16="http://schemas.microsoft.com/office/drawing/2014/main" xmlns:p14="http://schemas.microsoft.com/office/powerpoint/2010/main" xmlns:a14="http://schemas.microsoft.com/office/drawing/2010/main" w="9525">
+                <a14:hiddenLine xmlns:a14="http://schemas.microsoft.com/office/drawing/2010/main" xmlns:p14="http://schemas.microsoft.com/office/powerpoint/2010/main" xmlns:a16="http://schemas.microsoft.com/office/drawing/2014/main" xmlns="" w="9525">
                   <a:solidFill>
                     <a:srgbClr val="000000"/>
                   </a:solidFill>
@@ -34887,7 +34781,7 @@
             </a:ln>
             <a:extLst>
               <a:ext uri="{91240B29-F687-4f45-9708-019B960494DF}">
-                <a14:hiddenLine xmlns="" xmlns:a16="http://schemas.microsoft.com/office/drawing/2014/main" xmlns:p14="http://schemas.microsoft.com/office/powerpoint/2010/main" xmlns:a14="http://schemas.microsoft.com/office/drawing/2010/main" w="9525">
+                <a14:hiddenLine xmlns:a14="http://schemas.microsoft.com/office/drawing/2010/main" xmlns:p14="http://schemas.microsoft.com/office/powerpoint/2010/main" xmlns:a16="http://schemas.microsoft.com/office/drawing/2014/main" xmlns="" w="9525">
                   <a:solidFill>
                     <a:srgbClr val="000000"/>
                   </a:solidFill>
@@ -34992,7 +34886,7 @@
             </a:ln>
             <a:extLst>
               <a:ext uri="{91240B29-F687-4f45-9708-019B960494DF}">
-                <a14:hiddenLine xmlns="" xmlns:a16="http://schemas.microsoft.com/office/drawing/2014/main" xmlns:p14="http://schemas.microsoft.com/office/powerpoint/2010/main" xmlns:a14="http://schemas.microsoft.com/office/drawing/2010/main" w="9525">
+                <a14:hiddenLine xmlns:a14="http://schemas.microsoft.com/office/drawing/2010/main" xmlns:p14="http://schemas.microsoft.com/office/powerpoint/2010/main" xmlns:a16="http://schemas.microsoft.com/office/drawing/2014/main" xmlns="" w="9525">
                   <a:solidFill>
                     <a:srgbClr val="000000"/>
                   </a:solidFill>
@@ -35063,7 +34957,7 @@
             </a:ln>
             <a:extLst>
               <a:ext uri="{91240B29-F687-4f45-9708-019B960494DF}">
-                <a14:hiddenLine xmlns="" xmlns:a16="http://schemas.microsoft.com/office/drawing/2014/main" xmlns:p14="http://schemas.microsoft.com/office/powerpoint/2010/main" xmlns:a14="http://schemas.microsoft.com/office/drawing/2010/main" w="9525">
+                <a14:hiddenLine xmlns:a14="http://schemas.microsoft.com/office/drawing/2010/main" xmlns:p14="http://schemas.microsoft.com/office/powerpoint/2010/main" xmlns:a16="http://schemas.microsoft.com/office/drawing/2014/main" xmlns="" w="9525">
                   <a:solidFill>
                     <a:srgbClr val="000000"/>
                   </a:solidFill>
@@ -35168,7 +35062,7 @@
             </a:ln>
             <a:extLst>
               <a:ext uri="{91240B29-F687-4f45-9708-019B960494DF}">
-                <a14:hiddenLine xmlns="" xmlns:a16="http://schemas.microsoft.com/office/drawing/2014/main" xmlns:p14="http://schemas.microsoft.com/office/powerpoint/2010/main" xmlns:a14="http://schemas.microsoft.com/office/drawing/2010/main" w="9525">
+                <a14:hiddenLine xmlns:a14="http://schemas.microsoft.com/office/drawing/2010/main" xmlns:p14="http://schemas.microsoft.com/office/powerpoint/2010/main" xmlns:a16="http://schemas.microsoft.com/office/drawing/2014/main" xmlns="" w="9525">
                   <a:solidFill>
                     <a:srgbClr val="000000"/>
                   </a:solidFill>
@@ -35251,7 +35145,7 @@
             </a:ln>
             <a:extLst>
               <a:ext uri="{91240B29-F687-4f45-9708-019B960494DF}">
-                <a14:hiddenLine xmlns="" xmlns:a16="http://schemas.microsoft.com/office/drawing/2014/main" xmlns:p14="http://schemas.microsoft.com/office/powerpoint/2010/main" xmlns:a14="http://schemas.microsoft.com/office/drawing/2010/main" w="9525">
+                <a14:hiddenLine xmlns:a14="http://schemas.microsoft.com/office/drawing/2010/main" xmlns:p14="http://schemas.microsoft.com/office/powerpoint/2010/main" xmlns:a16="http://schemas.microsoft.com/office/drawing/2014/main" xmlns="" w="9525">
                   <a:solidFill>
                     <a:srgbClr val="000000"/>
                   </a:solidFill>
@@ -35356,7 +35250,7 @@
             </a:ln>
             <a:extLst>
               <a:ext uri="{91240B29-F687-4f45-9708-019B960494DF}">
-                <a14:hiddenLine xmlns="" xmlns:a16="http://schemas.microsoft.com/office/drawing/2014/main" xmlns:p14="http://schemas.microsoft.com/office/powerpoint/2010/main" xmlns:a14="http://schemas.microsoft.com/office/drawing/2010/main" w="9525">
+                <a14:hiddenLine xmlns:a14="http://schemas.microsoft.com/office/drawing/2010/main" xmlns:p14="http://schemas.microsoft.com/office/powerpoint/2010/main" xmlns:a16="http://schemas.microsoft.com/office/drawing/2014/main" xmlns="" w="9525">
                   <a:solidFill>
                     <a:srgbClr val="000000"/>
                   </a:solidFill>
@@ -35439,7 +35333,7 @@
             </a:ln>
             <a:extLst>
               <a:ext uri="{91240B29-F687-4f45-9708-019B960494DF}">
-                <a14:hiddenLine xmlns="" xmlns:a16="http://schemas.microsoft.com/office/drawing/2014/main" xmlns:p14="http://schemas.microsoft.com/office/powerpoint/2010/main" xmlns:a14="http://schemas.microsoft.com/office/drawing/2010/main" w="9525">
+                <a14:hiddenLine xmlns:a14="http://schemas.microsoft.com/office/drawing/2010/main" xmlns:p14="http://schemas.microsoft.com/office/powerpoint/2010/main" xmlns:a16="http://schemas.microsoft.com/office/drawing/2014/main" xmlns="" w="9525">
                   <a:solidFill>
                     <a:srgbClr val="000000"/>
                   </a:solidFill>
@@ -35544,7 +35438,7 @@
             </a:ln>
             <a:extLst>
               <a:ext uri="{91240B29-F687-4f45-9708-019B960494DF}">
-                <a14:hiddenLine xmlns="" xmlns:a16="http://schemas.microsoft.com/office/drawing/2014/main" xmlns:p14="http://schemas.microsoft.com/office/powerpoint/2010/main" xmlns:a14="http://schemas.microsoft.com/office/drawing/2010/main" w="9525">
+                <a14:hiddenLine xmlns:a14="http://schemas.microsoft.com/office/drawing/2010/main" xmlns:p14="http://schemas.microsoft.com/office/powerpoint/2010/main" xmlns:a16="http://schemas.microsoft.com/office/drawing/2014/main" xmlns="" w="9525">
                   <a:solidFill>
                     <a:srgbClr val="000000"/>
                   </a:solidFill>
@@ -35593,7 +35487,7 @@
             </a:ln>
             <a:extLst>
               <a:ext uri="{91240B29-F687-4f45-9708-019B960494DF}">
-                <a14:hiddenLine xmlns="" xmlns:a16="http://schemas.microsoft.com/office/drawing/2014/main" xmlns:p14="http://schemas.microsoft.com/office/powerpoint/2010/main" xmlns:a14="http://schemas.microsoft.com/office/drawing/2010/main" w="9525">
+                <a14:hiddenLine xmlns:a14="http://schemas.microsoft.com/office/drawing/2010/main" xmlns:p14="http://schemas.microsoft.com/office/powerpoint/2010/main" xmlns:a16="http://schemas.microsoft.com/office/drawing/2014/main" xmlns="" w="9525">
                   <a:solidFill>
                     <a:srgbClr val="000000"/>
                   </a:solidFill>
@@ -35698,7 +35592,7 @@
             </a:ln>
             <a:extLst>
               <a:ext uri="{91240B29-F687-4f45-9708-019B960494DF}">
-                <a14:hiddenLine xmlns="" xmlns:a16="http://schemas.microsoft.com/office/drawing/2014/main" xmlns:p14="http://schemas.microsoft.com/office/powerpoint/2010/main" xmlns:a14="http://schemas.microsoft.com/office/drawing/2010/main" w="9525">
+                <a14:hiddenLine xmlns:a14="http://schemas.microsoft.com/office/drawing/2010/main" xmlns:p14="http://schemas.microsoft.com/office/powerpoint/2010/main" xmlns:a16="http://schemas.microsoft.com/office/drawing/2014/main" xmlns="" w="9525">
                   <a:solidFill>
                     <a:srgbClr val="000000"/>
                   </a:solidFill>
@@ -35775,7 +35669,7 @@
             </a:ln>
             <a:extLst>
               <a:ext uri="{91240B29-F687-4f45-9708-019B960494DF}">
-                <a14:hiddenLine xmlns="" xmlns:a16="http://schemas.microsoft.com/office/drawing/2014/main" xmlns:p14="http://schemas.microsoft.com/office/powerpoint/2010/main" xmlns:a14="http://schemas.microsoft.com/office/drawing/2010/main" w="9525">
+                <a14:hiddenLine xmlns:a14="http://schemas.microsoft.com/office/drawing/2010/main" xmlns:p14="http://schemas.microsoft.com/office/powerpoint/2010/main" xmlns:a16="http://schemas.microsoft.com/office/drawing/2014/main" xmlns="" w="9525">
                   <a:solidFill>
                     <a:srgbClr val="000000"/>
                   </a:solidFill>
@@ -35852,7 +35746,7 @@
             </a:ln>
             <a:extLst>
               <a:ext uri="{91240B29-F687-4f45-9708-019B960494DF}">
-                <a14:hiddenLine xmlns="" xmlns:a16="http://schemas.microsoft.com/office/drawing/2014/main" xmlns:p14="http://schemas.microsoft.com/office/powerpoint/2010/main" xmlns:a14="http://schemas.microsoft.com/office/drawing/2010/main" w="9525">
+                <a14:hiddenLine xmlns:a14="http://schemas.microsoft.com/office/drawing/2010/main" xmlns:p14="http://schemas.microsoft.com/office/powerpoint/2010/main" xmlns:a16="http://schemas.microsoft.com/office/drawing/2014/main" xmlns="" w="9525">
                   <a:solidFill>
                     <a:srgbClr val="000000"/>
                   </a:solidFill>
@@ -35957,7 +35851,7 @@
             </a:ln>
             <a:extLst>
               <a:ext uri="{91240B29-F687-4f45-9708-019B960494DF}">
-                <a14:hiddenLine xmlns="" xmlns:a16="http://schemas.microsoft.com/office/drawing/2014/main" xmlns:p14="http://schemas.microsoft.com/office/powerpoint/2010/main" xmlns:a14="http://schemas.microsoft.com/office/drawing/2010/main" w="9525">
+                <a14:hiddenLine xmlns:a14="http://schemas.microsoft.com/office/drawing/2010/main" xmlns:p14="http://schemas.microsoft.com/office/powerpoint/2010/main" xmlns:a16="http://schemas.microsoft.com/office/drawing/2014/main" xmlns="" w="9525">
                   <a:solidFill>
                     <a:srgbClr val="000000"/>
                   </a:solidFill>
@@ -36040,7 +35934,7 @@
             </a:ln>
             <a:extLst>
               <a:ext uri="{91240B29-F687-4f45-9708-019B960494DF}">
-                <a14:hiddenLine xmlns="" xmlns:a16="http://schemas.microsoft.com/office/drawing/2014/main" xmlns:p14="http://schemas.microsoft.com/office/powerpoint/2010/main" xmlns:a14="http://schemas.microsoft.com/office/drawing/2010/main" w="9525">
+                <a14:hiddenLine xmlns:a14="http://schemas.microsoft.com/office/drawing/2010/main" xmlns:p14="http://schemas.microsoft.com/office/powerpoint/2010/main" xmlns:a16="http://schemas.microsoft.com/office/drawing/2014/main" xmlns="" w="9525">
                   <a:solidFill>
                     <a:srgbClr val="000000"/>
                   </a:solidFill>
@@ -36117,7 +36011,7 @@
             </a:ln>
             <a:extLst>
               <a:ext uri="{91240B29-F687-4f45-9708-019B960494DF}">
-                <a14:hiddenLine xmlns="" xmlns:a16="http://schemas.microsoft.com/office/drawing/2014/main" xmlns:p14="http://schemas.microsoft.com/office/powerpoint/2010/main" xmlns:a14="http://schemas.microsoft.com/office/drawing/2010/main" w="9525">
+                <a14:hiddenLine xmlns:a14="http://schemas.microsoft.com/office/drawing/2010/main" xmlns:p14="http://schemas.microsoft.com/office/powerpoint/2010/main" xmlns:a16="http://schemas.microsoft.com/office/drawing/2014/main" xmlns="" w="9525">
                   <a:solidFill>
                     <a:srgbClr val="000000"/>
                   </a:solidFill>
@@ -36222,7 +36116,7 @@
             </a:ln>
             <a:extLst>
               <a:ext uri="{91240B29-F687-4f45-9708-019B960494DF}">
-                <a14:hiddenLine xmlns="" xmlns:a16="http://schemas.microsoft.com/office/drawing/2014/main" xmlns:p14="http://schemas.microsoft.com/office/powerpoint/2010/main" xmlns:a14="http://schemas.microsoft.com/office/drawing/2010/main" w="9525">
+                <a14:hiddenLine xmlns:a14="http://schemas.microsoft.com/office/drawing/2010/main" xmlns:p14="http://schemas.microsoft.com/office/powerpoint/2010/main" xmlns:a16="http://schemas.microsoft.com/office/drawing/2014/main" xmlns="" w="9525">
                   <a:solidFill>
                     <a:srgbClr val="000000"/>
                   </a:solidFill>
@@ -36299,7 +36193,7 @@
             </a:ln>
             <a:extLst>
               <a:ext uri="{91240B29-F687-4f45-9708-019B960494DF}">
-                <a14:hiddenLine xmlns="" xmlns:a16="http://schemas.microsoft.com/office/drawing/2014/main" xmlns:p14="http://schemas.microsoft.com/office/powerpoint/2010/main" xmlns:a14="http://schemas.microsoft.com/office/drawing/2010/main" w="9525">
+                <a14:hiddenLine xmlns:a14="http://schemas.microsoft.com/office/drawing/2010/main" xmlns:p14="http://schemas.microsoft.com/office/powerpoint/2010/main" xmlns:a16="http://schemas.microsoft.com/office/drawing/2014/main" xmlns="" w="9525">
                   <a:solidFill>
                     <a:srgbClr val="000000"/>
                   </a:solidFill>
@@ -36404,7 +36298,7 @@
             </a:ln>
             <a:extLst>
               <a:ext uri="{91240B29-F687-4f45-9708-019B960494DF}">
-                <a14:hiddenLine xmlns="" xmlns:a16="http://schemas.microsoft.com/office/drawing/2014/main" xmlns:p14="http://schemas.microsoft.com/office/powerpoint/2010/main" xmlns:a14="http://schemas.microsoft.com/office/drawing/2010/main" w="9525">
+                <a14:hiddenLine xmlns:a14="http://schemas.microsoft.com/office/drawing/2010/main" xmlns:p14="http://schemas.microsoft.com/office/powerpoint/2010/main" xmlns:a16="http://schemas.microsoft.com/office/drawing/2014/main" xmlns="" w="9525">
                   <a:solidFill>
                     <a:srgbClr val="000000"/>
                   </a:solidFill>
@@ -36481,7 +36375,7 @@
             </a:ln>
             <a:extLst>
               <a:ext uri="{91240B29-F687-4f45-9708-019B960494DF}">
-                <a14:hiddenLine xmlns="" xmlns:a16="http://schemas.microsoft.com/office/drawing/2014/main" xmlns:p14="http://schemas.microsoft.com/office/powerpoint/2010/main" xmlns:a14="http://schemas.microsoft.com/office/drawing/2010/main" w="9525">
+                <a14:hiddenLine xmlns:a14="http://schemas.microsoft.com/office/drawing/2010/main" xmlns:p14="http://schemas.microsoft.com/office/powerpoint/2010/main" xmlns:a16="http://schemas.microsoft.com/office/drawing/2014/main" xmlns="" w="9525">
                   <a:solidFill>
                     <a:srgbClr val="000000"/>
                   </a:solidFill>
@@ -36586,7 +36480,7 @@
             </a:ln>
             <a:extLst>
               <a:ext uri="{91240B29-F687-4f45-9708-019B960494DF}">
-                <a14:hiddenLine xmlns="" xmlns:a16="http://schemas.microsoft.com/office/drawing/2014/main" xmlns:p14="http://schemas.microsoft.com/office/powerpoint/2010/main" xmlns:a14="http://schemas.microsoft.com/office/drawing/2010/main" w="9525">
+                <a14:hiddenLine xmlns:a14="http://schemas.microsoft.com/office/drawing/2010/main" xmlns:p14="http://schemas.microsoft.com/office/powerpoint/2010/main" xmlns:a16="http://schemas.microsoft.com/office/drawing/2014/main" xmlns="" w="9525">
                   <a:solidFill>
                     <a:srgbClr val="000000"/>
                   </a:solidFill>
@@ -36635,7 +36529,7 @@
             </a:ln>
             <a:extLst>
               <a:ext uri="{91240B29-F687-4f45-9708-019B960494DF}">
-                <a14:hiddenLine xmlns="" xmlns:a16="http://schemas.microsoft.com/office/drawing/2014/main" xmlns:p14="http://schemas.microsoft.com/office/powerpoint/2010/main" xmlns:a14="http://schemas.microsoft.com/office/drawing/2010/main" w="9525">
+                <a14:hiddenLine xmlns:a14="http://schemas.microsoft.com/office/drawing/2010/main" xmlns:p14="http://schemas.microsoft.com/office/powerpoint/2010/main" xmlns:a16="http://schemas.microsoft.com/office/drawing/2014/main" xmlns="" w="9525">
                   <a:solidFill>
                     <a:srgbClr val="000000"/>
                   </a:solidFill>
@@ -36715,7 +36609,7 @@
             </a:ln>
             <a:extLst>
               <a:ext uri="{91240B29-F687-4f45-9708-019B960494DF}">
-                <a14:hiddenLine xmlns="" xmlns:a16="http://schemas.microsoft.com/office/drawing/2014/main" xmlns:p14="http://schemas.microsoft.com/office/powerpoint/2010/main" xmlns:a14="http://schemas.microsoft.com/office/drawing/2010/main" w="9525">
+                <a14:hiddenLine xmlns:a14="http://schemas.microsoft.com/office/drawing/2010/main" xmlns:p14="http://schemas.microsoft.com/office/powerpoint/2010/main" xmlns:a16="http://schemas.microsoft.com/office/drawing/2014/main" xmlns="" w="9525">
                   <a:solidFill>
                     <a:srgbClr val="000000"/>
                   </a:solidFill>
@@ -36820,7 +36714,7 @@
             </a:ln>
             <a:extLst>
               <a:ext uri="{91240B29-F687-4f45-9708-019B960494DF}">
-                <a14:hiddenLine xmlns="" xmlns:a16="http://schemas.microsoft.com/office/drawing/2014/main" xmlns:p14="http://schemas.microsoft.com/office/powerpoint/2010/main" xmlns:a14="http://schemas.microsoft.com/office/drawing/2010/main" w="9525">
+                <a14:hiddenLine xmlns:a14="http://schemas.microsoft.com/office/drawing/2010/main" xmlns:p14="http://schemas.microsoft.com/office/powerpoint/2010/main" xmlns:a16="http://schemas.microsoft.com/office/drawing/2014/main" xmlns="" w="9525">
                   <a:solidFill>
                     <a:srgbClr val="000000"/>
                   </a:solidFill>
@@ -36897,7 +36791,7 @@
             </a:ln>
             <a:extLst>
               <a:ext uri="{91240B29-F687-4f45-9708-019B960494DF}">
-                <a14:hiddenLine xmlns="" xmlns:a16="http://schemas.microsoft.com/office/drawing/2014/main" xmlns:p14="http://schemas.microsoft.com/office/powerpoint/2010/main" xmlns:a14="http://schemas.microsoft.com/office/drawing/2010/main" w="9525">
+                <a14:hiddenLine xmlns:a14="http://schemas.microsoft.com/office/drawing/2010/main" xmlns:p14="http://schemas.microsoft.com/office/powerpoint/2010/main" xmlns:a16="http://schemas.microsoft.com/office/drawing/2014/main" xmlns="" w="9525">
                   <a:solidFill>
                     <a:srgbClr val="000000"/>
                   </a:solidFill>
@@ -37002,7 +36896,7 @@
             </a:ln>
             <a:extLst>
               <a:ext uri="{91240B29-F687-4f45-9708-019B960494DF}">
-                <a14:hiddenLine xmlns="" xmlns:a16="http://schemas.microsoft.com/office/drawing/2014/main" xmlns:p14="http://schemas.microsoft.com/office/powerpoint/2010/main" xmlns:a14="http://schemas.microsoft.com/office/drawing/2010/main" w="9525">
+                <a14:hiddenLine xmlns:a14="http://schemas.microsoft.com/office/drawing/2010/main" xmlns:p14="http://schemas.microsoft.com/office/powerpoint/2010/main" xmlns:a16="http://schemas.microsoft.com/office/drawing/2014/main" xmlns="" w="9525">
                   <a:solidFill>
                     <a:srgbClr val="000000"/>
                   </a:solidFill>
@@ -37107,7 +37001,7 @@
             </a:ln>
             <a:extLst>
               <a:ext uri="{91240B29-F687-4f45-9708-019B960494DF}">
-                <a14:hiddenLine xmlns="" xmlns:a16="http://schemas.microsoft.com/office/drawing/2014/main" xmlns:p14="http://schemas.microsoft.com/office/powerpoint/2010/main" xmlns:a14="http://schemas.microsoft.com/office/drawing/2010/main" w="9525">
+                <a14:hiddenLine xmlns:a14="http://schemas.microsoft.com/office/drawing/2010/main" xmlns:p14="http://schemas.microsoft.com/office/powerpoint/2010/main" xmlns:a16="http://schemas.microsoft.com/office/drawing/2014/main" xmlns="" w="9525">
                   <a:solidFill>
                     <a:srgbClr val="000000"/>
                   </a:solidFill>
@@ -37187,7 +37081,7 @@
             </a:ln>
             <a:extLst>
               <a:ext uri="{91240B29-F687-4f45-9708-019B960494DF}">
-                <a14:hiddenLine xmlns="" xmlns:a16="http://schemas.microsoft.com/office/drawing/2014/main" xmlns:p14="http://schemas.microsoft.com/office/powerpoint/2010/main" xmlns:a14="http://schemas.microsoft.com/office/drawing/2010/main" w="9525">
+                <a14:hiddenLine xmlns:a14="http://schemas.microsoft.com/office/drawing/2010/main" xmlns:p14="http://schemas.microsoft.com/office/powerpoint/2010/main" xmlns:a16="http://schemas.microsoft.com/office/drawing/2014/main" xmlns="" w="9525">
                   <a:solidFill>
                     <a:srgbClr val="000000"/>
                   </a:solidFill>
@@ -37264,7 +37158,7 @@
             </a:ln>
             <a:extLst>
               <a:ext uri="{91240B29-F687-4f45-9708-019B960494DF}">
-                <a14:hiddenLine xmlns="" xmlns:a16="http://schemas.microsoft.com/office/drawing/2014/main" xmlns:p14="http://schemas.microsoft.com/office/powerpoint/2010/main" xmlns:a14="http://schemas.microsoft.com/office/drawing/2010/main" w="9525">
+                <a14:hiddenLine xmlns:a14="http://schemas.microsoft.com/office/drawing/2010/main" xmlns:p14="http://schemas.microsoft.com/office/powerpoint/2010/main" xmlns:a16="http://schemas.microsoft.com/office/drawing/2014/main" xmlns="" w="9525">
                   <a:solidFill>
                     <a:srgbClr val="000000"/>
                   </a:solidFill>
@@ -37369,7 +37263,7 @@
             </a:ln>
             <a:extLst>
               <a:ext uri="{91240B29-F687-4f45-9708-019B960494DF}">
-                <a14:hiddenLine xmlns="" xmlns:a16="http://schemas.microsoft.com/office/drawing/2014/main" xmlns:p14="http://schemas.microsoft.com/office/powerpoint/2010/main" xmlns:a14="http://schemas.microsoft.com/office/drawing/2010/main" w="9525">
+                <a14:hiddenLine xmlns:a14="http://schemas.microsoft.com/office/drawing/2010/main" xmlns:p14="http://schemas.microsoft.com/office/powerpoint/2010/main" xmlns:a16="http://schemas.microsoft.com/office/drawing/2014/main" xmlns="" w="9525">
                   <a:solidFill>
                     <a:srgbClr val="000000"/>
                   </a:solidFill>
@@ -37474,7 +37368,7 @@
             </a:ln>
             <a:extLst>
               <a:ext uri="{91240B29-F687-4f45-9708-019B960494DF}">
-                <a14:hiddenLine xmlns="" xmlns:a16="http://schemas.microsoft.com/office/drawing/2014/main" xmlns:p14="http://schemas.microsoft.com/office/powerpoint/2010/main" xmlns:a14="http://schemas.microsoft.com/office/drawing/2010/main" w="9525">
+                <a14:hiddenLine xmlns:a14="http://schemas.microsoft.com/office/drawing/2010/main" xmlns:p14="http://schemas.microsoft.com/office/powerpoint/2010/main" xmlns:a16="http://schemas.microsoft.com/office/drawing/2014/main" xmlns="" w="9525">
                   <a:solidFill>
                     <a:srgbClr val="000000"/>
                   </a:solidFill>
@@ -37551,7 +37445,7 @@
             </a:ln>
             <a:extLst>
               <a:ext uri="{91240B29-F687-4f45-9708-019B960494DF}">
-                <a14:hiddenLine xmlns="" xmlns:a16="http://schemas.microsoft.com/office/drawing/2014/main" xmlns:p14="http://schemas.microsoft.com/office/powerpoint/2010/main" xmlns:a14="http://schemas.microsoft.com/office/drawing/2010/main" w="9525">
+                <a14:hiddenLine xmlns:a14="http://schemas.microsoft.com/office/drawing/2010/main" xmlns:p14="http://schemas.microsoft.com/office/powerpoint/2010/main" xmlns:a16="http://schemas.microsoft.com/office/drawing/2014/main" xmlns="" w="9525">
                   <a:solidFill>
                     <a:srgbClr val="000000"/>
                   </a:solidFill>
@@ -37686,7 +37580,7 @@
             </a:ln>
             <a:extLst>
               <a:ext uri="{91240B29-F687-4f45-9708-019B960494DF}">
-                <a14:hiddenLine xmlns="" xmlns:a16="http://schemas.microsoft.com/office/drawing/2014/main" xmlns:p14="http://schemas.microsoft.com/office/powerpoint/2010/main" xmlns:a14="http://schemas.microsoft.com/office/drawing/2010/main" w="9525">
+                <a14:hiddenLine xmlns:a14="http://schemas.microsoft.com/office/drawing/2010/main" xmlns:p14="http://schemas.microsoft.com/office/powerpoint/2010/main" xmlns:a16="http://schemas.microsoft.com/office/drawing/2014/main" xmlns="" w="9525">
                   <a:solidFill>
                     <a:srgbClr val="000000"/>
                   </a:solidFill>
@@ -37769,7 +37663,7 @@
             </a:ln>
             <a:extLst>
               <a:ext uri="{91240B29-F687-4f45-9708-019B960494DF}">
-                <a14:hiddenLine xmlns="" xmlns:a16="http://schemas.microsoft.com/office/drawing/2014/main" xmlns:p14="http://schemas.microsoft.com/office/powerpoint/2010/main" xmlns:a14="http://schemas.microsoft.com/office/drawing/2010/main" w="9525">
+                <a14:hiddenLine xmlns:a14="http://schemas.microsoft.com/office/drawing/2010/main" xmlns:p14="http://schemas.microsoft.com/office/powerpoint/2010/main" xmlns:a16="http://schemas.microsoft.com/office/drawing/2014/main" xmlns="" w="9525">
                   <a:solidFill>
                     <a:srgbClr val="000000"/>
                   </a:solidFill>
@@ -37874,7 +37768,7 @@
             </a:ln>
             <a:extLst>
               <a:ext uri="{91240B29-F687-4f45-9708-019B960494DF}">
-                <a14:hiddenLine xmlns="" xmlns:a16="http://schemas.microsoft.com/office/drawing/2014/main" xmlns:p14="http://schemas.microsoft.com/office/powerpoint/2010/main" xmlns:a14="http://schemas.microsoft.com/office/drawing/2010/main" w="9525">
+                <a14:hiddenLine xmlns:a14="http://schemas.microsoft.com/office/drawing/2010/main" xmlns:p14="http://schemas.microsoft.com/office/powerpoint/2010/main" xmlns:a16="http://schemas.microsoft.com/office/drawing/2014/main" xmlns="" w="9525">
                   <a:solidFill>
                     <a:srgbClr val="000000"/>
                   </a:solidFill>
@@ -38107,10 +38001,10 @@
         <mc:Choice xmlns:cx1="http://schemas.microsoft.com/office/drawing/2015/9/8/chartex" Requires="cx1">
           <p:graphicFrame>
             <p:nvGraphicFramePr>
-              <p:cNvPr id="9" name="Chart 8">
+              <p:cNvPr id="4" name="Chart 3">
                 <a:extLst>
                   <a:ext uri="{FF2B5EF4-FFF2-40B4-BE49-F238E27FC236}">
-                    <a16:creationId xmlns:a16="http://schemas.microsoft.com/office/drawing/2014/main" id="{92D8764E-1D16-4022-85A9-053637A30DB4}"/>
+                    <a16:creationId xmlns:a16="http://schemas.microsoft.com/office/drawing/2014/main" id="{41993BD7-3E4F-4913-9B97-43B1CCE81591}"/>
                   </a:ext>
                 </a:extLst>
               </p:cNvPr>
@@ -38118,14 +38012,14 @@
               <p:nvPr>
                 <p:extLst>
                   <p:ext uri="{D42A27DB-BD31-4B8C-83A1-F6EECF244321}">
-                    <p14:modId xmlns:p14="http://schemas.microsoft.com/office/powerpoint/2010/main" val="3102064683"/>
+                    <p14:modId xmlns:p14="http://schemas.microsoft.com/office/powerpoint/2010/main" val="3018470288"/>
                   </p:ext>
                 </p:extLst>
               </p:nvPr>
             </p:nvGraphicFramePr>
             <p:xfrm>
-              <a:off x="1000539" y="618519"/>
-              <a:ext cx="10046872" cy="5769030"/>
+              <a:off x="1338470" y="331303"/>
+              <a:ext cx="9708941" cy="6175513"/>
             </p:xfrm>
             <a:graphic>
               <a:graphicData uri="http://schemas.microsoft.com/office/drawing/2014/chartex">
@@ -38137,10 +38031,10 @@
         <mc:Fallback>
           <p:pic>
             <p:nvPicPr>
-              <p:cNvPr id="9" name="Chart 8">
+              <p:cNvPr id="4" name="Chart 3">
                 <a:extLst>
                   <a:ext uri="{FF2B5EF4-FFF2-40B4-BE49-F238E27FC236}">
-                    <a16:creationId xmlns:a16="http://schemas.microsoft.com/office/drawing/2014/main" id="{92D8764E-1D16-4022-85A9-053637A30DB4}"/>
+                    <a16:creationId xmlns:a16="http://schemas.microsoft.com/office/drawing/2014/main" id="{41993BD7-3E4F-4913-9B97-43B1CCE81591}"/>
                   </a:ext>
                 </a:extLst>
               </p:cNvPr>
@@ -38157,8 +38051,8 @@
             </p:blipFill>
             <p:spPr>
               <a:xfrm>
-                <a:off x="1000539" y="618519"/>
-                <a:ext cx="10046872" cy="5769030"/>
+                <a:off x="1338470" y="331303"/>
+                <a:ext cx="9708941" cy="6175513"/>
               </a:xfrm>
               <a:prstGeom prst="rect">
                 <a:avLst/>
@@ -38253,7 +38147,7 @@
           <a:noFill/>
           <a:extLst>
             <a:ext uri="{909E8E84-426E-40dd-AFC4-6F175D3DCCD1}">
-              <a14:hiddenFill xmlns="" xmlns:a16="http://schemas.microsoft.com/office/drawing/2014/main" xmlns:p14="http://schemas.microsoft.com/office/powerpoint/2010/main" xmlns:a14="http://schemas.microsoft.com/office/drawing/2010/main">
+              <a14:hiddenFill xmlns:a14="http://schemas.microsoft.com/office/drawing/2010/main" xmlns:p14="http://schemas.microsoft.com/office/powerpoint/2010/main" xmlns:a16="http://schemas.microsoft.com/office/drawing/2014/main" xmlns="">
                 <a:solidFill>
                   <a:srgbClr val="FFFFFF"/>
                 </a:solidFill>
@@ -38345,7 +38239,7 @@
             </a:ln>
             <a:extLst>
               <a:ext uri="{91240B29-F687-4f45-9708-019B960494DF}">
-                <a14:hiddenLine xmlns="" xmlns:a16="http://schemas.microsoft.com/office/drawing/2014/main" xmlns:p14="http://schemas.microsoft.com/office/powerpoint/2010/main" xmlns:a14="http://schemas.microsoft.com/office/drawing/2010/main" w="9525">
+                <a14:hiddenLine xmlns:a14="http://schemas.microsoft.com/office/drawing/2010/main" xmlns:p14="http://schemas.microsoft.com/office/powerpoint/2010/main" xmlns:a16="http://schemas.microsoft.com/office/drawing/2014/main" xmlns="" w="9525">
                   <a:solidFill>
                     <a:srgbClr val="000000"/>
                   </a:solidFill>
@@ -38450,7 +38344,7 @@
             </a:ln>
             <a:extLst>
               <a:ext uri="{91240B29-F687-4f45-9708-019B960494DF}">
-                <a14:hiddenLine xmlns="" xmlns:a16="http://schemas.microsoft.com/office/drawing/2014/main" xmlns:p14="http://schemas.microsoft.com/office/powerpoint/2010/main" xmlns:a14="http://schemas.microsoft.com/office/drawing/2010/main" w="9525">
+                <a14:hiddenLine xmlns:a14="http://schemas.microsoft.com/office/drawing/2010/main" xmlns:p14="http://schemas.microsoft.com/office/powerpoint/2010/main" xmlns:a16="http://schemas.microsoft.com/office/drawing/2014/main" xmlns="" w="9525">
                   <a:solidFill>
                     <a:srgbClr val="000000"/>
                   </a:solidFill>
@@ -38555,7 +38449,7 @@
             </a:ln>
             <a:extLst>
               <a:ext uri="{91240B29-F687-4f45-9708-019B960494DF}">
-                <a14:hiddenLine xmlns="" xmlns:a16="http://schemas.microsoft.com/office/drawing/2014/main" xmlns:p14="http://schemas.microsoft.com/office/powerpoint/2010/main" xmlns:a14="http://schemas.microsoft.com/office/drawing/2010/main" w="9525">
+                <a14:hiddenLine xmlns:a14="http://schemas.microsoft.com/office/drawing/2010/main" xmlns:p14="http://schemas.microsoft.com/office/powerpoint/2010/main" xmlns:a16="http://schemas.microsoft.com/office/drawing/2014/main" xmlns="" w="9525">
                   <a:solidFill>
                     <a:srgbClr val="000000"/>
                   </a:solidFill>
@@ -38604,7 +38498,7 @@
             </a:ln>
             <a:extLst>
               <a:ext uri="{91240B29-F687-4f45-9708-019B960494DF}">
-                <a14:hiddenLine xmlns="" xmlns:a16="http://schemas.microsoft.com/office/drawing/2014/main" xmlns:p14="http://schemas.microsoft.com/office/powerpoint/2010/main" xmlns:a14="http://schemas.microsoft.com/office/drawing/2010/main" w="9525">
+                <a14:hiddenLine xmlns:a14="http://schemas.microsoft.com/office/drawing/2010/main" xmlns:p14="http://schemas.microsoft.com/office/powerpoint/2010/main" xmlns:a16="http://schemas.microsoft.com/office/drawing/2014/main" xmlns="" w="9525">
                   <a:solidFill>
                     <a:srgbClr val="000000"/>
                   </a:solidFill>
@@ -38709,7 +38603,7 @@
             </a:ln>
             <a:extLst>
               <a:ext uri="{91240B29-F687-4f45-9708-019B960494DF}">
-                <a14:hiddenLine xmlns="" xmlns:a16="http://schemas.microsoft.com/office/drawing/2014/main" xmlns:p14="http://schemas.microsoft.com/office/powerpoint/2010/main" xmlns:a14="http://schemas.microsoft.com/office/drawing/2010/main" w="9525">
+                <a14:hiddenLine xmlns:a14="http://schemas.microsoft.com/office/drawing/2010/main" xmlns:p14="http://schemas.microsoft.com/office/powerpoint/2010/main" xmlns:a16="http://schemas.microsoft.com/office/drawing/2014/main" xmlns="" w="9525">
                   <a:solidFill>
                     <a:srgbClr val="000000"/>
                   </a:solidFill>
@@ -38786,7 +38680,7 @@
             </a:ln>
             <a:extLst>
               <a:ext uri="{91240B29-F687-4f45-9708-019B960494DF}">
-                <a14:hiddenLine xmlns="" xmlns:a16="http://schemas.microsoft.com/office/drawing/2014/main" xmlns:p14="http://schemas.microsoft.com/office/powerpoint/2010/main" xmlns:a14="http://schemas.microsoft.com/office/drawing/2010/main" w="9525">
+                <a14:hiddenLine xmlns:a14="http://schemas.microsoft.com/office/drawing/2010/main" xmlns:p14="http://schemas.microsoft.com/office/powerpoint/2010/main" xmlns:a16="http://schemas.microsoft.com/office/drawing/2014/main" xmlns="" w="9525">
                   <a:solidFill>
                     <a:srgbClr val="000000"/>
                   </a:solidFill>
@@ -38863,7 +38757,7 @@
             </a:ln>
             <a:extLst>
               <a:ext uri="{91240B29-F687-4f45-9708-019B960494DF}">
-                <a14:hiddenLine xmlns="" xmlns:a16="http://schemas.microsoft.com/office/drawing/2014/main" xmlns:p14="http://schemas.microsoft.com/office/powerpoint/2010/main" xmlns:a14="http://schemas.microsoft.com/office/drawing/2010/main" w="9525">
+                <a14:hiddenLine xmlns:a14="http://schemas.microsoft.com/office/drawing/2010/main" xmlns:p14="http://schemas.microsoft.com/office/powerpoint/2010/main" xmlns:a16="http://schemas.microsoft.com/office/drawing/2014/main" xmlns="" w="9525">
                   <a:solidFill>
                     <a:srgbClr val="000000"/>
                   </a:solidFill>
@@ -38968,7 +38862,7 @@
             </a:ln>
             <a:extLst>
               <a:ext uri="{91240B29-F687-4f45-9708-019B960494DF}">
-                <a14:hiddenLine xmlns="" xmlns:a16="http://schemas.microsoft.com/office/drawing/2014/main" xmlns:p14="http://schemas.microsoft.com/office/powerpoint/2010/main" xmlns:a14="http://schemas.microsoft.com/office/drawing/2010/main" w="9525">
+                <a14:hiddenLine xmlns:a14="http://schemas.microsoft.com/office/drawing/2010/main" xmlns:p14="http://schemas.microsoft.com/office/powerpoint/2010/main" xmlns:a16="http://schemas.microsoft.com/office/drawing/2014/main" xmlns="" w="9525">
                   <a:solidFill>
                     <a:srgbClr val="000000"/>
                   </a:solidFill>
@@ -39045,7 +38939,7 @@
             </a:ln>
             <a:extLst>
               <a:ext uri="{91240B29-F687-4f45-9708-019B960494DF}">
-                <a14:hiddenLine xmlns="" xmlns:a16="http://schemas.microsoft.com/office/drawing/2014/main" xmlns:p14="http://schemas.microsoft.com/office/powerpoint/2010/main" xmlns:a14="http://schemas.microsoft.com/office/drawing/2010/main" w="9525">
+                <a14:hiddenLine xmlns:a14="http://schemas.microsoft.com/office/drawing/2010/main" xmlns:p14="http://schemas.microsoft.com/office/powerpoint/2010/main" xmlns:a16="http://schemas.microsoft.com/office/drawing/2014/main" xmlns="" w="9525">
                   <a:solidFill>
                     <a:srgbClr val="000000"/>
                   </a:solidFill>
@@ -39122,7 +39016,7 @@
             </a:ln>
             <a:extLst>
               <a:ext uri="{91240B29-F687-4f45-9708-019B960494DF}">
-                <a14:hiddenLine xmlns="" xmlns:a16="http://schemas.microsoft.com/office/drawing/2014/main" xmlns:p14="http://schemas.microsoft.com/office/powerpoint/2010/main" xmlns:a14="http://schemas.microsoft.com/office/drawing/2010/main" w="9525">
+                <a14:hiddenLine xmlns:a14="http://schemas.microsoft.com/office/drawing/2010/main" xmlns:p14="http://schemas.microsoft.com/office/powerpoint/2010/main" xmlns:a16="http://schemas.microsoft.com/office/drawing/2014/main" xmlns="" w="9525">
                   <a:solidFill>
                     <a:srgbClr val="000000"/>
                   </a:solidFill>
@@ -39227,7 +39121,7 @@
             </a:ln>
             <a:extLst>
               <a:ext uri="{91240B29-F687-4f45-9708-019B960494DF}">
-                <a14:hiddenLine xmlns="" xmlns:a16="http://schemas.microsoft.com/office/drawing/2014/main" xmlns:p14="http://schemas.microsoft.com/office/powerpoint/2010/main" xmlns:a14="http://schemas.microsoft.com/office/drawing/2010/main" w="9525">
+                <a14:hiddenLine xmlns:a14="http://schemas.microsoft.com/office/drawing/2010/main" xmlns:p14="http://schemas.microsoft.com/office/powerpoint/2010/main" xmlns:a16="http://schemas.microsoft.com/office/drawing/2014/main" xmlns="" w="9525">
                   <a:solidFill>
                     <a:srgbClr val="000000"/>
                   </a:solidFill>
@@ -39332,7 +39226,7 @@
             </a:ln>
             <a:extLst>
               <a:ext uri="{91240B29-F687-4f45-9708-019B960494DF}">
-                <a14:hiddenLine xmlns="" xmlns:a16="http://schemas.microsoft.com/office/drawing/2014/main" xmlns:p14="http://schemas.microsoft.com/office/powerpoint/2010/main" xmlns:a14="http://schemas.microsoft.com/office/drawing/2010/main" w="9525">
+                <a14:hiddenLine xmlns:a14="http://schemas.microsoft.com/office/drawing/2010/main" xmlns:p14="http://schemas.microsoft.com/office/powerpoint/2010/main" xmlns:a16="http://schemas.microsoft.com/office/drawing/2014/main" xmlns="" w="9525">
                   <a:solidFill>
                     <a:srgbClr val="000000"/>
                   </a:solidFill>
@@ -39409,7 +39303,7 @@
             </a:ln>
             <a:extLst>
               <a:ext uri="{91240B29-F687-4f45-9708-019B960494DF}">
-                <a14:hiddenLine xmlns="" xmlns:a16="http://schemas.microsoft.com/office/drawing/2014/main" xmlns:p14="http://schemas.microsoft.com/office/powerpoint/2010/main" xmlns:a14="http://schemas.microsoft.com/office/drawing/2010/main" w="9525">
+                <a14:hiddenLine xmlns:a14="http://schemas.microsoft.com/office/drawing/2010/main" xmlns:p14="http://schemas.microsoft.com/office/powerpoint/2010/main" xmlns:a16="http://schemas.microsoft.com/office/drawing/2014/main" xmlns="" w="9525">
                   <a:solidFill>
                     <a:srgbClr val="000000"/>
                   </a:solidFill>
@@ -39534,7 +39428,7 @@
             </a:ln>
             <a:extLst>
               <a:ext uri="{91240B29-F687-4f45-9708-019B960494DF}">
-                <a14:hiddenLine xmlns="" xmlns:a16="http://schemas.microsoft.com/office/drawing/2014/main" xmlns:p14="http://schemas.microsoft.com/office/powerpoint/2010/main" xmlns:a14="http://schemas.microsoft.com/office/drawing/2010/main" w="9525">
+                <a14:hiddenLine xmlns:a14="http://schemas.microsoft.com/office/drawing/2010/main" xmlns:p14="http://schemas.microsoft.com/office/powerpoint/2010/main" xmlns:a16="http://schemas.microsoft.com/office/drawing/2014/main" xmlns="" w="9525">
                   <a:solidFill>
                     <a:srgbClr val="000000"/>
                   </a:solidFill>
@@ -39611,7 +39505,7 @@
             </a:ln>
             <a:extLst>
               <a:ext uri="{91240B29-F687-4f45-9708-019B960494DF}">
-                <a14:hiddenLine xmlns="" xmlns:a16="http://schemas.microsoft.com/office/drawing/2014/main" xmlns:p14="http://schemas.microsoft.com/office/powerpoint/2010/main" xmlns:a14="http://schemas.microsoft.com/office/drawing/2010/main" w="9525">
+                <a14:hiddenLine xmlns:a14="http://schemas.microsoft.com/office/drawing/2010/main" xmlns:p14="http://schemas.microsoft.com/office/powerpoint/2010/main" xmlns:a16="http://schemas.microsoft.com/office/drawing/2014/main" xmlns="" w="9525">
                   <a:solidFill>
                     <a:srgbClr val="000000"/>
                   </a:solidFill>
@@ -39716,7 +39610,7 @@
             </a:ln>
             <a:extLst>
               <a:ext uri="{91240B29-F687-4f45-9708-019B960494DF}">
-                <a14:hiddenLine xmlns="" xmlns:a16="http://schemas.microsoft.com/office/drawing/2014/main" xmlns:p14="http://schemas.microsoft.com/office/powerpoint/2010/main" xmlns:a14="http://schemas.microsoft.com/office/drawing/2010/main" w="9525">
+                <a14:hiddenLine xmlns:a14="http://schemas.microsoft.com/office/drawing/2010/main" xmlns:p14="http://schemas.microsoft.com/office/powerpoint/2010/main" xmlns:a16="http://schemas.microsoft.com/office/drawing/2014/main" xmlns="" w="9525">
                   <a:solidFill>
                     <a:srgbClr val="000000"/>
                   </a:solidFill>
@@ -39821,7 +39715,7 @@
             </a:ln>
             <a:extLst>
               <a:ext uri="{91240B29-F687-4f45-9708-019B960494DF}">
-                <a14:hiddenLine xmlns="" xmlns:a16="http://schemas.microsoft.com/office/drawing/2014/main" xmlns:p14="http://schemas.microsoft.com/office/powerpoint/2010/main" xmlns:a14="http://schemas.microsoft.com/office/drawing/2010/main" w="9525">
+                <a14:hiddenLine xmlns:a14="http://schemas.microsoft.com/office/drawing/2010/main" xmlns:p14="http://schemas.microsoft.com/office/powerpoint/2010/main" xmlns:a16="http://schemas.microsoft.com/office/drawing/2014/main" xmlns="" w="9525">
                   <a:solidFill>
                     <a:srgbClr val="000000"/>
                   </a:solidFill>
@@ -39898,7 +39792,7 @@
             </a:ln>
             <a:extLst>
               <a:ext uri="{91240B29-F687-4f45-9708-019B960494DF}">
-                <a14:hiddenLine xmlns="" xmlns:a16="http://schemas.microsoft.com/office/drawing/2014/main" xmlns:p14="http://schemas.microsoft.com/office/powerpoint/2010/main" xmlns:a14="http://schemas.microsoft.com/office/drawing/2010/main" w="9525">
+                <a14:hiddenLine xmlns:a14="http://schemas.microsoft.com/office/drawing/2010/main" xmlns:p14="http://schemas.microsoft.com/office/powerpoint/2010/main" xmlns:a16="http://schemas.microsoft.com/office/drawing/2014/main" xmlns="" w="9525">
                   <a:solidFill>
                     <a:srgbClr val="000000"/>
                   </a:solidFill>
@@ -40003,7 +39897,7 @@
             </a:ln>
             <a:extLst>
               <a:ext uri="{91240B29-F687-4f45-9708-019B960494DF}">
-                <a14:hiddenLine xmlns="" xmlns:a16="http://schemas.microsoft.com/office/drawing/2014/main" xmlns:p14="http://schemas.microsoft.com/office/powerpoint/2010/main" xmlns:a14="http://schemas.microsoft.com/office/drawing/2010/main" w="9525">
+                <a14:hiddenLine xmlns:a14="http://schemas.microsoft.com/office/drawing/2010/main" xmlns:p14="http://schemas.microsoft.com/office/powerpoint/2010/main" xmlns:a16="http://schemas.microsoft.com/office/drawing/2014/main" xmlns="" w="9525">
                   <a:solidFill>
                     <a:srgbClr val="000000"/>
                   </a:solidFill>
@@ -40108,7 +40002,7 @@
             </a:ln>
             <a:extLst>
               <a:ext uri="{91240B29-F687-4f45-9708-019B960494DF}">
-                <a14:hiddenLine xmlns="" xmlns:a16="http://schemas.microsoft.com/office/drawing/2014/main" xmlns:p14="http://schemas.microsoft.com/office/powerpoint/2010/main" xmlns:a14="http://schemas.microsoft.com/office/drawing/2010/main" w="9525">
+                <a14:hiddenLine xmlns:a14="http://schemas.microsoft.com/office/drawing/2010/main" xmlns:p14="http://schemas.microsoft.com/office/powerpoint/2010/main" xmlns:a16="http://schemas.microsoft.com/office/drawing/2014/main" xmlns="" w="9525">
                   <a:solidFill>
                     <a:srgbClr val="000000"/>
                   </a:solidFill>
@@ -40179,7 +40073,7 @@
             </a:ln>
             <a:extLst>
               <a:ext uri="{91240B29-F687-4f45-9708-019B960494DF}">
-                <a14:hiddenLine xmlns="" xmlns:a16="http://schemas.microsoft.com/office/drawing/2014/main" xmlns:p14="http://schemas.microsoft.com/office/powerpoint/2010/main" xmlns:a14="http://schemas.microsoft.com/office/drawing/2010/main" w="9525">
+                <a14:hiddenLine xmlns:a14="http://schemas.microsoft.com/office/drawing/2010/main" xmlns:p14="http://schemas.microsoft.com/office/powerpoint/2010/main" xmlns:a16="http://schemas.microsoft.com/office/drawing/2014/main" xmlns="" w="9525">
                   <a:solidFill>
                     <a:srgbClr val="000000"/>
                   </a:solidFill>
@@ -40284,7 +40178,7 @@
             </a:ln>
             <a:extLst>
               <a:ext uri="{91240B29-F687-4f45-9708-019B960494DF}">
-                <a14:hiddenLine xmlns="" xmlns:a16="http://schemas.microsoft.com/office/drawing/2014/main" xmlns:p14="http://schemas.microsoft.com/office/powerpoint/2010/main" xmlns:a14="http://schemas.microsoft.com/office/drawing/2010/main" w="9525">
+                <a14:hiddenLine xmlns:a14="http://schemas.microsoft.com/office/drawing/2010/main" xmlns:p14="http://schemas.microsoft.com/office/powerpoint/2010/main" xmlns:a16="http://schemas.microsoft.com/office/drawing/2014/main" xmlns="" w="9525">
                   <a:solidFill>
                     <a:srgbClr val="000000"/>
                   </a:solidFill>
@@ -40355,7 +40249,7 @@
             </a:ln>
             <a:extLst>
               <a:ext uri="{91240B29-F687-4f45-9708-019B960494DF}">
-                <a14:hiddenLine xmlns="" xmlns:a16="http://schemas.microsoft.com/office/drawing/2014/main" xmlns:p14="http://schemas.microsoft.com/office/powerpoint/2010/main" xmlns:a14="http://schemas.microsoft.com/office/drawing/2010/main" w="9525">
+                <a14:hiddenLine xmlns:a14="http://schemas.microsoft.com/office/drawing/2010/main" xmlns:p14="http://schemas.microsoft.com/office/powerpoint/2010/main" xmlns:a16="http://schemas.microsoft.com/office/drawing/2014/main" xmlns="" w="9525">
                   <a:solidFill>
                     <a:srgbClr val="000000"/>
                   </a:solidFill>
@@ -40460,7 +40354,7 @@
             </a:ln>
             <a:extLst>
               <a:ext uri="{91240B29-F687-4f45-9708-019B960494DF}">
-                <a14:hiddenLine xmlns="" xmlns:a16="http://schemas.microsoft.com/office/drawing/2014/main" xmlns:p14="http://schemas.microsoft.com/office/powerpoint/2010/main" xmlns:a14="http://schemas.microsoft.com/office/drawing/2010/main" w="9525">
+                <a14:hiddenLine xmlns:a14="http://schemas.microsoft.com/office/drawing/2010/main" xmlns:p14="http://schemas.microsoft.com/office/powerpoint/2010/main" xmlns:a16="http://schemas.microsoft.com/office/drawing/2014/main" xmlns="" w="9525">
                   <a:solidFill>
                     <a:srgbClr val="000000"/>
                   </a:solidFill>
@@ -40543,7 +40437,7 @@
             </a:ln>
             <a:extLst>
               <a:ext uri="{91240B29-F687-4f45-9708-019B960494DF}">
-                <a14:hiddenLine xmlns="" xmlns:a16="http://schemas.microsoft.com/office/drawing/2014/main" xmlns:p14="http://schemas.microsoft.com/office/powerpoint/2010/main" xmlns:a14="http://schemas.microsoft.com/office/drawing/2010/main" w="9525">
+                <a14:hiddenLine xmlns:a14="http://schemas.microsoft.com/office/drawing/2010/main" xmlns:p14="http://schemas.microsoft.com/office/powerpoint/2010/main" xmlns:a16="http://schemas.microsoft.com/office/drawing/2014/main" xmlns="" w="9525">
                   <a:solidFill>
                     <a:srgbClr val="000000"/>
                   </a:solidFill>
@@ -40648,7 +40542,7 @@
             </a:ln>
             <a:extLst>
               <a:ext uri="{91240B29-F687-4f45-9708-019B960494DF}">
-                <a14:hiddenLine xmlns="" xmlns:a16="http://schemas.microsoft.com/office/drawing/2014/main" xmlns:p14="http://schemas.microsoft.com/office/powerpoint/2010/main" xmlns:a14="http://schemas.microsoft.com/office/drawing/2010/main" w="9525">
+                <a14:hiddenLine xmlns:a14="http://schemas.microsoft.com/office/drawing/2010/main" xmlns:p14="http://schemas.microsoft.com/office/powerpoint/2010/main" xmlns:a16="http://schemas.microsoft.com/office/drawing/2014/main" xmlns="" w="9525">
                   <a:solidFill>
                     <a:srgbClr val="000000"/>
                   </a:solidFill>
@@ -40731,7 +40625,7 @@
             </a:ln>
             <a:extLst>
               <a:ext uri="{91240B29-F687-4f45-9708-019B960494DF}">
-                <a14:hiddenLine xmlns="" xmlns:a16="http://schemas.microsoft.com/office/drawing/2014/main" xmlns:p14="http://schemas.microsoft.com/office/powerpoint/2010/main" xmlns:a14="http://schemas.microsoft.com/office/drawing/2010/main" w="9525">
+                <a14:hiddenLine xmlns:a14="http://schemas.microsoft.com/office/drawing/2010/main" xmlns:p14="http://schemas.microsoft.com/office/powerpoint/2010/main" xmlns:a16="http://schemas.microsoft.com/office/drawing/2014/main" xmlns="" w="9525">
                   <a:solidFill>
                     <a:srgbClr val="000000"/>
                   </a:solidFill>
@@ -40836,7 +40730,7 @@
             </a:ln>
             <a:extLst>
               <a:ext uri="{91240B29-F687-4f45-9708-019B960494DF}">
-                <a14:hiddenLine xmlns="" xmlns:a16="http://schemas.microsoft.com/office/drawing/2014/main" xmlns:p14="http://schemas.microsoft.com/office/powerpoint/2010/main" xmlns:a14="http://schemas.microsoft.com/office/drawing/2010/main" w="9525">
+                <a14:hiddenLine xmlns:a14="http://schemas.microsoft.com/office/drawing/2010/main" xmlns:p14="http://schemas.microsoft.com/office/powerpoint/2010/main" xmlns:a16="http://schemas.microsoft.com/office/drawing/2014/main" xmlns="" w="9525">
                   <a:solidFill>
                     <a:srgbClr val="000000"/>
                   </a:solidFill>
@@ -40885,7 +40779,7 @@
             </a:ln>
             <a:extLst>
               <a:ext uri="{91240B29-F687-4f45-9708-019B960494DF}">
-                <a14:hiddenLine xmlns="" xmlns:a16="http://schemas.microsoft.com/office/drawing/2014/main" xmlns:p14="http://schemas.microsoft.com/office/powerpoint/2010/main" xmlns:a14="http://schemas.microsoft.com/office/drawing/2010/main" w="9525">
+                <a14:hiddenLine xmlns:a14="http://schemas.microsoft.com/office/drawing/2010/main" xmlns:p14="http://schemas.microsoft.com/office/powerpoint/2010/main" xmlns:a16="http://schemas.microsoft.com/office/drawing/2014/main" xmlns="" w="9525">
                   <a:solidFill>
                     <a:srgbClr val="000000"/>
                   </a:solidFill>
@@ -40990,7 +40884,7 @@
             </a:ln>
             <a:extLst>
               <a:ext uri="{91240B29-F687-4f45-9708-019B960494DF}">
-                <a14:hiddenLine xmlns="" xmlns:a16="http://schemas.microsoft.com/office/drawing/2014/main" xmlns:p14="http://schemas.microsoft.com/office/powerpoint/2010/main" xmlns:a14="http://schemas.microsoft.com/office/drawing/2010/main" w="9525">
+                <a14:hiddenLine xmlns:a14="http://schemas.microsoft.com/office/drawing/2010/main" xmlns:p14="http://schemas.microsoft.com/office/powerpoint/2010/main" xmlns:a16="http://schemas.microsoft.com/office/drawing/2014/main" xmlns="" w="9525">
                   <a:solidFill>
                     <a:srgbClr val="000000"/>
                   </a:solidFill>
@@ -41067,7 +40961,7 @@
             </a:ln>
             <a:extLst>
               <a:ext uri="{91240B29-F687-4f45-9708-019B960494DF}">
-                <a14:hiddenLine xmlns="" xmlns:a16="http://schemas.microsoft.com/office/drawing/2014/main" xmlns:p14="http://schemas.microsoft.com/office/powerpoint/2010/main" xmlns:a14="http://schemas.microsoft.com/office/drawing/2010/main" w="9525">
+                <a14:hiddenLine xmlns:a14="http://schemas.microsoft.com/office/drawing/2010/main" xmlns:p14="http://schemas.microsoft.com/office/powerpoint/2010/main" xmlns:a16="http://schemas.microsoft.com/office/drawing/2014/main" xmlns="" w="9525">
                   <a:solidFill>
                     <a:srgbClr val="000000"/>
                   </a:solidFill>
@@ -41144,7 +41038,7 @@
             </a:ln>
             <a:extLst>
               <a:ext uri="{91240B29-F687-4f45-9708-019B960494DF}">
-                <a14:hiddenLine xmlns="" xmlns:a16="http://schemas.microsoft.com/office/drawing/2014/main" xmlns:p14="http://schemas.microsoft.com/office/powerpoint/2010/main" xmlns:a14="http://schemas.microsoft.com/office/drawing/2010/main" w="9525">
+                <a14:hiddenLine xmlns:a14="http://schemas.microsoft.com/office/drawing/2010/main" xmlns:p14="http://schemas.microsoft.com/office/powerpoint/2010/main" xmlns:a16="http://schemas.microsoft.com/office/drawing/2014/main" xmlns="" w="9525">
                   <a:solidFill>
                     <a:srgbClr val="000000"/>
                   </a:solidFill>
@@ -41249,7 +41143,7 @@
             </a:ln>
             <a:extLst>
               <a:ext uri="{91240B29-F687-4f45-9708-019B960494DF}">
-                <a14:hiddenLine xmlns="" xmlns:a16="http://schemas.microsoft.com/office/drawing/2014/main" xmlns:p14="http://schemas.microsoft.com/office/powerpoint/2010/main" xmlns:a14="http://schemas.microsoft.com/office/drawing/2010/main" w="9525">
+                <a14:hiddenLine xmlns:a14="http://schemas.microsoft.com/office/drawing/2010/main" xmlns:p14="http://schemas.microsoft.com/office/powerpoint/2010/main" xmlns:a16="http://schemas.microsoft.com/office/drawing/2014/main" xmlns="" w="9525">
                   <a:solidFill>
                     <a:srgbClr val="000000"/>
                   </a:solidFill>
@@ -41332,7 +41226,7 @@
             </a:ln>
             <a:extLst>
               <a:ext uri="{91240B29-F687-4f45-9708-019B960494DF}">
-                <a14:hiddenLine xmlns="" xmlns:a16="http://schemas.microsoft.com/office/drawing/2014/main" xmlns:p14="http://schemas.microsoft.com/office/powerpoint/2010/main" xmlns:a14="http://schemas.microsoft.com/office/drawing/2010/main" w="9525">
+                <a14:hiddenLine xmlns:a14="http://schemas.microsoft.com/office/drawing/2010/main" xmlns:p14="http://schemas.microsoft.com/office/powerpoint/2010/main" xmlns:a16="http://schemas.microsoft.com/office/drawing/2014/main" xmlns="" w="9525">
                   <a:solidFill>
                     <a:srgbClr val="000000"/>
                   </a:solidFill>
@@ -41409,7 +41303,7 @@
             </a:ln>
             <a:extLst>
               <a:ext uri="{91240B29-F687-4f45-9708-019B960494DF}">
-                <a14:hiddenLine xmlns="" xmlns:a16="http://schemas.microsoft.com/office/drawing/2014/main" xmlns:p14="http://schemas.microsoft.com/office/powerpoint/2010/main" xmlns:a14="http://schemas.microsoft.com/office/drawing/2010/main" w="9525">
+                <a14:hiddenLine xmlns:a14="http://schemas.microsoft.com/office/drawing/2010/main" xmlns:p14="http://schemas.microsoft.com/office/powerpoint/2010/main" xmlns:a16="http://schemas.microsoft.com/office/drawing/2014/main" xmlns="" w="9525">
                   <a:solidFill>
                     <a:srgbClr val="000000"/>
                   </a:solidFill>
@@ -41514,7 +41408,7 @@
             </a:ln>
             <a:extLst>
               <a:ext uri="{91240B29-F687-4f45-9708-019B960494DF}">
-                <a14:hiddenLine xmlns="" xmlns:a16="http://schemas.microsoft.com/office/drawing/2014/main" xmlns:p14="http://schemas.microsoft.com/office/powerpoint/2010/main" xmlns:a14="http://schemas.microsoft.com/office/drawing/2010/main" w="9525">
+                <a14:hiddenLine xmlns:a14="http://schemas.microsoft.com/office/drawing/2010/main" xmlns:p14="http://schemas.microsoft.com/office/powerpoint/2010/main" xmlns:a16="http://schemas.microsoft.com/office/drawing/2014/main" xmlns="" w="9525">
                   <a:solidFill>
                     <a:srgbClr val="000000"/>
                   </a:solidFill>
@@ -41591,7 +41485,7 @@
             </a:ln>
             <a:extLst>
               <a:ext uri="{91240B29-F687-4f45-9708-019B960494DF}">
-                <a14:hiddenLine xmlns="" xmlns:a16="http://schemas.microsoft.com/office/drawing/2014/main" xmlns:p14="http://schemas.microsoft.com/office/powerpoint/2010/main" xmlns:a14="http://schemas.microsoft.com/office/drawing/2010/main" w="9525">
+                <a14:hiddenLine xmlns:a14="http://schemas.microsoft.com/office/drawing/2010/main" xmlns:p14="http://schemas.microsoft.com/office/powerpoint/2010/main" xmlns:a16="http://schemas.microsoft.com/office/drawing/2014/main" xmlns="" w="9525">
                   <a:solidFill>
                     <a:srgbClr val="000000"/>
                   </a:solidFill>
@@ -41696,7 +41590,7 @@
             </a:ln>
             <a:extLst>
               <a:ext uri="{91240B29-F687-4f45-9708-019B960494DF}">
-                <a14:hiddenLine xmlns="" xmlns:a16="http://schemas.microsoft.com/office/drawing/2014/main" xmlns:p14="http://schemas.microsoft.com/office/powerpoint/2010/main" xmlns:a14="http://schemas.microsoft.com/office/drawing/2010/main" w="9525">
+                <a14:hiddenLine xmlns:a14="http://schemas.microsoft.com/office/drawing/2010/main" xmlns:p14="http://schemas.microsoft.com/office/powerpoint/2010/main" xmlns:a16="http://schemas.microsoft.com/office/drawing/2014/main" xmlns="" w="9525">
                   <a:solidFill>
                     <a:srgbClr val="000000"/>
                   </a:solidFill>
@@ -41773,7 +41667,7 @@
             </a:ln>
             <a:extLst>
               <a:ext uri="{91240B29-F687-4f45-9708-019B960494DF}">
-                <a14:hiddenLine xmlns="" xmlns:a16="http://schemas.microsoft.com/office/drawing/2014/main" xmlns:p14="http://schemas.microsoft.com/office/powerpoint/2010/main" xmlns:a14="http://schemas.microsoft.com/office/drawing/2010/main" w="9525">
+                <a14:hiddenLine xmlns:a14="http://schemas.microsoft.com/office/drawing/2010/main" xmlns:p14="http://schemas.microsoft.com/office/powerpoint/2010/main" xmlns:a16="http://schemas.microsoft.com/office/drawing/2014/main" xmlns="" w="9525">
                   <a:solidFill>
                     <a:srgbClr val="000000"/>
                   </a:solidFill>
@@ -41878,7 +41772,7 @@
             </a:ln>
             <a:extLst>
               <a:ext uri="{91240B29-F687-4f45-9708-019B960494DF}">
-                <a14:hiddenLine xmlns="" xmlns:a16="http://schemas.microsoft.com/office/drawing/2014/main" xmlns:p14="http://schemas.microsoft.com/office/powerpoint/2010/main" xmlns:a14="http://schemas.microsoft.com/office/drawing/2010/main" w="9525">
+                <a14:hiddenLine xmlns:a14="http://schemas.microsoft.com/office/drawing/2010/main" xmlns:p14="http://schemas.microsoft.com/office/powerpoint/2010/main" xmlns:a16="http://schemas.microsoft.com/office/drawing/2014/main" xmlns="" w="9525">
                   <a:solidFill>
                     <a:srgbClr val="000000"/>
                   </a:solidFill>
@@ -41927,7 +41821,7 @@
             </a:ln>
             <a:extLst>
               <a:ext uri="{91240B29-F687-4f45-9708-019B960494DF}">
-                <a14:hiddenLine xmlns="" xmlns:a16="http://schemas.microsoft.com/office/drawing/2014/main" xmlns:p14="http://schemas.microsoft.com/office/powerpoint/2010/main" xmlns:a14="http://schemas.microsoft.com/office/drawing/2010/main" w="9525">
+                <a14:hiddenLine xmlns:a14="http://schemas.microsoft.com/office/drawing/2010/main" xmlns:p14="http://schemas.microsoft.com/office/powerpoint/2010/main" xmlns:a16="http://schemas.microsoft.com/office/drawing/2014/main" xmlns="" w="9525">
                   <a:solidFill>
                     <a:srgbClr val="000000"/>
                   </a:solidFill>
@@ -42007,7 +41901,7 @@
             </a:ln>
             <a:extLst>
               <a:ext uri="{91240B29-F687-4f45-9708-019B960494DF}">
-                <a14:hiddenLine xmlns="" xmlns:a16="http://schemas.microsoft.com/office/drawing/2014/main" xmlns:p14="http://schemas.microsoft.com/office/powerpoint/2010/main" xmlns:a14="http://schemas.microsoft.com/office/drawing/2010/main" w="9525">
+                <a14:hiddenLine xmlns:a14="http://schemas.microsoft.com/office/drawing/2010/main" xmlns:p14="http://schemas.microsoft.com/office/powerpoint/2010/main" xmlns:a16="http://schemas.microsoft.com/office/drawing/2014/main" xmlns="" w="9525">
                   <a:solidFill>
                     <a:srgbClr val="000000"/>
                   </a:solidFill>
@@ -42112,7 +42006,7 @@
             </a:ln>
             <a:extLst>
               <a:ext uri="{91240B29-F687-4f45-9708-019B960494DF}">
-                <a14:hiddenLine xmlns="" xmlns:a16="http://schemas.microsoft.com/office/drawing/2014/main" xmlns:p14="http://schemas.microsoft.com/office/powerpoint/2010/main" xmlns:a14="http://schemas.microsoft.com/office/drawing/2010/main" w="9525">
+                <a14:hiddenLine xmlns:a14="http://schemas.microsoft.com/office/drawing/2010/main" xmlns:p14="http://schemas.microsoft.com/office/powerpoint/2010/main" xmlns:a16="http://schemas.microsoft.com/office/drawing/2014/main" xmlns="" w="9525">
                   <a:solidFill>
                     <a:srgbClr val="000000"/>
                   </a:solidFill>
@@ -42189,7 +42083,7 @@
             </a:ln>
             <a:extLst>
               <a:ext uri="{91240B29-F687-4f45-9708-019B960494DF}">
-                <a14:hiddenLine xmlns="" xmlns:a16="http://schemas.microsoft.com/office/drawing/2014/main" xmlns:p14="http://schemas.microsoft.com/office/powerpoint/2010/main" xmlns:a14="http://schemas.microsoft.com/office/drawing/2010/main" w="9525">
+                <a14:hiddenLine xmlns:a14="http://schemas.microsoft.com/office/drawing/2010/main" xmlns:p14="http://schemas.microsoft.com/office/powerpoint/2010/main" xmlns:a16="http://schemas.microsoft.com/office/drawing/2014/main" xmlns="" w="9525">
                   <a:solidFill>
                     <a:srgbClr val="000000"/>
                   </a:solidFill>
@@ -42294,7 +42188,7 @@
             </a:ln>
             <a:extLst>
               <a:ext uri="{91240B29-F687-4f45-9708-019B960494DF}">
-                <a14:hiddenLine xmlns="" xmlns:a16="http://schemas.microsoft.com/office/drawing/2014/main" xmlns:p14="http://schemas.microsoft.com/office/powerpoint/2010/main" xmlns:a14="http://schemas.microsoft.com/office/drawing/2010/main" w="9525">
+                <a14:hiddenLine xmlns:a14="http://schemas.microsoft.com/office/drawing/2010/main" xmlns:p14="http://schemas.microsoft.com/office/powerpoint/2010/main" xmlns:a16="http://schemas.microsoft.com/office/drawing/2014/main" xmlns="" w="9525">
                   <a:solidFill>
                     <a:srgbClr val="000000"/>
                   </a:solidFill>
@@ -42399,7 +42293,7 @@
             </a:ln>
             <a:extLst>
               <a:ext uri="{91240B29-F687-4f45-9708-019B960494DF}">
-                <a14:hiddenLine xmlns="" xmlns:a16="http://schemas.microsoft.com/office/drawing/2014/main" xmlns:p14="http://schemas.microsoft.com/office/powerpoint/2010/main" xmlns:a14="http://schemas.microsoft.com/office/drawing/2010/main" w="9525">
+                <a14:hiddenLine xmlns:a14="http://schemas.microsoft.com/office/drawing/2010/main" xmlns:p14="http://schemas.microsoft.com/office/powerpoint/2010/main" xmlns:a16="http://schemas.microsoft.com/office/drawing/2014/main" xmlns="" w="9525">
                   <a:solidFill>
                     <a:srgbClr val="000000"/>
                   </a:solidFill>
@@ -42479,7 +42373,7 @@
             </a:ln>
             <a:extLst>
               <a:ext uri="{91240B29-F687-4f45-9708-019B960494DF}">
-                <a14:hiddenLine xmlns="" xmlns:a16="http://schemas.microsoft.com/office/drawing/2014/main" xmlns:p14="http://schemas.microsoft.com/office/powerpoint/2010/main" xmlns:a14="http://schemas.microsoft.com/office/drawing/2010/main" w="9525">
+                <a14:hiddenLine xmlns:a14="http://schemas.microsoft.com/office/drawing/2010/main" xmlns:p14="http://schemas.microsoft.com/office/powerpoint/2010/main" xmlns:a16="http://schemas.microsoft.com/office/drawing/2014/main" xmlns="" w="9525">
                   <a:solidFill>
                     <a:srgbClr val="000000"/>
                   </a:solidFill>
@@ -42556,7 +42450,7 @@
             </a:ln>
             <a:extLst>
               <a:ext uri="{91240B29-F687-4f45-9708-019B960494DF}">
-                <a14:hiddenLine xmlns="" xmlns:a16="http://schemas.microsoft.com/office/drawing/2014/main" xmlns:p14="http://schemas.microsoft.com/office/powerpoint/2010/main" xmlns:a14="http://schemas.microsoft.com/office/drawing/2010/main" w="9525">
+                <a14:hiddenLine xmlns:a14="http://schemas.microsoft.com/office/drawing/2010/main" xmlns:p14="http://schemas.microsoft.com/office/powerpoint/2010/main" xmlns:a16="http://schemas.microsoft.com/office/drawing/2014/main" xmlns="" w="9525">
                   <a:solidFill>
                     <a:srgbClr val="000000"/>
                   </a:solidFill>
@@ -42661,7 +42555,7 @@
             </a:ln>
             <a:extLst>
               <a:ext uri="{91240B29-F687-4f45-9708-019B960494DF}">
-                <a14:hiddenLine xmlns="" xmlns:a16="http://schemas.microsoft.com/office/drawing/2014/main" xmlns:p14="http://schemas.microsoft.com/office/powerpoint/2010/main" xmlns:a14="http://schemas.microsoft.com/office/drawing/2010/main" w="9525">
+                <a14:hiddenLine xmlns:a14="http://schemas.microsoft.com/office/drawing/2010/main" xmlns:p14="http://schemas.microsoft.com/office/powerpoint/2010/main" xmlns:a16="http://schemas.microsoft.com/office/drawing/2014/main" xmlns="" w="9525">
                   <a:solidFill>
                     <a:srgbClr val="000000"/>
                   </a:solidFill>
@@ -42766,7 +42660,7 @@
             </a:ln>
             <a:extLst>
               <a:ext uri="{91240B29-F687-4f45-9708-019B960494DF}">
-                <a14:hiddenLine xmlns="" xmlns:a16="http://schemas.microsoft.com/office/drawing/2014/main" xmlns:p14="http://schemas.microsoft.com/office/powerpoint/2010/main" xmlns:a14="http://schemas.microsoft.com/office/drawing/2010/main" w="9525">
+                <a14:hiddenLine xmlns:a14="http://schemas.microsoft.com/office/drawing/2010/main" xmlns:p14="http://schemas.microsoft.com/office/powerpoint/2010/main" xmlns:a16="http://schemas.microsoft.com/office/drawing/2014/main" xmlns="" w="9525">
                   <a:solidFill>
                     <a:srgbClr val="000000"/>
                   </a:solidFill>
@@ -42843,7 +42737,7 @@
             </a:ln>
             <a:extLst>
               <a:ext uri="{91240B29-F687-4f45-9708-019B960494DF}">
-                <a14:hiddenLine xmlns="" xmlns:a16="http://schemas.microsoft.com/office/drawing/2014/main" xmlns:p14="http://schemas.microsoft.com/office/powerpoint/2010/main" xmlns:a14="http://schemas.microsoft.com/office/drawing/2010/main" w="9525">
+                <a14:hiddenLine xmlns:a14="http://schemas.microsoft.com/office/drawing/2010/main" xmlns:p14="http://schemas.microsoft.com/office/powerpoint/2010/main" xmlns:a16="http://schemas.microsoft.com/office/drawing/2014/main" xmlns="" w="9525">
                   <a:solidFill>
                     <a:srgbClr val="000000"/>
                   </a:solidFill>
@@ -42978,7 +42872,7 @@
             </a:ln>
             <a:extLst>
               <a:ext uri="{91240B29-F687-4f45-9708-019B960494DF}">
-                <a14:hiddenLine xmlns="" xmlns:a16="http://schemas.microsoft.com/office/drawing/2014/main" xmlns:p14="http://schemas.microsoft.com/office/powerpoint/2010/main" xmlns:a14="http://schemas.microsoft.com/office/drawing/2010/main" w="9525">
+                <a14:hiddenLine xmlns:a14="http://schemas.microsoft.com/office/drawing/2010/main" xmlns:p14="http://schemas.microsoft.com/office/powerpoint/2010/main" xmlns:a16="http://schemas.microsoft.com/office/drawing/2014/main" xmlns="" w="9525">
                   <a:solidFill>
                     <a:srgbClr val="000000"/>
                   </a:solidFill>
@@ -43061,7 +42955,7 @@
             </a:ln>
             <a:extLst>
               <a:ext uri="{91240B29-F687-4f45-9708-019B960494DF}">
-                <a14:hiddenLine xmlns="" xmlns:a16="http://schemas.microsoft.com/office/drawing/2014/main" xmlns:p14="http://schemas.microsoft.com/office/powerpoint/2010/main" xmlns:a14="http://schemas.microsoft.com/office/drawing/2010/main" w="9525">
+                <a14:hiddenLine xmlns:a14="http://schemas.microsoft.com/office/drawing/2010/main" xmlns:p14="http://schemas.microsoft.com/office/powerpoint/2010/main" xmlns:a16="http://schemas.microsoft.com/office/drawing/2014/main" xmlns="" w="9525">
                   <a:solidFill>
                     <a:srgbClr val="000000"/>
                   </a:solidFill>
@@ -43166,7 +43060,7 @@
             </a:ln>
             <a:extLst>
               <a:ext uri="{91240B29-F687-4f45-9708-019B960494DF}">
-                <a14:hiddenLine xmlns="" xmlns:a16="http://schemas.microsoft.com/office/drawing/2014/main" xmlns:p14="http://schemas.microsoft.com/office/powerpoint/2010/main" xmlns:a14="http://schemas.microsoft.com/office/drawing/2010/main" w="9525">
+                <a14:hiddenLine xmlns:a14="http://schemas.microsoft.com/office/drawing/2010/main" xmlns:p14="http://schemas.microsoft.com/office/powerpoint/2010/main" xmlns:a16="http://schemas.microsoft.com/office/drawing/2014/main" xmlns="" w="9525">
                   <a:solidFill>
                     <a:srgbClr val="000000"/>
                   </a:solidFill>
@@ -43287,7 +43181,7 @@
           <a:noFill/>
           <a:extLst>
             <a:ext uri="{909E8E84-426E-40dd-AFC4-6F175D3DCCD1}">
-              <a14:hiddenFill xmlns="" xmlns:a16="http://schemas.microsoft.com/office/drawing/2014/main" xmlns:p14="http://schemas.microsoft.com/office/powerpoint/2010/main" xmlns:a14="http://schemas.microsoft.com/office/drawing/2010/main">
+              <a14:hiddenFill xmlns:a14="http://schemas.microsoft.com/office/drawing/2010/main" xmlns:p14="http://schemas.microsoft.com/office/powerpoint/2010/main" xmlns:a16="http://schemas.microsoft.com/office/drawing/2014/main" xmlns="">
                 <a:solidFill>
                   <a:srgbClr val="FFFFFF"/>
                 </a:solidFill>
@@ -43379,7 +43273,7 @@
             </a:ln>
             <a:extLst>
               <a:ext uri="{91240B29-F687-4f45-9708-019B960494DF}">
-                <a14:hiddenLine xmlns="" xmlns:a16="http://schemas.microsoft.com/office/drawing/2014/main" xmlns:p14="http://schemas.microsoft.com/office/powerpoint/2010/main" xmlns:a14="http://schemas.microsoft.com/office/drawing/2010/main" w="9525">
+                <a14:hiddenLine xmlns:a14="http://schemas.microsoft.com/office/drawing/2010/main" xmlns:p14="http://schemas.microsoft.com/office/powerpoint/2010/main" xmlns:a16="http://schemas.microsoft.com/office/drawing/2014/main" xmlns="" w="9525">
                   <a:solidFill>
                     <a:srgbClr val="000000"/>
                   </a:solidFill>
@@ -43484,7 +43378,7 @@
             </a:ln>
             <a:extLst>
               <a:ext uri="{91240B29-F687-4f45-9708-019B960494DF}">
-                <a14:hiddenLine xmlns="" xmlns:a16="http://schemas.microsoft.com/office/drawing/2014/main" xmlns:p14="http://schemas.microsoft.com/office/powerpoint/2010/main" xmlns:a14="http://schemas.microsoft.com/office/drawing/2010/main" w="9525">
+                <a14:hiddenLine xmlns:a14="http://schemas.microsoft.com/office/drawing/2010/main" xmlns:p14="http://schemas.microsoft.com/office/powerpoint/2010/main" xmlns:a16="http://schemas.microsoft.com/office/drawing/2014/main" xmlns="" w="9525">
                   <a:solidFill>
                     <a:srgbClr val="000000"/>
                   </a:solidFill>
@@ -43589,7 +43483,7 @@
             </a:ln>
             <a:extLst>
               <a:ext uri="{91240B29-F687-4f45-9708-019B960494DF}">
-                <a14:hiddenLine xmlns="" xmlns:a16="http://schemas.microsoft.com/office/drawing/2014/main" xmlns:p14="http://schemas.microsoft.com/office/powerpoint/2010/main" xmlns:a14="http://schemas.microsoft.com/office/drawing/2010/main" w="9525">
+                <a14:hiddenLine xmlns:a14="http://schemas.microsoft.com/office/drawing/2010/main" xmlns:p14="http://schemas.microsoft.com/office/powerpoint/2010/main" xmlns:a16="http://schemas.microsoft.com/office/drawing/2014/main" xmlns="" w="9525">
                   <a:solidFill>
                     <a:srgbClr val="000000"/>
                   </a:solidFill>
@@ -43638,7 +43532,7 @@
             </a:ln>
             <a:extLst>
               <a:ext uri="{91240B29-F687-4f45-9708-019B960494DF}">
-                <a14:hiddenLine xmlns="" xmlns:a16="http://schemas.microsoft.com/office/drawing/2014/main" xmlns:p14="http://schemas.microsoft.com/office/powerpoint/2010/main" xmlns:a14="http://schemas.microsoft.com/office/drawing/2010/main" w="9525">
+                <a14:hiddenLine xmlns:a14="http://schemas.microsoft.com/office/drawing/2010/main" xmlns:p14="http://schemas.microsoft.com/office/powerpoint/2010/main" xmlns:a16="http://schemas.microsoft.com/office/drawing/2014/main" xmlns="" w="9525">
                   <a:solidFill>
                     <a:srgbClr val="000000"/>
                   </a:solidFill>
@@ -43743,7 +43637,7 @@
             </a:ln>
             <a:extLst>
               <a:ext uri="{91240B29-F687-4f45-9708-019B960494DF}">
-                <a14:hiddenLine xmlns="" xmlns:a16="http://schemas.microsoft.com/office/drawing/2014/main" xmlns:p14="http://schemas.microsoft.com/office/powerpoint/2010/main" xmlns:a14="http://schemas.microsoft.com/office/drawing/2010/main" w="9525">
+                <a14:hiddenLine xmlns:a14="http://schemas.microsoft.com/office/drawing/2010/main" xmlns:p14="http://schemas.microsoft.com/office/powerpoint/2010/main" xmlns:a16="http://schemas.microsoft.com/office/drawing/2014/main" xmlns="" w="9525">
                   <a:solidFill>
                     <a:srgbClr val="000000"/>
                   </a:solidFill>
@@ -43820,7 +43714,7 @@
             </a:ln>
             <a:extLst>
               <a:ext uri="{91240B29-F687-4f45-9708-019B960494DF}">
-                <a14:hiddenLine xmlns="" xmlns:a16="http://schemas.microsoft.com/office/drawing/2014/main" xmlns:p14="http://schemas.microsoft.com/office/powerpoint/2010/main" xmlns:a14="http://schemas.microsoft.com/office/drawing/2010/main" w="9525">
+                <a14:hiddenLine xmlns:a14="http://schemas.microsoft.com/office/drawing/2010/main" xmlns:p14="http://schemas.microsoft.com/office/powerpoint/2010/main" xmlns:a16="http://schemas.microsoft.com/office/drawing/2014/main" xmlns="" w="9525">
                   <a:solidFill>
                     <a:srgbClr val="000000"/>
                   </a:solidFill>
@@ -43897,7 +43791,7 @@
             </a:ln>
             <a:extLst>
               <a:ext uri="{91240B29-F687-4f45-9708-019B960494DF}">
-                <a14:hiddenLine xmlns="" xmlns:a16="http://schemas.microsoft.com/office/drawing/2014/main" xmlns:p14="http://schemas.microsoft.com/office/powerpoint/2010/main" xmlns:a14="http://schemas.microsoft.com/office/drawing/2010/main" w="9525">
+                <a14:hiddenLine xmlns:a14="http://schemas.microsoft.com/office/drawing/2010/main" xmlns:p14="http://schemas.microsoft.com/office/powerpoint/2010/main" xmlns:a16="http://schemas.microsoft.com/office/drawing/2014/main" xmlns="" w="9525">
                   <a:solidFill>
                     <a:srgbClr val="000000"/>
                   </a:solidFill>
@@ -44002,7 +43896,7 @@
             </a:ln>
             <a:extLst>
               <a:ext uri="{91240B29-F687-4f45-9708-019B960494DF}">
-                <a14:hiddenLine xmlns="" xmlns:a16="http://schemas.microsoft.com/office/drawing/2014/main" xmlns:p14="http://schemas.microsoft.com/office/powerpoint/2010/main" xmlns:a14="http://schemas.microsoft.com/office/drawing/2010/main" w="9525">
+                <a14:hiddenLine xmlns:a14="http://schemas.microsoft.com/office/drawing/2010/main" xmlns:p14="http://schemas.microsoft.com/office/powerpoint/2010/main" xmlns:a16="http://schemas.microsoft.com/office/drawing/2014/main" xmlns="" w="9525">
                   <a:solidFill>
                     <a:srgbClr val="000000"/>
                   </a:solidFill>
@@ -44079,7 +43973,7 @@
             </a:ln>
             <a:extLst>
               <a:ext uri="{91240B29-F687-4f45-9708-019B960494DF}">
-                <a14:hiddenLine xmlns="" xmlns:a16="http://schemas.microsoft.com/office/drawing/2014/main" xmlns:p14="http://schemas.microsoft.com/office/powerpoint/2010/main" xmlns:a14="http://schemas.microsoft.com/office/drawing/2010/main" w="9525">
+                <a14:hiddenLine xmlns:a14="http://schemas.microsoft.com/office/drawing/2010/main" xmlns:p14="http://schemas.microsoft.com/office/powerpoint/2010/main" xmlns:a16="http://schemas.microsoft.com/office/drawing/2014/main" xmlns="" w="9525">
                   <a:solidFill>
                     <a:srgbClr val="000000"/>
                   </a:solidFill>
@@ -44156,7 +44050,7 @@
             </a:ln>
             <a:extLst>
               <a:ext uri="{91240B29-F687-4f45-9708-019B960494DF}">
-                <a14:hiddenLine xmlns="" xmlns:a16="http://schemas.microsoft.com/office/drawing/2014/main" xmlns:p14="http://schemas.microsoft.com/office/powerpoint/2010/main" xmlns:a14="http://schemas.microsoft.com/office/drawing/2010/main" w="9525">
+                <a14:hiddenLine xmlns:a14="http://schemas.microsoft.com/office/drawing/2010/main" xmlns:p14="http://schemas.microsoft.com/office/powerpoint/2010/main" xmlns:a16="http://schemas.microsoft.com/office/drawing/2014/main" xmlns="" w="9525">
                   <a:solidFill>
                     <a:srgbClr val="000000"/>
                   </a:solidFill>
@@ -44261,7 +44155,7 @@
             </a:ln>
             <a:extLst>
               <a:ext uri="{91240B29-F687-4f45-9708-019B960494DF}">
-                <a14:hiddenLine xmlns="" xmlns:a16="http://schemas.microsoft.com/office/drawing/2014/main" xmlns:p14="http://schemas.microsoft.com/office/powerpoint/2010/main" xmlns:a14="http://schemas.microsoft.com/office/drawing/2010/main" w="9525">
+                <a14:hiddenLine xmlns:a14="http://schemas.microsoft.com/office/drawing/2010/main" xmlns:p14="http://schemas.microsoft.com/office/powerpoint/2010/main" xmlns:a16="http://schemas.microsoft.com/office/drawing/2014/main" xmlns="" w="9525">
                   <a:solidFill>
                     <a:srgbClr val="000000"/>
                   </a:solidFill>
@@ -44366,7 +44260,7 @@
             </a:ln>
             <a:extLst>
               <a:ext uri="{91240B29-F687-4f45-9708-019B960494DF}">
-                <a14:hiddenLine xmlns="" xmlns:a16="http://schemas.microsoft.com/office/drawing/2014/main" xmlns:p14="http://schemas.microsoft.com/office/powerpoint/2010/main" xmlns:a14="http://schemas.microsoft.com/office/drawing/2010/main" w="9525">
+                <a14:hiddenLine xmlns:a14="http://schemas.microsoft.com/office/drawing/2010/main" xmlns:p14="http://schemas.microsoft.com/office/powerpoint/2010/main" xmlns:a16="http://schemas.microsoft.com/office/drawing/2014/main" xmlns="" w="9525">
                   <a:solidFill>
                     <a:srgbClr val="000000"/>
                   </a:solidFill>
@@ -44443,7 +44337,7 @@
             </a:ln>
             <a:extLst>
               <a:ext uri="{91240B29-F687-4f45-9708-019B960494DF}">
-                <a14:hiddenLine xmlns="" xmlns:a16="http://schemas.microsoft.com/office/drawing/2014/main" xmlns:p14="http://schemas.microsoft.com/office/powerpoint/2010/main" xmlns:a14="http://schemas.microsoft.com/office/drawing/2010/main" w="9525">
+                <a14:hiddenLine xmlns:a14="http://schemas.microsoft.com/office/drawing/2010/main" xmlns:p14="http://schemas.microsoft.com/office/powerpoint/2010/main" xmlns:a16="http://schemas.microsoft.com/office/drawing/2014/main" xmlns="" w="9525">
                   <a:solidFill>
                     <a:srgbClr val="000000"/>
                   </a:solidFill>
@@ -44568,7 +44462,7 @@
             </a:ln>
             <a:extLst>
               <a:ext uri="{91240B29-F687-4f45-9708-019B960494DF}">
-                <a14:hiddenLine xmlns="" xmlns:a16="http://schemas.microsoft.com/office/drawing/2014/main" xmlns:p14="http://schemas.microsoft.com/office/powerpoint/2010/main" xmlns:a14="http://schemas.microsoft.com/office/drawing/2010/main" w="9525">
+                <a14:hiddenLine xmlns:a14="http://schemas.microsoft.com/office/drawing/2010/main" xmlns:p14="http://schemas.microsoft.com/office/powerpoint/2010/main" xmlns:a16="http://schemas.microsoft.com/office/drawing/2014/main" xmlns="" w="9525">
                   <a:solidFill>
                     <a:srgbClr val="000000"/>
                   </a:solidFill>
@@ -44645,7 +44539,7 @@
             </a:ln>
             <a:extLst>
               <a:ext uri="{91240B29-F687-4f45-9708-019B960494DF}">
-                <a14:hiddenLine xmlns="" xmlns:a16="http://schemas.microsoft.com/office/drawing/2014/main" xmlns:p14="http://schemas.microsoft.com/office/powerpoint/2010/main" xmlns:a14="http://schemas.microsoft.com/office/drawing/2010/main" w="9525">
+                <a14:hiddenLine xmlns:a14="http://schemas.microsoft.com/office/drawing/2010/main" xmlns:p14="http://schemas.microsoft.com/office/powerpoint/2010/main" xmlns:a16="http://schemas.microsoft.com/office/drawing/2014/main" xmlns="" w="9525">
                   <a:solidFill>
                     <a:srgbClr val="000000"/>
                   </a:solidFill>
@@ -44750,7 +44644,7 @@
             </a:ln>
             <a:extLst>
               <a:ext uri="{91240B29-F687-4f45-9708-019B960494DF}">
-                <a14:hiddenLine xmlns="" xmlns:a16="http://schemas.microsoft.com/office/drawing/2014/main" xmlns:p14="http://schemas.microsoft.com/office/powerpoint/2010/main" xmlns:a14="http://schemas.microsoft.com/office/drawing/2010/main" w="9525">
+                <a14:hiddenLine xmlns:a14="http://schemas.microsoft.com/office/drawing/2010/main" xmlns:p14="http://schemas.microsoft.com/office/powerpoint/2010/main" xmlns:a16="http://schemas.microsoft.com/office/drawing/2014/main" xmlns="" w="9525">
                   <a:solidFill>
                     <a:srgbClr val="000000"/>
                   </a:solidFill>
@@ -44855,7 +44749,7 @@
             </a:ln>
             <a:extLst>
               <a:ext uri="{91240B29-F687-4f45-9708-019B960494DF}">
-                <a14:hiddenLine xmlns="" xmlns:a16="http://schemas.microsoft.com/office/drawing/2014/main" xmlns:p14="http://schemas.microsoft.com/office/powerpoint/2010/main" xmlns:a14="http://schemas.microsoft.com/office/drawing/2010/main" w="9525">
+                <a14:hiddenLine xmlns:a14="http://schemas.microsoft.com/office/drawing/2010/main" xmlns:p14="http://schemas.microsoft.com/office/powerpoint/2010/main" xmlns:a16="http://schemas.microsoft.com/office/drawing/2014/main" xmlns="" w="9525">
                   <a:solidFill>
                     <a:srgbClr val="000000"/>
                   </a:solidFill>
@@ -44932,7 +44826,7 @@
             </a:ln>
             <a:extLst>
               <a:ext uri="{91240B29-F687-4f45-9708-019B960494DF}">
-                <a14:hiddenLine xmlns="" xmlns:a16="http://schemas.microsoft.com/office/drawing/2014/main" xmlns:p14="http://schemas.microsoft.com/office/powerpoint/2010/main" xmlns:a14="http://schemas.microsoft.com/office/drawing/2010/main" w="9525">
+                <a14:hiddenLine xmlns:a14="http://schemas.microsoft.com/office/drawing/2010/main" xmlns:p14="http://schemas.microsoft.com/office/powerpoint/2010/main" xmlns:a16="http://schemas.microsoft.com/office/drawing/2014/main" xmlns="" w="9525">
                   <a:solidFill>
                     <a:srgbClr val="000000"/>
                   </a:solidFill>
@@ -45037,7 +44931,7 @@
             </a:ln>
             <a:extLst>
               <a:ext uri="{91240B29-F687-4f45-9708-019B960494DF}">
-                <a14:hiddenLine xmlns="" xmlns:a16="http://schemas.microsoft.com/office/drawing/2014/main" xmlns:p14="http://schemas.microsoft.com/office/powerpoint/2010/main" xmlns:a14="http://schemas.microsoft.com/office/drawing/2010/main" w="9525">
+                <a14:hiddenLine xmlns:a14="http://schemas.microsoft.com/office/drawing/2010/main" xmlns:p14="http://schemas.microsoft.com/office/powerpoint/2010/main" xmlns:a16="http://schemas.microsoft.com/office/drawing/2014/main" xmlns="" w="9525">
                   <a:solidFill>
                     <a:srgbClr val="000000"/>
                   </a:solidFill>
@@ -45142,7 +45036,7 @@
             </a:ln>
             <a:extLst>
               <a:ext uri="{91240B29-F687-4f45-9708-019B960494DF}">
-                <a14:hiddenLine xmlns="" xmlns:a16="http://schemas.microsoft.com/office/drawing/2014/main" xmlns:p14="http://schemas.microsoft.com/office/powerpoint/2010/main" xmlns:a14="http://schemas.microsoft.com/office/drawing/2010/main" w="9525">
+                <a14:hiddenLine xmlns:a14="http://schemas.microsoft.com/office/drawing/2010/main" xmlns:p14="http://schemas.microsoft.com/office/powerpoint/2010/main" xmlns:a16="http://schemas.microsoft.com/office/drawing/2014/main" xmlns="" w="9525">
                   <a:solidFill>
                     <a:srgbClr val="000000"/>
                   </a:solidFill>
@@ -45213,7 +45107,7 @@
             </a:ln>
             <a:extLst>
               <a:ext uri="{91240B29-F687-4f45-9708-019B960494DF}">
-                <a14:hiddenLine xmlns="" xmlns:a16="http://schemas.microsoft.com/office/drawing/2014/main" xmlns:p14="http://schemas.microsoft.com/office/powerpoint/2010/main" xmlns:a14="http://schemas.microsoft.com/office/drawing/2010/main" w="9525">
+                <a14:hiddenLine xmlns:a14="http://schemas.microsoft.com/office/drawing/2010/main" xmlns:p14="http://schemas.microsoft.com/office/powerpoint/2010/main" xmlns:a16="http://schemas.microsoft.com/office/drawing/2014/main" xmlns="" w="9525">
                   <a:solidFill>
                     <a:srgbClr val="000000"/>
                   </a:solidFill>
@@ -45318,7 +45212,7 @@
             </a:ln>
             <a:extLst>
               <a:ext uri="{91240B29-F687-4f45-9708-019B960494DF}">
-                <a14:hiddenLine xmlns="" xmlns:a16="http://schemas.microsoft.com/office/drawing/2014/main" xmlns:p14="http://schemas.microsoft.com/office/powerpoint/2010/main" xmlns:a14="http://schemas.microsoft.com/office/drawing/2010/main" w="9525">
+                <a14:hiddenLine xmlns:a14="http://schemas.microsoft.com/office/drawing/2010/main" xmlns:p14="http://schemas.microsoft.com/office/powerpoint/2010/main" xmlns:a16="http://schemas.microsoft.com/office/drawing/2014/main" xmlns="" w="9525">
                   <a:solidFill>
                     <a:srgbClr val="000000"/>
                   </a:solidFill>
@@ -45389,7 +45283,7 @@
             </a:ln>
             <a:extLst>
               <a:ext uri="{91240B29-F687-4f45-9708-019B960494DF}">
-                <a14:hiddenLine xmlns="" xmlns:a16="http://schemas.microsoft.com/office/drawing/2014/main" xmlns:p14="http://schemas.microsoft.com/office/powerpoint/2010/main" xmlns:a14="http://schemas.microsoft.com/office/drawing/2010/main" w="9525">
+                <a14:hiddenLine xmlns:a14="http://schemas.microsoft.com/office/drawing/2010/main" xmlns:p14="http://schemas.microsoft.com/office/powerpoint/2010/main" xmlns:a16="http://schemas.microsoft.com/office/drawing/2014/main" xmlns="" w="9525">
                   <a:solidFill>
                     <a:srgbClr val="000000"/>
                   </a:solidFill>
@@ -45494,7 +45388,7 @@
             </a:ln>
             <a:extLst>
               <a:ext uri="{91240B29-F687-4f45-9708-019B960494DF}">
-                <a14:hiddenLine xmlns="" xmlns:a16="http://schemas.microsoft.com/office/drawing/2014/main" xmlns:p14="http://schemas.microsoft.com/office/powerpoint/2010/main" xmlns:a14="http://schemas.microsoft.com/office/drawing/2010/main" w="9525">
+                <a14:hiddenLine xmlns:a14="http://schemas.microsoft.com/office/drawing/2010/main" xmlns:p14="http://schemas.microsoft.com/office/powerpoint/2010/main" xmlns:a16="http://schemas.microsoft.com/office/drawing/2014/main" xmlns="" w="9525">
                   <a:solidFill>
                     <a:srgbClr val="000000"/>
                   </a:solidFill>
@@ -45577,7 +45471,7 @@
             </a:ln>
             <a:extLst>
               <a:ext uri="{91240B29-F687-4f45-9708-019B960494DF}">
-                <a14:hiddenLine xmlns="" xmlns:a16="http://schemas.microsoft.com/office/drawing/2014/main" xmlns:p14="http://schemas.microsoft.com/office/powerpoint/2010/main" xmlns:a14="http://schemas.microsoft.com/office/drawing/2010/main" w="9525">
+                <a14:hiddenLine xmlns:a14="http://schemas.microsoft.com/office/drawing/2010/main" xmlns:p14="http://schemas.microsoft.com/office/powerpoint/2010/main" xmlns:a16="http://schemas.microsoft.com/office/drawing/2014/main" xmlns="" w="9525">
                   <a:solidFill>
                     <a:srgbClr val="000000"/>
                   </a:solidFill>
@@ -45682,7 +45576,7 @@
             </a:ln>
             <a:extLst>
               <a:ext uri="{91240B29-F687-4f45-9708-019B960494DF}">
-                <a14:hiddenLine xmlns="" xmlns:a16="http://schemas.microsoft.com/office/drawing/2014/main" xmlns:p14="http://schemas.microsoft.com/office/powerpoint/2010/main" xmlns:a14="http://schemas.microsoft.com/office/drawing/2010/main" w="9525">
+                <a14:hiddenLine xmlns:a14="http://schemas.microsoft.com/office/drawing/2010/main" xmlns:p14="http://schemas.microsoft.com/office/powerpoint/2010/main" xmlns:a16="http://schemas.microsoft.com/office/drawing/2014/main" xmlns="" w="9525">
                   <a:solidFill>
                     <a:srgbClr val="000000"/>
                   </a:solidFill>
@@ -45765,7 +45659,7 @@
             </a:ln>
             <a:extLst>
               <a:ext uri="{91240B29-F687-4f45-9708-019B960494DF}">
-                <a14:hiddenLine xmlns="" xmlns:a16="http://schemas.microsoft.com/office/drawing/2014/main" xmlns:p14="http://schemas.microsoft.com/office/powerpoint/2010/main" xmlns:a14="http://schemas.microsoft.com/office/drawing/2010/main" w="9525">
+                <a14:hiddenLine xmlns:a14="http://schemas.microsoft.com/office/drawing/2010/main" xmlns:p14="http://schemas.microsoft.com/office/powerpoint/2010/main" xmlns:a16="http://schemas.microsoft.com/office/drawing/2014/main" xmlns="" w="9525">
                   <a:solidFill>
                     <a:srgbClr val="000000"/>
                   </a:solidFill>
@@ -45870,7 +45764,7 @@
             </a:ln>
             <a:extLst>
               <a:ext uri="{91240B29-F687-4f45-9708-019B960494DF}">
-                <a14:hiddenLine xmlns="" xmlns:a16="http://schemas.microsoft.com/office/drawing/2014/main" xmlns:p14="http://schemas.microsoft.com/office/powerpoint/2010/main" xmlns:a14="http://schemas.microsoft.com/office/drawing/2010/main" w="9525">
+                <a14:hiddenLine xmlns:a14="http://schemas.microsoft.com/office/drawing/2010/main" xmlns:p14="http://schemas.microsoft.com/office/powerpoint/2010/main" xmlns:a16="http://schemas.microsoft.com/office/drawing/2014/main" xmlns="" w="9525">
                   <a:solidFill>
                     <a:srgbClr val="000000"/>
                   </a:solidFill>
@@ -45919,7 +45813,7 @@
             </a:ln>
             <a:extLst>
               <a:ext uri="{91240B29-F687-4f45-9708-019B960494DF}">
-                <a14:hiddenLine xmlns="" xmlns:a16="http://schemas.microsoft.com/office/drawing/2014/main" xmlns:p14="http://schemas.microsoft.com/office/powerpoint/2010/main" xmlns:a14="http://schemas.microsoft.com/office/drawing/2010/main" w="9525">
+                <a14:hiddenLine xmlns:a14="http://schemas.microsoft.com/office/drawing/2010/main" xmlns:p14="http://schemas.microsoft.com/office/powerpoint/2010/main" xmlns:a16="http://schemas.microsoft.com/office/drawing/2014/main" xmlns="" w="9525">
                   <a:solidFill>
                     <a:srgbClr val="000000"/>
                   </a:solidFill>
@@ -46024,7 +45918,7 @@
             </a:ln>
             <a:extLst>
               <a:ext uri="{91240B29-F687-4f45-9708-019B960494DF}">
-                <a14:hiddenLine xmlns="" xmlns:a16="http://schemas.microsoft.com/office/drawing/2014/main" xmlns:p14="http://schemas.microsoft.com/office/powerpoint/2010/main" xmlns:a14="http://schemas.microsoft.com/office/drawing/2010/main" w="9525">
+                <a14:hiddenLine xmlns:a14="http://schemas.microsoft.com/office/drawing/2010/main" xmlns:p14="http://schemas.microsoft.com/office/powerpoint/2010/main" xmlns:a16="http://schemas.microsoft.com/office/drawing/2014/main" xmlns="" w="9525">
                   <a:solidFill>
                     <a:srgbClr val="000000"/>
                   </a:solidFill>
@@ -46101,7 +45995,7 @@
             </a:ln>
             <a:extLst>
               <a:ext uri="{91240B29-F687-4f45-9708-019B960494DF}">
-                <a14:hiddenLine xmlns="" xmlns:a16="http://schemas.microsoft.com/office/drawing/2014/main" xmlns:p14="http://schemas.microsoft.com/office/powerpoint/2010/main" xmlns:a14="http://schemas.microsoft.com/office/drawing/2010/main" w="9525">
+                <a14:hiddenLine xmlns:a14="http://schemas.microsoft.com/office/drawing/2010/main" xmlns:p14="http://schemas.microsoft.com/office/powerpoint/2010/main" xmlns:a16="http://schemas.microsoft.com/office/drawing/2014/main" xmlns="" w="9525">
                   <a:solidFill>
                     <a:srgbClr val="000000"/>
                   </a:solidFill>
@@ -46178,7 +46072,7 @@
             </a:ln>
             <a:extLst>
               <a:ext uri="{91240B29-F687-4f45-9708-019B960494DF}">
-                <a14:hiddenLine xmlns="" xmlns:a16="http://schemas.microsoft.com/office/drawing/2014/main" xmlns:p14="http://schemas.microsoft.com/office/powerpoint/2010/main" xmlns:a14="http://schemas.microsoft.com/office/drawing/2010/main" w="9525">
+                <a14:hiddenLine xmlns:a14="http://schemas.microsoft.com/office/drawing/2010/main" xmlns:p14="http://schemas.microsoft.com/office/powerpoint/2010/main" xmlns:a16="http://schemas.microsoft.com/office/drawing/2014/main" xmlns="" w="9525">
                   <a:solidFill>
                     <a:srgbClr val="000000"/>
                   </a:solidFill>
@@ -46283,7 +46177,7 @@
             </a:ln>
             <a:extLst>
               <a:ext uri="{91240B29-F687-4f45-9708-019B960494DF}">
-                <a14:hiddenLine xmlns="" xmlns:a16="http://schemas.microsoft.com/office/drawing/2014/main" xmlns:p14="http://schemas.microsoft.com/office/powerpoint/2010/main" xmlns:a14="http://schemas.microsoft.com/office/drawing/2010/main" w="9525">
+                <a14:hiddenLine xmlns:a14="http://schemas.microsoft.com/office/drawing/2010/main" xmlns:p14="http://schemas.microsoft.com/office/powerpoint/2010/main" xmlns:a16="http://schemas.microsoft.com/office/drawing/2014/main" xmlns="" w="9525">
                   <a:solidFill>
                     <a:srgbClr val="000000"/>
                   </a:solidFill>
@@ -46366,7 +46260,7 @@
             </a:ln>
             <a:extLst>
               <a:ext uri="{91240B29-F687-4f45-9708-019B960494DF}">
-                <a14:hiddenLine xmlns="" xmlns:a16="http://schemas.microsoft.com/office/drawing/2014/main" xmlns:p14="http://schemas.microsoft.com/office/powerpoint/2010/main" xmlns:a14="http://schemas.microsoft.com/office/drawing/2010/main" w="9525">
+                <a14:hiddenLine xmlns:a14="http://schemas.microsoft.com/office/drawing/2010/main" xmlns:p14="http://schemas.microsoft.com/office/powerpoint/2010/main" xmlns:a16="http://schemas.microsoft.com/office/drawing/2014/main" xmlns="" w="9525">
                   <a:solidFill>
                     <a:srgbClr val="000000"/>
                   </a:solidFill>
@@ -46443,7 +46337,7 @@
             </a:ln>
             <a:extLst>
               <a:ext uri="{91240B29-F687-4f45-9708-019B960494DF}">
-                <a14:hiddenLine xmlns="" xmlns:a16="http://schemas.microsoft.com/office/drawing/2014/main" xmlns:p14="http://schemas.microsoft.com/office/powerpoint/2010/main" xmlns:a14="http://schemas.microsoft.com/office/drawing/2010/main" w="9525">
+                <a14:hiddenLine xmlns:a14="http://schemas.microsoft.com/office/drawing/2010/main" xmlns:p14="http://schemas.microsoft.com/office/powerpoint/2010/main" xmlns:a16="http://schemas.microsoft.com/office/drawing/2014/main" xmlns="" w="9525">
                   <a:solidFill>
                     <a:srgbClr val="000000"/>
                   </a:solidFill>
@@ -46548,7 +46442,7 @@
             </a:ln>
             <a:extLst>
               <a:ext uri="{91240B29-F687-4f45-9708-019B960494DF}">
-                <a14:hiddenLine xmlns="" xmlns:a16="http://schemas.microsoft.com/office/drawing/2014/main" xmlns:p14="http://schemas.microsoft.com/office/powerpoint/2010/main" xmlns:a14="http://schemas.microsoft.com/office/drawing/2010/main" w="9525">
+                <a14:hiddenLine xmlns:a14="http://schemas.microsoft.com/office/drawing/2010/main" xmlns:p14="http://schemas.microsoft.com/office/powerpoint/2010/main" xmlns:a16="http://schemas.microsoft.com/office/drawing/2014/main" xmlns="" w="9525">
                   <a:solidFill>
                     <a:srgbClr val="000000"/>
                   </a:solidFill>
@@ -46625,7 +46519,7 @@
             </a:ln>
             <a:extLst>
               <a:ext uri="{91240B29-F687-4f45-9708-019B960494DF}">
-                <a14:hiddenLine xmlns="" xmlns:a16="http://schemas.microsoft.com/office/drawing/2014/main" xmlns:p14="http://schemas.microsoft.com/office/powerpoint/2010/main" xmlns:a14="http://schemas.microsoft.com/office/drawing/2010/main" w="9525">
+                <a14:hiddenLine xmlns:a14="http://schemas.microsoft.com/office/drawing/2010/main" xmlns:p14="http://schemas.microsoft.com/office/powerpoint/2010/main" xmlns:a16="http://schemas.microsoft.com/office/drawing/2014/main" xmlns="" w="9525">
                   <a:solidFill>
                     <a:srgbClr val="000000"/>
                   </a:solidFill>
@@ -46730,7 +46624,7 @@
             </a:ln>
             <a:extLst>
               <a:ext uri="{91240B29-F687-4f45-9708-019B960494DF}">
-                <a14:hiddenLine xmlns="" xmlns:a16="http://schemas.microsoft.com/office/drawing/2014/main" xmlns:p14="http://schemas.microsoft.com/office/powerpoint/2010/main" xmlns:a14="http://schemas.microsoft.com/office/drawing/2010/main" w="9525">
+                <a14:hiddenLine xmlns:a14="http://schemas.microsoft.com/office/drawing/2010/main" xmlns:p14="http://schemas.microsoft.com/office/powerpoint/2010/main" xmlns:a16="http://schemas.microsoft.com/office/drawing/2014/main" xmlns="" w="9525">
                   <a:solidFill>
                     <a:srgbClr val="000000"/>
                   </a:solidFill>
@@ -46807,7 +46701,7 @@
             </a:ln>
             <a:extLst>
               <a:ext uri="{91240B29-F687-4f45-9708-019B960494DF}">
-                <a14:hiddenLine xmlns="" xmlns:a16="http://schemas.microsoft.com/office/drawing/2014/main" xmlns:p14="http://schemas.microsoft.com/office/powerpoint/2010/main" xmlns:a14="http://schemas.microsoft.com/office/drawing/2010/main" w="9525">
+                <a14:hiddenLine xmlns:a14="http://schemas.microsoft.com/office/drawing/2010/main" xmlns:p14="http://schemas.microsoft.com/office/powerpoint/2010/main" xmlns:a16="http://schemas.microsoft.com/office/drawing/2014/main" xmlns="" w="9525">
                   <a:solidFill>
                     <a:srgbClr val="000000"/>
                   </a:solidFill>
@@ -46912,7 +46806,7 @@
             </a:ln>
             <a:extLst>
               <a:ext uri="{91240B29-F687-4f45-9708-019B960494DF}">
-                <a14:hiddenLine xmlns="" xmlns:a16="http://schemas.microsoft.com/office/drawing/2014/main" xmlns:p14="http://schemas.microsoft.com/office/powerpoint/2010/main" xmlns:a14="http://schemas.microsoft.com/office/drawing/2010/main" w="9525">
+                <a14:hiddenLine xmlns:a14="http://schemas.microsoft.com/office/drawing/2010/main" xmlns:p14="http://schemas.microsoft.com/office/powerpoint/2010/main" xmlns:a16="http://schemas.microsoft.com/office/drawing/2014/main" xmlns="" w="9525">
                   <a:solidFill>
                     <a:srgbClr val="000000"/>
                   </a:solidFill>
@@ -46961,7 +46855,7 @@
             </a:ln>
             <a:extLst>
               <a:ext uri="{91240B29-F687-4f45-9708-019B960494DF}">
-                <a14:hiddenLine xmlns="" xmlns:a16="http://schemas.microsoft.com/office/drawing/2014/main" xmlns:p14="http://schemas.microsoft.com/office/powerpoint/2010/main" xmlns:a14="http://schemas.microsoft.com/office/drawing/2010/main" w="9525">
+                <a14:hiddenLine xmlns:a14="http://schemas.microsoft.com/office/drawing/2010/main" xmlns:p14="http://schemas.microsoft.com/office/powerpoint/2010/main" xmlns:a16="http://schemas.microsoft.com/office/drawing/2014/main" xmlns="" w="9525">
                   <a:solidFill>
                     <a:srgbClr val="000000"/>
                   </a:solidFill>
@@ -47041,7 +46935,7 @@
             </a:ln>
             <a:extLst>
               <a:ext uri="{91240B29-F687-4f45-9708-019B960494DF}">
-                <a14:hiddenLine xmlns="" xmlns:a16="http://schemas.microsoft.com/office/drawing/2014/main" xmlns:p14="http://schemas.microsoft.com/office/powerpoint/2010/main" xmlns:a14="http://schemas.microsoft.com/office/drawing/2010/main" w="9525">
+                <a14:hiddenLine xmlns:a14="http://schemas.microsoft.com/office/drawing/2010/main" xmlns:p14="http://schemas.microsoft.com/office/powerpoint/2010/main" xmlns:a16="http://schemas.microsoft.com/office/drawing/2014/main" xmlns="" w="9525">
                   <a:solidFill>
                     <a:srgbClr val="000000"/>
                   </a:solidFill>
@@ -47146,7 +47040,7 @@
             </a:ln>
             <a:extLst>
               <a:ext uri="{91240B29-F687-4f45-9708-019B960494DF}">
-                <a14:hiddenLine xmlns="" xmlns:a16="http://schemas.microsoft.com/office/drawing/2014/main" xmlns:p14="http://schemas.microsoft.com/office/powerpoint/2010/main" xmlns:a14="http://schemas.microsoft.com/office/drawing/2010/main" w="9525">
+                <a14:hiddenLine xmlns:a14="http://schemas.microsoft.com/office/drawing/2010/main" xmlns:p14="http://schemas.microsoft.com/office/powerpoint/2010/main" xmlns:a16="http://schemas.microsoft.com/office/drawing/2014/main" xmlns="" w="9525">
                   <a:solidFill>
                     <a:srgbClr val="000000"/>
                   </a:solidFill>
@@ -47223,7 +47117,7 @@
             </a:ln>
             <a:extLst>
               <a:ext uri="{91240B29-F687-4f45-9708-019B960494DF}">
-                <a14:hiddenLine xmlns="" xmlns:a16="http://schemas.microsoft.com/office/drawing/2014/main" xmlns:p14="http://schemas.microsoft.com/office/powerpoint/2010/main" xmlns:a14="http://schemas.microsoft.com/office/drawing/2010/main" w="9525">
+                <a14:hiddenLine xmlns:a14="http://schemas.microsoft.com/office/drawing/2010/main" xmlns:p14="http://schemas.microsoft.com/office/powerpoint/2010/main" xmlns:a16="http://schemas.microsoft.com/office/drawing/2014/main" xmlns="" w="9525">
                   <a:solidFill>
                     <a:srgbClr val="000000"/>
                   </a:solidFill>
@@ -47328,7 +47222,7 @@
             </a:ln>
             <a:extLst>
               <a:ext uri="{91240B29-F687-4f45-9708-019B960494DF}">
-                <a14:hiddenLine xmlns="" xmlns:a16="http://schemas.microsoft.com/office/drawing/2014/main" xmlns:p14="http://schemas.microsoft.com/office/powerpoint/2010/main" xmlns:a14="http://schemas.microsoft.com/office/drawing/2010/main" w="9525">
+                <a14:hiddenLine xmlns:a14="http://schemas.microsoft.com/office/drawing/2010/main" xmlns:p14="http://schemas.microsoft.com/office/powerpoint/2010/main" xmlns:a16="http://schemas.microsoft.com/office/drawing/2014/main" xmlns="" w="9525">
                   <a:solidFill>
                     <a:srgbClr val="000000"/>
                   </a:solidFill>
@@ -47433,7 +47327,7 @@
             </a:ln>
             <a:extLst>
               <a:ext uri="{91240B29-F687-4f45-9708-019B960494DF}">
-                <a14:hiddenLine xmlns="" xmlns:a16="http://schemas.microsoft.com/office/drawing/2014/main" xmlns:p14="http://schemas.microsoft.com/office/powerpoint/2010/main" xmlns:a14="http://schemas.microsoft.com/office/drawing/2010/main" w="9525">
+                <a14:hiddenLine xmlns:a14="http://schemas.microsoft.com/office/drawing/2010/main" xmlns:p14="http://schemas.microsoft.com/office/powerpoint/2010/main" xmlns:a16="http://schemas.microsoft.com/office/drawing/2014/main" xmlns="" w="9525">
                   <a:solidFill>
                     <a:srgbClr val="000000"/>
                   </a:solidFill>
@@ -47513,7 +47407,7 @@
             </a:ln>
             <a:extLst>
               <a:ext uri="{91240B29-F687-4f45-9708-019B960494DF}">
-                <a14:hiddenLine xmlns="" xmlns:a16="http://schemas.microsoft.com/office/drawing/2014/main" xmlns:p14="http://schemas.microsoft.com/office/powerpoint/2010/main" xmlns:a14="http://schemas.microsoft.com/office/drawing/2010/main" w="9525">
+                <a14:hiddenLine xmlns:a14="http://schemas.microsoft.com/office/drawing/2010/main" xmlns:p14="http://schemas.microsoft.com/office/powerpoint/2010/main" xmlns:a16="http://schemas.microsoft.com/office/drawing/2014/main" xmlns="" w="9525">
                   <a:solidFill>
                     <a:srgbClr val="000000"/>
                   </a:solidFill>
@@ -47590,7 +47484,7 @@
             </a:ln>
             <a:extLst>
               <a:ext uri="{91240B29-F687-4f45-9708-019B960494DF}">
-                <a14:hiddenLine xmlns="" xmlns:a16="http://schemas.microsoft.com/office/drawing/2014/main" xmlns:p14="http://schemas.microsoft.com/office/powerpoint/2010/main" xmlns:a14="http://schemas.microsoft.com/office/drawing/2010/main" w="9525">
+                <a14:hiddenLine xmlns:a14="http://schemas.microsoft.com/office/drawing/2010/main" xmlns:p14="http://schemas.microsoft.com/office/powerpoint/2010/main" xmlns:a16="http://schemas.microsoft.com/office/drawing/2014/main" xmlns="" w="9525">
                   <a:solidFill>
                     <a:srgbClr val="000000"/>
                   </a:solidFill>
@@ -47695,7 +47589,7 @@
             </a:ln>
             <a:extLst>
               <a:ext uri="{91240B29-F687-4f45-9708-019B960494DF}">
-                <a14:hiddenLine xmlns="" xmlns:a16="http://schemas.microsoft.com/office/drawing/2014/main" xmlns:p14="http://schemas.microsoft.com/office/powerpoint/2010/main" xmlns:a14="http://schemas.microsoft.com/office/drawing/2010/main" w="9525">
+                <a14:hiddenLine xmlns:a14="http://schemas.microsoft.com/office/drawing/2010/main" xmlns:p14="http://schemas.microsoft.com/office/powerpoint/2010/main" xmlns:a16="http://schemas.microsoft.com/office/drawing/2014/main" xmlns="" w="9525">
                   <a:solidFill>
                     <a:srgbClr val="000000"/>
                   </a:solidFill>
@@ -47800,7 +47694,7 @@
             </a:ln>
             <a:extLst>
               <a:ext uri="{91240B29-F687-4f45-9708-019B960494DF}">
-                <a14:hiddenLine xmlns="" xmlns:a16="http://schemas.microsoft.com/office/drawing/2014/main" xmlns:p14="http://schemas.microsoft.com/office/powerpoint/2010/main" xmlns:a14="http://schemas.microsoft.com/office/drawing/2010/main" w="9525">
+                <a14:hiddenLine xmlns:a14="http://schemas.microsoft.com/office/drawing/2010/main" xmlns:p14="http://schemas.microsoft.com/office/powerpoint/2010/main" xmlns:a16="http://schemas.microsoft.com/office/drawing/2014/main" xmlns="" w="9525">
                   <a:solidFill>
                     <a:srgbClr val="000000"/>
                   </a:solidFill>
@@ -47877,7 +47771,7 @@
             </a:ln>
             <a:extLst>
               <a:ext uri="{91240B29-F687-4f45-9708-019B960494DF}">
-                <a14:hiddenLine xmlns="" xmlns:a16="http://schemas.microsoft.com/office/drawing/2014/main" xmlns:p14="http://schemas.microsoft.com/office/powerpoint/2010/main" xmlns:a14="http://schemas.microsoft.com/office/drawing/2010/main" w="9525">
+                <a14:hiddenLine xmlns:a14="http://schemas.microsoft.com/office/drawing/2010/main" xmlns:p14="http://schemas.microsoft.com/office/powerpoint/2010/main" xmlns:a16="http://schemas.microsoft.com/office/drawing/2014/main" xmlns="" w="9525">
                   <a:solidFill>
                     <a:srgbClr val="000000"/>
                   </a:solidFill>
@@ -48012,7 +47906,7 @@
             </a:ln>
             <a:extLst>
               <a:ext uri="{91240B29-F687-4f45-9708-019B960494DF}">
-                <a14:hiddenLine xmlns="" xmlns:a16="http://schemas.microsoft.com/office/drawing/2014/main" xmlns:p14="http://schemas.microsoft.com/office/powerpoint/2010/main" xmlns:a14="http://schemas.microsoft.com/office/drawing/2010/main" w="9525">
+                <a14:hiddenLine xmlns:a14="http://schemas.microsoft.com/office/drawing/2010/main" xmlns:p14="http://schemas.microsoft.com/office/powerpoint/2010/main" xmlns:a16="http://schemas.microsoft.com/office/drawing/2014/main" xmlns="" w="9525">
                   <a:solidFill>
                     <a:srgbClr val="000000"/>
                   </a:solidFill>
@@ -48095,7 +47989,7 @@
             </a:ln>
             <a:extLst>
               <a:ext uri="{91240B29-F687-4f45-9708-019B960494DF}">
-                <a14:hiddenLine xmlns="" xmlns:a16="http://schemas.microsoft.com/office/drawing/2014/main" xmlns:p14="http://schemas.microsoft.com/office/powerpoint/2010/main" xmlns:a14="http://schemas.microsoft.com/office/drawing/2010/main" w="9525">
+                <a14:hiddenLine xmlns:a14="http://schemas.microsoft.com/office/drawing/2010/main" xmlns:p14="http://schemas.microsoft.com/office/powerpoint/2010/main" xmlns:a16="http://schemas.microsoft.com/office/drawing/2014/main" xmlns="" w="9525">
                   <a:solidFill>
                     <a:srgbClr val="000000"/>
                   </a:solidFill>
@@ -48200,7 +48094,7 @@
             </a:ln>
             <a:extLst>
               <a:ext uri="{91240B29-F687-4f45-9708-019B960494DF}">
-                <a14:hiddenLine xmlns="" xmlns:a16="http://schemas.microsoft.com/office/drawing/2014/main" xmlns:p14="http://schemas.microsoft.com/office/powerpoint/2010/main" xmlns:a14="http://schemas.microsoft.com/office/drawing/2010/main" w="9525">
+                <a14:hiddenLine xmlns:a14="http://schemas.microsoft.com/office/drawing/2010/main" xmlns:p14="http://schemas.microsoft.com/office/powerpoint/2010/main" xmlns:a16="http://schemas.microsoft.com/office/drawing/2014/main" xmlns="" w="9525">
                   <a:solidFill>
                     <a:srgbClr val="000000"/>
                   </a:solidFill>
@@ -50285,290 +50179,4 @@
     </a:ext>
   </a:extLst>
 </a:theme>
-</file>
-
-<file path=ppt/theme/themeOverride1.xml><?xml version="1.0" encoding="utf-8"?>
-<a:themeOverride xmlns:a="http://schemas.openxmlformats.org/drawingml/2006/main">
-  <a:clrScheme name="Office">
-    <a:dk1>
-      <a:sysClr val="windowText" lastClr="000000"/>
-    </a:dk1>
-    <a:lt1>
-      <a:sysClr val="window" lastClr="FFFFFF"/>
-    </a:lt1>
-    <a:dk2>
-      <a:srgbClr val="44546A"/>
-    </a:dk2>
-    <a:lt2>
-      <a:srgbClr val="E7E6E6"/>
-    </a:lt2>
-    <a:accent1>
-      <a:srgbClr val="4472C4"/>
-    </a:accent1>
-    <a:accent2>
-      <a:srgbClr val="ED7D31"/>
-    </a:accent2>
-    <a:accent3>
-      <a:srgbClr val="A5A5A5"/>
-    </a:accent3>
-    <a:accent4>
-      <a:srgbClr val="FFC000"/>
-    </a:accent4>
-    <a:accent5>
-      <a:srgbClr val="5B9BD5"/>
-    </a:accent5>
-    <a:accent6>
-      <a:srgbClr val="70AD47"/>
-    </a:accent6>
-    <a:hlink>
-      <a:srgbClr val="0563C1"/>
-    </a:hlink>
-    <a:folHlink>
-      <a:srgbClr val="954F72"/>
-    </a:folHlink>
-  </a:clrScheme>
-  <a:fontScheme name="Office">
-    <a:majorFont>
-      <a:latin typeface="Calibri Light" panose="020F0302020204030204"/>
-      <a:ea typeface=""/>
-      <a:cs typeface=""/>
-      <a:font script="Jpan" typeface="游ゴシック Light"/>
-      <a:font script="Hang" typeface="맑은 고딕"/>
-      <a:font script="Hans" typeface="等线 Light"/>
-      <a:font script="Hant" typeface="新細明體"/>
-      <a:font script="Arab" typeface="Times New Roman"/>
-      <a:font script="Hebr" typeface="Times New Roman"/>
-      <a:font script="Thai" typeface="Tahoma"/>
-      <a:font script="Ethi" typeface="Nyala"/>
-      <a:font script="Beng" typeface="Vrinda"/>
-      <a:font script="Gujr" typeface="Shruti"/>
-      <a:font script="Khmr" typeface="MoolBoran"/>
-      <a:font script="Knda" typeface="Tunga"/>
-      <a:font script="Guru" typeface="Raavi"/>
-      <a:font script="Cans" typeface="Euphemia"/>
-      <a:font script="Cher" typeface="Plantagenet Cherokee"/>
-      <a:font script="Yiii" typeface="Microsoft Yi Baiti"/>
-      <a:font script="Tibt" typeface="Microsoft Himalaya"/>
-      <a:font script="Thaa" typeface="MV Boli"/>
-      <a:font script="Deva" typeface="Mangal"/>
-      <a:font script="Telu" typeface="Gautami"/>
-      <a:font script="Taml" typeface="Latha"/>
-      <a:font script="Syrc" typeface="Estrangelo Edessa"/>
-      <a:font script="Orya" typeface="Kalinga"/>
-      <a:font script="Mlym" typeface="Kartika"/>
-      <a:font script="Laoo" typeface="DokChampa"/>
-      <a:font script="Sinh" typeface="Iskoola Pota"/>
-      <a:font script="Mong" typeface="Mongolian Baiti"/>
-      <a:font script="Viet" typeface="Times New Roman"/>
-      <a:font script="Uigh" typeface="Microsoft Uighur"/>
-      <a:font script="Geor" typeface="Sylfaen"/>
-      <a:font script="Armn" typeface="Arial"/>
-      <a:font script="Bugi" typeface="Leelawadee UI"/>
-      <a:font script="Bopo" typeface="Microsoft JhengHei"/>
-      <a:font script="Java" typeface="Javanese Text"/>
-      <a:font script="Lisu" typeface="Segoe UI"/>
-      <a:font script="Mymr" typeface="Myanmar Text"/>
-      <a:font script="Nkoo" typeface="Ebrima"/>
-      <a:font script="Olck" typeface="Nirmala UI"/>
-      <a:font script="Osma" typeface="Ebrima"/>
-      <a:font script="Phag" typeface="Phagspa"/>
-      <a:font script="Syrn" typeface="Estrangelo Edessa"/>
-      <a:font script="Syrj" typeface="Estrangelo Edessa"/>
-      <a:font script="Syre" typeface="Estrangelo Edessa"/>
-      <a:font script="Sora" typeface="Nirmala UI"/>
-      <a:font script="Tale" typeface="Microsoft Tai Le"/>
-      <a:font script="Talu" typeface="Microsoft New Tai Lue"/>
-      <a:font script="Tfng" typeface="Ebrima"/>
-    </a:majorFont>
-    <a:minorFont>
-      <a:latin typeface="Calibri" panose="020F0502020204030204"/>
-      <a:ea typeface=""/>
-      <a:cs typeface=""/>
-      <a:font script="Jpan" typeface="游ゴシック"/>
-      <a:font script="Hang" typeface="맑은 고딕"/>
-      <a:font script="Hans" typeface="等线"/>
-      <a:font script="Hant" typeface="新細明體"/>
-      <a:font script="Arab" typeface="Arial"/>
-      <a:font script="Hebr" typeface="Arial"/>
-      <a:font script="Thai" typeface="Tahoma"/>
-      <a:font script="Ethi" typeface="Nyala"/>
-      <a:font script="Beng" typeface="Vrinda"/>
-      <a:font script="Gujr" typeface="Shruti"/>
-      <a:font script="Khmr" typeface="DaunPenh"/>
-      <a:font script="Knda" typeface="Tunga"/>
-      <a:font script="Guru" typeface="Raavi"/>
-      <a:font script="Cans" typeface="Euphemia"/>
-      <a:font script="Cher" typeface="Plantagenet Cherokee"/>
-      <a:font script="Yiii" typeface="Microsoft Yi Baiti"/>
-      <a:font script="Tibt" typeface="Microsoft Himalaya"/>
-      <a:font script="Thaa" typeface="MV Boli"/>
-      <a:font script="Deva" typeface="Mangal"/>
-      <a:font script="Telu" typeface="Gautami"/>
-      <a:font script="Taml" typeface="Latha"/>
-      <a:font script="Syrc" typeface="Estrangelo Edessa"/>
-      <a:font script="Orya" typeface="Kalinga"/>
-      <a:font script="Mlym" typeface="Kartika"/>
-      <a:font script="Laoo" typeface="DokChampa"/>
-      <a:font script="Sinh" typeface="Iskoola Pota"/>
-      <a:font script="Mong" typeface="Mongolian Baiti"/>
-      <a:font script="Viet" typeface="Arial"/>
-      <a:font script="Uigh" typeface="Microsoft Uighur"/>
-      <a:font script="Geor" typeface="Sylfaen"/>
-      <a:font script="Armn" typeface="Arial"/>
-      <a:font script="Bugi" typeface="Leelawadee UI"/>
-      <a:font script="Bopo" typeface="Microsoft JhengHei"/>
-      <a:font script="Java" typeface="Javanese Text"/>
-      <a:font script="Lisu" typeface="Segoe UI"/>
-      <a:font script="Mymr" typeface="Myanmar Text"/>
-      <a:font script="Nkoo" typeface="Ebrima"/>
-      <a:font script="Olck" typeface="Nirmala UI"/>
-      <a:font script="Osma" typeface="Ebrima"/>
-      <a:font script="Phag" typeface="Phagspa"/>
-      <a:font script="Syrn" typeface="Estrangelo Edessa"/>
-      <a:font script="Syrj" typeface="Estrangelo Edessa"/>
-      <a:font script="Syre" typeface="Estrangelo Edessa"/>
-      <a:font script="Sora" typeface="Nirmala UI"/>
-      <a:font script="Tale" typeface="Microsoft Tai Le"/>
-      <a:font script="Talu" typeface="Microsoft New Tai Lue"/>
-      <a:font script="Tfng" typeface="Ebrima"/>
-    </a:minorFont>
-  </a:fontScheme>
-  <a:fmtScheme name="Office">
-    <a:fillStyleLst>
-      <a:solidFill>
-        <a:schemeClr val="phClr"/>
-      </a:solidFill>
-      <a:gradFill rotWithShape="1">
-        <a:gsLst>
-          <a:gs pos="0">
-            <a:schemeClr val="phClr">
-              <a:lumMod val="110000"/>
-              <a:satMod val="105000"/>
-              <a:tint val="67000"/>
-            </a:schemeClr>
-          </a:gs>
-          <a:gs pos="50000">
-            <a:schemeClr val="phClr">
-              <a:lumMod val="105000"/>
-              <a:satMod val="103000"/>
-              <a:tint val="73000"/>
-            </a:schemeClr>
-          </a:gs>
-          <a:gs pos="100000">
-            <a:schemeClr val="phClr">
-              <a:lumMod val="105000"/>
-              <a:satMod val="109000"/>
-              <a:tint val="81000"/>
-            </a:schemeClr>
-          </a:gs>
-        </a:gsLst>
-        <a:lin ang="5400000" scaled="0"/>
-      </a:gradFill>
-      <a:gradFill rotWithShape="1">
-        <a:gsLst>
-          <a:gs pos="0">
-            <a:schemeClr val="phClr">
-              <a:satMod val="103000"/>
-              <a:lumMod val="102000"/>
-              <a:tint val="94000"/>
-            </a:schemeClr>
-          </a:gs>
-          <a:gs pos="50000">
-            <a:schemeClr val="phClr">
-              <a:satMod val="110000"/>
-              <a:lumMod val="100000"/>
-              <a:shade val="100000"/>
-            </a:schemeClr>
-          </a:gs>
-          <a:gs pos="100000">
-            <a:schemeClr val="phClr">
-              <a:lumMod val="99000"/>
-              <a:satMod val="120000"/>
-              <a:shade val="78000"/>
-            </a:schemeClr>
-          </a:gs>
-        </a:gsLst>
-        <a:lin ang="5400000" scaled="0"/>
-      </a:gradFill>
-    </a:fillStyleLst>
-    <a:lnStyleLst>
-      <a:ln w="6350" cap="flat" cmpd="sng" algn="ctr">
-        <a:solidFill>
-          <a:schemeClr val="phClr"/>
-        </a:solidFill>
-        <a:prstDash val="solid"/>
-        <a:miter lim="800000"/>
-      </a:ln>
-      <a:ln w="12700" cap="flat" cmpd="sng" algn="ctr">
-        <a:solidFill>
-          <a:schemeClr val="phClr"/>
-        </a:solidFill>
-        <a:prstDash val="solid"/>
-        <a:miter lim="800000"/>
-      </a:ln>
-      <a:ln w="19050" cap="flat" cmpd="sng" algn="ctr">
-        <a:solidFill>
-          <a:schemeClr val="phClr"/>
-        </a:solidFill>
-        <a:prstDash val="solid"/>
-        <a:miter lim="800000"/>
-      </a:ln>
-    </a:lnStyleLst>
-    <a:effectStyleLst>
-      <a:effectStyle>
-        <a:effectLst/>
-      </a:effectStyle>
-      <a:effectStyle>
-        <a:effectLst/>
-      </a:effectStyle>
-      <a:effectStyle>
-        <a:effectLst>
-          <a:outerShdw blurRad="57150" dist="19050" dir="5400000" algn="ctr" rotWithShape="0">
-            <a:srgbClr val="000000">
-              <a:alpha val="63000"/>
-            </a:srgbClr>
-          </a:outerShdw>
-        </a:effectLst>
-      </a:effectStyle>
-    </a:effectStyleLst>
-    <a:bgFillStyleLst>
-      <a:solidFill>
-        <a:schemeClr val="phClr"/>
-      </a:solidFill>
-      <a:solidFill>
-        <a:schemeClr val="phClr">
-          <a:tint val="95000"/>
-          <a:satMod val="170000"/>
-        </a:schemeClr>
-      </a:solidFill>
-      <a:gradFill rotWithShape="1">
-        <a:gsLst>
-          <a:gs pos="0">
-            <a:schemeClr val="phClr">
-              <a:tint val="93000"/>
-              <a:satMod val="150000"/>
-              <a:shade val="98000"/>
-              <a:lumMod val="102000"/>
-            </a:schemeClr>
-          </a:gs>
-          <a:gs pos="50000">
-            <a:schemeClr val="phClr">
-              <a:tint val="98000"/>
-              <a:satMod val="130000"/>
-              <a:shade val="90000"/>
-              <a:lumMod val="103000"/>
-            </a:schemeClr>
-          </a:gs>
-          <a:gs pos="100000">
-            <a:schemeClr val="phClr">
-              <a:shade val="63000"/>
-              <a:satMod val="120000"/>
-            </a:schemeClr>
-          </a:gs>
-        </a:gsLst>
-        <a:lin ang="5400000" scaled="0"/>
-      </a:gradFill>
-    </a:bgFillStyleLst>
-  </a:fmtScheme>
-</a:themeOverride>
 </file>